--- a/workshop_documents/Introduction_workshop_slides.pptx
+++ b/workshop_documents/Introduction_workshop_slides.pptx
@@ -5,30 +5,31 @@
     <p:sldMasterId id="2147483648" r:id="rId1"/>
   </p:sldMasterIdLst>
   <p:notesMasterIdLst>
-    <p:notesMasterId r:id="rId23"/>
+    <p:notesMasterId r:id="rId24"/>
   </p:notesMasterIdLst>
   <p:sldIdLst>
     <p:sldId id="277" r:id="rId2"/>
     <p:sldId id="257" r:id="rId3"/>
     <p:sldId id="258" r:id="rId4"/>
     <p:sldId id="259" r:id="rId5"/>
-    <p:sldId id="260" r:id="rId6"/>
-    <p:sldId id="261" r:id="rId7"/>
-    <p:sldId id="262" r:id="rId8"/>
-    <p:sldId id="263" r:id="rId9"/>
-    <p:sldId id="264" r:id="rId10"/>
-    <p:sldId id="265" r:id="rId11"/>
-    <p:sldId id="266" r:id="rId12"/>
-    <p:sldId id="267" r:id="rId13"/>
-    <p:sldId id="268" r:id="rId14"/>
-    <p:sldId id="269" r:id="rId15"/>
-    <p:sldId id="270" r:id="rId16"/>
-    <p:sldId id="271" r:id="rId17"/>
-    <p:sldId id="272" r:id="rId18"/>
-    <p:sldId id="273" r:id="rId19"/>
-    <p:sldId id="274" r:id="rId20"/>
-    <p:sldId id="275" r:id="rId21"/>
-    <p:sldId id="276" r:id="rId22"/>
+    <p:sldId id="279" r:id="rId6"/>
+    <p:sldId id="278" r:id="rId7"/>
+    <p:sldId id="261" r:id="rId8"/>
+    <p:sldId id="262" r:id="rId9"/>
+    <p:sldId id="263" r:id="rId10"/>
+    <p:sldId id="264" r:id="rId11"/>
+    <p:sldId id="265" r:id="rId12"/>
+    <p:sldId id="266" r:id="rId13"/>
+    <p:sldId id="267" r:id="rId14"/>
+    <p:sldId id="268" r:id="rId15"/>
+    <p:sldId id="269" r:id="rId16"/>
+    <p:sldId id="270" r:id="rId17"/>
+    <p:sldId id="271" r:id="rId18"/>
+    <p:sldId id="272" r:id="rId19"/>
+    <p:sldId id="273" r:id="rId20"/>
+    <p:sldId id="274" r:id="rId21"/>
+    <p:sldId id="275" r:id="rId22"/>
+    <p:sldId id="276" r:id="rId23"/>
   </p:sldIdLst>
   <p:sldSz cx="12192000" cy="6858000"/>
   <p:notesSz cx="6858000" cy="9144000"/>
@@ -1576,174 +1577,6 @@
   <p:cSld>
     <p:spTree>
       <p:nvGrpSpPr>
-        <p:cNvPr id="1" name="Shape 144"/>
-        <p:cNvGrpSpPr/>
-        <p:nvPr/>
-      </p:nvGrpSpPr>
-      <p:grpSpPr>
-        <a:xfrm>
-          <a:off x="0" y="0"/>
-          <a:ext cx="0" cy="0"/>
-          <a:chOff x="0" y="0"/>
-          <a:chExt cx="0" cy="0"/>
-        </a:xfrm>
-      </p:grpSpPr>
-      <p:sp>
-        <p:nvSpPr>
-          <p:cNvPr id="145" name="Google Shape;145;p8:notes"/>
-          <p:cNvSpPr>
-            <a:spLocks noGrp="1" noRot="1" noChangeAspect="1"/>
-          </p:cNvSpPr>
-          <p:nvPr>
-            <p:ph type="sldImg" idx="2"/>
-          </p:nvPr>
-        </p:nvSpPr>
-        <p:spPr>
-          <a:xfrm>
-            <a:off x="685800" y="1143000"/>
-            <a:ext cx="5486400" cy="3086100"/>
-          </a:xfrm>
-          <a:custGeom>
-            <a:avLst/>
-            <a:gdLst/>
-            <a:ahLst/>
-            <a:cxnLst/>
-            <a:rect l="l" t="t" r="r" b="b"/>
-            <a:pathLst>
-              <a:path w="120000" h="120000" extrusionOk="0">
-                <a:moveTo>
-                  <a:pt x="0" y="0"/>
-                </a:moveTo>
-                <a:lnTo>
-                  <a:pt x="120000" y="0"/>
-                </a:lnTo>
-                <a:lnTo>
-                  <a:pt x="120000" y="120000"/>
-                </a:lnTo>
-                <a:lnTo>
-                  <a:pt x="0" y="120000"/>
-                </a:lnTo>
-                <a:close/>
-              </a:path>
-            </a:pathLst>
-          </a:custGeom>
-          <a:noFill/>
-          <a:ln w="12700" cap="flat" cmpd="sng">
-            <a:solidFill>
-              <a:srgbClr val="000000"/>
-            </a:solidFill>
-            <a:prstDash val="solid"/>
-            <a:round/>
-            <a:headEnd type="none" w="sm" len="sm"/>
-            <a:tailEnd type="none" w="sm" len="sm"/>
-          </a:ln>
-        </p:spPr>
-      </p:sp>
-      <p:sp>
-        <p:nvSpPr>
-          <p:cNvPr id="146" name="Google Shape;146;p8:notes"/>
-          <p:cNvSpPr txBox="1">
-            <a:spLocks noGrp="1"/>
-          </p:cNvSpPr>
-          <p:nvPr>
-            <p:ph type="body" idx="1"/>
-          </p:nvPr>
-        </p:nvSpPr>
-        <p:spPr>
-          <a:xfrm>
-            <a:off x="685800" y="4400550"/>
-            <a:ext cx="5486400" cy="3600450"/>
-          </a:xfrm>
-          <a:prstGeom prst="rect">
-            <a:avLst/>
-          </a:prstGeom>
-          <a:noFill/>
-          <a:ln>
-            <a:noFill/>
-          </a:ln>
-        </p:spPr>
-        <p:txBody>
-          <a:bodyPr spcFirstLastPara="1" wrap="square" lIns="91425" tIns="45700" rIns="91425" bIns="45700" anchor="t" anchorCtr="0">
-            <a:noAutofit/>
-          </a:bodyPr>
-          <a:lstStyle/>
-          <a:p>
-            <a:pPr marL="0" lvl="0" indent="0" algn="l" rtl="0">
-              <a:spcBef>
-                <a:spcPts val="0"/>
-              </a:spcBef>
-              <a:spcAft>
-                <a:spcPts val="0"/>
-              </a:spcAft>
-              <a:buNone/>
-            </a:pPr>
-            <a:r>
-              <a:rPr lang="en-US"/>
-              <a:t>DEMO – code formatting, ect. </a:t>
-            </a:r>
-            <a:endParaRPr/>
-          </a:p>
-        </p:txBody>
-      </p:sp>
-      <p:sp>
-        <p:nvSpPr>
-          <p:cNvPr id="147" name="Google Shape;147;p8:notes"/>
-          <p:cNvSpPr txBox="1">
-            <a:spLocks noGrp="1"/>
-          </p:cNvSpPr>
-          <p:nvPr>
-            <p:ph type="sldNum" idx="12"/>
-          </p:nvPr>
-        </p:nvSpPr>
-        <p:spPr>
-          <a:xfrm>
-            <a:off x="3884613" y="8685213"/>
-            <a:ext cx="2971800" cy="458787"/>
-          </a:xfrm>
-          <a:prstGeom prst="rect">
-            <a:avLst/>
-          </a:prstGeom>
-          <a:noFill/>
-          <a:ln>
-            <a:noFill/>
-          </a:ln>
-        </p:spPr>
-        <p:txBody>
-          <a:bodyPr spcFirstLastPara="1" wrap="square" lIns="91425" tIns="45700" rIns="91425" bIns="45700" anchor="b" anchorCtr="0">
-            <a:noAutofit/>
-          </a:bodyPr>
-          <a:lstStyle/>
-          <a:p>
-            <a:pPr marL="0" lvl="0" indent="0" algn="r" rtl="0">
-              <a:spcBef>
-                <a:spcPts val="0"/>
-              </a:spcBef>
-              <a:spcAft>
-                <a:spcPts val="0"/>
-              </a:spcAft>
-              <a:buNone/>
-            </a:pPr>
-            <a:fld id="{00000000-1234-1234-1234-123412341234}" type="slidenum">
-              <a:rPr lang="en-US"/>
-              <a:t>10</a:t>
-            </a:fld>
-            <a:endParaRPr/>
-          </a:p>
-        </p:txBody>
-      </p:sp>
-    </p:spTree>
-  </p:cSld>
-  <p:clrMapOvr>
-    <a:masterClrMapping/>
-  </p:clrMapOvr>
-</p:notes>
-</file>
-
-<file path=ppt/notesSlides/notesSlide11.xml><?xml version="1.0" encoding="utf-8"?>
-<p:notes xmlns:a="http://schemas.openxmlformats.org/drawingml/2006/main" xmlns:r="http://schemas.openxmlformats.org/officeDocument/2006/relationships" xmlns:p="http://schemas.openxmlformats.org/presentationml/2006/main" showMasterSp="0" showMasterPhAnim="0">
-  <p:cSld>
-    <p:spTree>
-      <p:nvGrpSpPr>
         <p:cNvPr id="1" name="Shape 151"/>
         <p:cNvGrpSpPr/>
         <p:nvPr/>
@@ -1913,7 +1746,7 @@
             </a:pPr>
             <a:fld id="{00000000-1234-1234-1234-123412341234}" type="slidenum">
               <a:rPr lang="en-US"/>
-              <a:t>11</a:t>
+              <a:t>12</a:t>
             </a:fld>
             <a:endParaRPr/>
           </a:p>
@@ -1927,7 +1760,7 @@
 </p:notes>
 </file>
 
-<file path=ppt/notesSlides/notesSlide12.xml><?xml version="1.0" encoding="utf-8"?>
+<file path=ppt/notesSlides/notesSlide11.xml><?xml version="1.0" encoding="utf-8"?>
 <p:notes xmlns:a="http://schemas.openxmlformats.org/drawingml/2006/main" xmlns:r="http://schemas.openxmlformats.org/officeDocument/2006/relationships" xmlns:p="http://schemas.openxmlformats.org/presentationml/2006/main" showMasterSp="0" showMasterPhAnim="0">
   <p:cSld>
     <p:spTree>
@@ -2173,7 +2006,7 @@
             </a:pPr>
             <a:fld id="{00000000-1234-1234-1234-123412341234}" type="slidenum">
               <a:rPr lang="en-US"/>
-              <a:t>12</a:t>
+              <a:t>13</a:t>
             </a:fld>
             <a:endParaRPr/>
           </a:p>
@@ -2187,7 +2020,7 @@
 </p:notes>
 </file>
 
-<file path=ppt/notesSlides/notesSlide13.xml><?xml version="1.0" encoding="utf-8"?>
+<file path=ppt/notesSlides/notesSlide12.xml><?xml version="1.0" encoding="utf-8"?>
 <p:notes xmlns:a="http://schemas.openxmlformats.org/drawingml/2006/main" xmlns:r="http://schemas.openxmlformats.org/officeDocument/2006/relationships" xmlns:p="http://schemas.openxmlformats.org/presentationml/2006/main" showMasterSp="0" showMasterPhAnim="0">
   <p:cSld>
     <p:spTree>
@@ -2369,7 +2202,7 @@
             </a:pPr>
             <a:fld id="{00000000-1234-1234-1234-123412341234}" type="slidenum">
               <a:rPr lang="en-US"/>
-              <a:t>13</a:t>
+              <a:t>14</a:t>
             </a:fld>
             <a:endParaRPr/>
           </a:p>
@@ -2383,7 +2216,7 @@
 </p:notes>
 </file>
 
-<file path=ppt/notesSlides/notesSlide14.xml><?xml version="1.0" encoding="utf-8"?>
+<file path=ppt/notesSlides/notesSlide13.xml><?xml version="1.0" encoding="utf-8"?>
 <p:notes xmlns:a="http://schemas.openxmlformats.org/drawingml/2006/main" xmlns:r="http://schemas.openxmlformats.org/officeDocument/2006/relationships" xmlns:p="http://schemas.openxmlformats.org/presentationml/2006/main" showMasterSp="0" showMasterPhAnim="0">
   <p:cSld>
     <p:spTree>
@@ -2487,7 +2320,7 @@
 </p:notes>
 </file>
 
-<file path=ppt/notesSlides/notesSlide15.xml><?xml version="1.0" encoding="utf-8"?>
+<file path=ppt/notesSlides/notesSlide14.xml><?xml version="1.0" encoding="utf-8"?>
 <p:notes xmlns:a="http://schemas.openxmlformats.org/drawingml/2006/main" xmlns:r="http://schemas.openxmlformats.org/officeDocument/2006/relationships" xmlns:p="http://schemas.openxmlformats.org/presentationml/2006/main" showMasterSp="0" showMasterPhAnim="0">
   <p:cSld>
     <p:spTree>
@@ -2641,7 +2474,7 @@
             </a:pPr>
             <a:fld id="{00000000-1234-1234-1234-123412341234}" type="slidenum">
               <a:rPr lang="en-US"/>
-              <a:t>15</a:t>
+              <a:t>16</a:t>
             </a:fld>
             <a:endParaRPr/>
           </a:p>
@@ -2655,7 +2488,7 @@
 </p:notes>
 </file>
 
-<file path=ppt/notesSlides/notesSlide16.xml><?xml version="1.0" encoding="utf-8"?>
+<file path=ppt/notesSlides/notesSlide15.xml><?xml version="1.0" encoding="utf-8"?>
 <p:notes xmlns:a="http://schemas.openxmlformats.org/drawingml/2006/main" xmlns:r="http://schemas.openxmlformats.org/officeDocument/2006/relationships" xmlns:p="http://schemas.openxmlformats.org/presentationml/2006/main" showMasterSp="0" showMasterPhAnim="0">
   <p:cSld>
     <p:spTree>
@@ -2893,7 +2726,7 @@
             </a:pPr>
             <a:fld id="{00000000-1234-1234-1234-123412341234}" type="slidenum">
               <a:rPr lang="en-US"/>
-              <a:t>16</a:t>
+              <a:t>17</a:t>
             </a:fld>
             <a:endParaRPr/>
           </a:p>
@@ -2907,7 +2740,7 @@
 </p:notes>
 </file>
 
-<file path=ppt/notesSlides/notesSlide17.xml><?xml version="1.0" encoding="utf-8"?>
+<file path=ppt/notesSlides/notesSlide16.xml><?xml version="1.0" encoding="utf-8"?>
 <p:notes xmlns:a="http://schemas.openxmlformats.org/drawingml/2006/main" xmlns:r="http://schemas.openxmlformats.org/officeDocument/2006/relationships" xmlns:p="http://schemas.openxmlformats.org/presentationml/2006/main" showMasterSp="0" showMasterPhAnim="0">
   <p:cSld>
     <p:spTree>
@@ -3173,7 +3006,7 @@
             </a:pPr>
             <a:fld id="{00000000-1234-1234-1234-123412341234}" type="slidenum">
               <a:rPr lang="en-US"/>
-              <a:t>17</a:t>
+              <a:t>18</a:t>
             </a:fld>
             <a:endParaRPr/>
           </a:p>
@@ -3187,7 +3020,7 @@
 </p:notes>
 </file>
 
-<file path=ppt/notesSlides/notesSlide18.xml><?xml version="1.0" encoding="utf-8"?>
+<file path=ppt/notesSlides/notesSlide17.xml><?xml version="1.0" encoding="utf-8"?>
 <p:notes xmlns:a="http://schemas.openxmlformats.org/drawingml/2006/main" xmlns:r="http://schemas.openxmlformats.org/officeDocument/2006/relationships" xmlns:p="http://schemas.openxmlformats.org/presentationml/2006/main" showMasterSp="0" showMasterPhAnim="0">
   <p:cSld>
     <p:spTree>
@@ -3341,7 +3174,7 @@
             </a:pPr>
             <a:fld id="{00000000-1234-1234-1234-123412341234}" type="slidenum">
               <a:rPr lang="en-US"/>
-              <a:t>18</a:t>
+              <a:t>19</a:t>
             </a:fld>
             <a:endParaRPr/>
           </a:p>
@@ -3355,7 +3188,7 @@
 </p:notes>
 </file>
 
-<file path=ppt/notesSlides/notesSlide19.xml><?xml version="1.0" encoding="utf-8"?>
+<file path=ppt/notesSlides/notesSlide18.xml><?xml version="1.0" encoding="utf-8"?>
 <p:notes xmlns:a="http://schemas.openxmlformats.org/drawingml/2006/main" xmlns:r="http://schemas.openxmlformats.org/officeDocument/2006/relationships" xmlns:p="http://schemas.openxmlformats.org/presentationml/2006/main" showMasterSp="0" showMasterPhAnim="0">
   <p:cSld>
     <p:spTree>
@@ -3525,7 +3358,7 @@
             </a:pPr>
             <a:fld id="{00000000-1234-1234-1234-123412341234}" type="slidenum">
               <a:rPr lang="en-US"/>
-              <a:t>19</a:t>
+              <a:t>20</a:t>
             </a:fld>
             <a:endParaRPr/>
           </a:p>
@@ -3539,111 +3372,7 @@
 </p:notes>
 </file>
 
-<file path=ppt/notesSlides/notesSlide2.xml><?xml version="1.0" encoding="utf-8"?>
-<p:notes xmlns:a="http://schemas.openxmlformats.org/drawingml/2006/main" xmlns:r="http://schemas.openxmlformats.org/officeDocument/2006/relationships" xmlns:p="http://schemas.openxmlformats.org/presentationml/2006/main" showMasterSp="0" showMasterPhAnim="0">
-  <p:cSld>
-    <p:spTree>
-      <p:nvGrpSpPr>
-        <p:cNvPr id="1" name="Shape 90"/>
-        <p:cNvGrpSpPr/>
-        <p:nvPr/>
-      </p:nvGrpSpPr>
-      <p:grpSpPr>
-        <a:xfrm>
-          <a:off x="0" y="0"/>
-          <a:ext cx="0" cy="0"/>
-          <a:chOff x="0" y="0"/>
-          <a:chExt cx="0" cy="0"/>
-        </a:xfrm>
-      </p:grpSpPr>
-      <p:sp>
-        <p:nvSpPr>
-          <p:cNvPr id="91" name="Google Shape;91;p2:notes"/>
-          <p:cNvSpPr txBox="1">
-            <a:spLocks noGrp="1"/>
-          </p:cNvSpPr>
-          <p:nvPr>
-            <p:ph type="body" idx="1"/>
-          </p:nvPr>
-        </p:nvSpPr>
-        <p:spPr>
-          <a:xfrm>
-            <a:off x="685800" y="4400550"/>
-            <a:ext cx="5486400" cy="3600450"/>
-          </a:xfrm>
-          <a:prstGeom prst="rect">
-            <a:avLst/>
-          </a:prstGeom>
-        </p:spPr>
-        <p:txBody>
-          <a:bodyPr spcFirstLastPara="1" wrap="square" lIns="91425" tIns="45700" rIns="91425" bIns="45700" anchor="t" anchorCtr="0">
-            <a:noAutofit/>
-          </a:bodyPr>
-          <a:lstStyle/>
-          <a:p>
-            <a:pPr marL="0" lvl="0" indent="0" algn="l" rtl="0">
-              <a:spcBef>
-                <a:spcPts val="0"/>
-              </a:spcBef>
-              <a:spcAft>
-                <a:spcPts val="0"/>
-              </a:spcAft>
-              <a:buNone/>
-            </a:pPr>
-            <a:endParaRPr/>
-          </a:p>
-        </p:txBody>
-      </p:sp>
-      <p:sp>
-        <p:nvSpPr>
-          <p:cNvPr id="92" name="Google Shape;92;p2:notes"/>
-          <p:cNvSpPr>
-            <a:spLocks noGrp="1" noRot="1" noChangeAspect="1"/>
-          </p:cNvSpPr>
-          <p:nvPr>
-            <p:ph type="sldImg" idx="2"/>
-          </p:nvPr>
-        </p:nvSpPr>
-        <p:spPr>
-          <a:xfrm>
-            <a:off x="685800" y="1143000"/>
-            <a:ext cx="5486400" cy="3086100"/>
-          </a:xfrm>
-          <a:custGeom>
-            <a:avLst/>
-            <a:gdLst/>
-            <a:ahLst/>
-            <a:cxnLst/>
-            <a:rect l="l" t="t" r="r" b="b"/>
-            <a:pathLst>
-              <a:path w="120000" h="120000" extrusionOk="0">
-                <a:moveTo>
-                  <a:pt x="0" y="0"/>
-                </a:moveTo>
-                <a:lnTo>
-                  <a:pt x="120000" y="0"/>
-                </a:lnTo>
-                <a:lnTo>
-                  <a:pt x="120000" y="120000"/>
-                </a:lnTo>
-                <a:lnTo>
-                  <a:pt x="0" y="120000"/>
-                </a:lnTo>
-                <a:close/>
-              </a:path>
-            </a:pathLst>
-          </a:custGeom>
-        </p:spPr>
-      </p:sp>
-    </p:spTree>
-  </p:cSld>
-  <p:clrMapOvr>
-    <a:masterClrMapping/>
-  </p:clrMapOvr>
-</p:notes>
-</file>
-
-<file path=ppt/notesSlides/notesSlide20.xml><?xml version="1.0" encoding="utf-8"?>
+<file path=ppt/notesSlides/notesSlide19.xml><?xml version="1.0" encoding="utf-8"?>
 <p:notes xmlns:a="http://schemas.openxmlformats.org/drawingml/2006/main" xmlns:r="http://schemas.openxmlformats.org/officeDocument/2006/relationships" xmlns:p="http://schemas.openxmlformats.org/presentationml/2006/main" showMasterSp="0" showMasterPhAnim="0">
   <p:cSld>
     <p:spTree>
@@ -3861,7 +3590,7 @@
             </a:pPr>
             <a:fld id="{00000000-1234-1234-1234-123412341234}" type="slidenum">
               <a:rPr lang="en-US"/>
-              <a:t>20</a:t>
+              <a:t>21</a:t>
             </a:fld>
             <a:endParaRPr/>
           </a:p>
@@ -3875,7 +3604,111 @@
 </p:notes>
 </file>
 
-<file path=ppt/notesSlides/notesSlide21.xml><?xml version="1.0" encoding="utf-8"?>
+<file path=ppt/notesSlides/notesSlide2.xml><?xml version="1.0" encoding="utf-8"?>
+<p:notes xmlns:a="http://schemas.openxmlformats.org/drawingml/2006/main" xmlns:r="http://schemas.openxmlformats.org/officeDocument/2006/relationships" xmlns:p="http://schemas.openxmlformats.org/presentationml/2006/main" showMasterSp="0" showMasterPhAnim="0">
+  <p:cSld>
+    <p:spTree>
+      <p:nvGrpSpPr>
+        <p:cNvPr id="1" name="Shape 90"/>
+        <p:cNvGrpSpPr/>
+        <p:nvPr/>
+      </p:nvGrpSpPr>
+      <p:grpSpPr>
+        <a:xfrm>
+          <a:off x="0" y="0"/>
+          <a:ext cx="0" cy="0"/>
+          <a:chOff x="0" y="0"/>
+          <a:chExt cx="0" cy="0"/>
+        </a:xfrm>
+      </p:grpSpPr>
+      <p:sp>
+        <p:nvSpPr>
+          <p:cNvPr id="91" name="Google Shape;91;p2:notes"/>
+          <p:cNvSpPr txBox="1">
+            <a:spLocks noGrp="1"/>
+          </p:cNvSpPr>
+          <p:nvPr>
+            <p:ph type="body" idx="1"/>
+          </p:nvPr>
+        </p:nvSpPr>
+        <p:spPr>
+          <a:xfrm>
+            <a:off x="685800" y="4400550"/>
+            <a:ext cx="5486400" cy="3600450"/>
+          </a:xfrm>
+          <a:prstGeom prst="rect">
+            <a:avLst/>
+          </a:prstGeom>
+        </p:spPr>
+        <p:txBody>
+          <a:bodyPr spcFirstLastPara="1" wrap="square" lIns="91425" tIns="45700" rIns="91425" bIns="45700" anchor="t" anchorCtr="0">
+            <a:noAutofit/>
+          </a:bodyPr>
+          <a:lstStyle/>
+          <a:p>
+            <a:pPr marL="0" lvl="0" indent="0" algn="l" rtl="0">
+              <a:spcBef>
+                <a:spcPts val="0"/>
+              </a:spcBef>
+              <a:spcAft>
+                <a:spcPts val="0"/>
+              </a:spcAft>
+              <a:buNone/>
+            </a:pPr>
+            <a:endParaRPr/>
+          </a:p>
+        </p:txBody>
+      </p:sp>
+      <p:sp>
+        <p:nvSpPr>
+          <p:cNvPr id="92" name="Google Shape;92;p2:notes"/>
+          <p:cNvSpPr>
+            <a:spLocks noGrp="1" noRot="1" noChangeAspect="1"/>
+          </p:cNvSpPr>
+          <p:nvPr>
+            <p:ph type="sldImg" idx="2"/>
+          </p:nvPr>
+        </p:nvSpPr>
+        <p:spPr>
+          <a:xfrm>
+            <a:off x="685800" y="1143000"/>
+            <a:ext cx="5486400" cy="3086100"/>
+          </a:xfrm>
+          <a:custGeom>
+            <a:avLst/>
+            <a:gdLst/>
+            <a:ahLst/>
+            <a:cxnLst/>
+            <a:rect l="l" t="t" r="r" b="b"/>
+            <a:pathLst>
+              <a:path w="120000" h="120000" extrusionOk="0">
+                <a:moveTo>
+                  <a:pt x="0" y="0"/>
+                </a:moveTo>
+                <a:lnTo>
+                  <a:pt x="120000" y="0"/>
+                </a:lnTo>
+                <a:lnTo>
+                  <a:pt x="120000" y="120000"/>
+                </a:lnTo>
+                <a:lnTo>
+                  <a:pt x="0" y="120000"/>
+                </a:lnTo>
+                <a:close/>
+              </a:path>
+            </a:pathLst>
+          </a:custGeom>
+        </p:spPr>
+      </p:sp>
+    </p:spTree>
+  </p:cSld>
+  <p:clrMapOvr>
+    <a:masterClrMapping/>
+  </p:clrMapOvr>
+</p:notes>
+</file>
+
+<file path=ppt/notesSlides/notesSlide20.xml><?xml version="1.0" encoding="utf-8"?>
 <p:notes xmlns:a="http://schemas.openxmlformats.org/drawingml/2006/main" xmlns:r="http://schemas.openxmlformats.org/officeDocument/2006/relationships" xmlns:p="http://schemas.openxmlformats.org/presentationml/2006/main" showMasterSp="0" showMasterPhAnim="0">
   <p:cSld>
     <p:spTree>
@@ -4025,7 +3858,7 @@
             </a:pPr>
             <a:fld id="{00000000-1234-1234-1234-123412341234}" type="slidenum">
               <a:rPr lang="en-US"/>
-              <a:t>21</a:t>
+              <a:t>22</a:t>
             </a:fld>
             <a:endParaRPr/>
           </a:p>
@@ -4362,156 +4195,6 @@
   <p:cSld>
     <p:spTree>
       <p:nvGrpSpPr>
-        <p:cNvPr id="1" name="Shape 110"/>
-        <p:cNvGrpSpPr/>
-        <p:nvPr/>
-      </p:nvGrpSpPr>
-      <p:grpSpPr>
-        <a:xfrm>
-          <a:off x="0" y="0"/>
-          <a:ext cx="0" cy="0"/>
-          <a:chOff x="0" y="0"/>
-          <a:chExt cx="0" cy="0"/>
-        </a:xfrm>
-      </p:grpSpPr>
-      <p:sp>
-        <p:nvSpPr>
-          <p:cNvPr id="111" name="Google Shape;111;ga79db86ae9_0_0:notes"/>
-          <p:cNvSpPr>
-            <a:spLocks noGrp="1" noRot="1" noChangeAspect="1"/>
-          </p:cNvSpPr>
-          <p:nvPr>
-            <p:ph type="sldImg" idx="2"/>
-          </p:nvPr>
-        </p:nvSpPr>
-        <p:spPr>
-          <a:xfrm>
-            <a:off x="685800" y="1143000"/>
-            <a:ext cx="5486400" cy="3086100"/>
-          </a:xfrm>
-          <a:custGeom>
-            <a:avLst/>
-            <a:gdLst/>
-            <a:ahLst/>
-            <a:cxnLst/>
-            <a:rect l="l" t="t" r="r" b="b"/>
-            <a:pathLst>
-              <a:path w="120000" h="120000" extrusionOk="0">
-                <a:moveTo>
-                  <a:pt x="0" y="0"/>
-                </a:moveTo>
-                <a:lnTo>
-                  <a:pt x="120000" y="0"/>
-                </a:lnTo>
-                <a:lnTo>
-                  <a:pt x="120000" y="120000"/>
-                </a:lnTo>
-                <a:lnTo>
-                  <a:pt x="0" y="120000"/>
-                </a:lnTo>
-                <a:close/>
-              </a:path>
-            </a:pathLst>
-          </a:custGeom>
-        </p:spPr>
-      </p:sp>
-      <p:sp>
-        <p:nvSpPr>
-          <p:cNvPr id="112" name="Google Shape;112;ga79db86ae9_0_0:notes"/>
-          <p:cNvSpPr txBox="1">
-            <a:spLocks noGrp="1"/>
-          </p:cNvSpPr>
-          <p:nvPr>
-            <p:ph type="body" idx="1"/>
-          </p:nvPr>
-        </p:nvSpPr>
-        <p:spPr>
-          <a:xfrm>
-            <a:off x="685800" y="4400550"/>
-            <a:ext cx="5486400" cy="3600600"/>
-          </a:xfrm>
-          <a:prstGeom prst="rect">
-            <a:avLst/>
-          </a:prstGeom>
-        </p:spPr>
-        <p:txBody>
-          <a:bodyPr spcFirstLastPara="1" wrap="square" lIns="91425" tIns="45700" rIns="91425" bIns="45700" anchor="t" anchorCtr="0">
-            <a:noAutofit/>
-          </a:bodyPr>
-          <a:lstStyle/>
-          <a:p>
-            <a:pPr marL="0" lvl="0" indent="0" algn="l" rtl="0">
-              <a:spcBef>
-                <a:spcPts val="0"/>
-              </a:spcBef>
-              <a:spcAft>
-                <a:spcPts val="0"/>
-              </a:spcAft>
-              <a:buNone/>
-            </a:pPr>
-            <a:endParaRPr/>
-          </a:p>
-        </p:txBody>
-      </p:sp>
-      <p:sp>
-        <p:nvSpPr>
-          <p:cNvPr id="113" name="Google Shape;113;ga79db86ae9_0_0:notes"/>
-          <p:cNvSpPr txBox="1">
-            <a:spLocks noGrp="1"/>
-          </p:cNvSpPr>
-          <p:nvPr>
-            <p:ph type="sldNum" idx="12"/>
-          </p:nvPr>
-        </p:nvSpPr>
-        <p:spPr>
-          <a:xfrm>
-            <a:off x="3884613" y="8685213"/>
-            <a:ext cx="2971800" cy="458700"/>
-          </a:xfrm>
-          <a:prstGeom prst="rect">
-            <a:avLst/>
-          </a:prstGeom>
-        </p:spPr>
-        <p:txBody>
-          <a:bodyPr spcFirstLastPara="1" wrap="square" lIns="91425" tIns="45700" rIns="91425" bIns="45700" anchor="b" anchorCtr="0">
-            <a:noAutofit/>
-          </a:bodyPr>
-          <a:lstStyle/>
-          <a:p>
-            <a:pPr marL="0" lvl="0" indent="0" algn="r" rtl="0">
-              <a:spcBef>
-                <a:spcPts val="0"/>
-              </a:spcBef>
-              <a:spcAft>
-                <a:spcPts val="0"/>
-              </a:spcAft>
-              <a:buClr>
-                <a:srgbClr val="000000"/>
-              </a:buClr>
-              <a:buFont typeface="Arial"/>
-              <a:buNone/>
-            </a:pPr>
-            <a:fld id="{00000000-1234-1234-1234-123412341234}" type="slidenum">
-              <a:rPr lang="en-US"/>
-              <a:t>5</a:t>
-            </a:fld>
-            <a:endParaRPr/>
-          </a:p>
-        </p:txBody>
-      </p:sp>
-    </p:spTree>
-  </p:cSld>
-  <p:clrMapOvr>
-    <a:masterClrMapping/>
-  </p:clrMapOvr>
-</p:notes>
-</file>
-
-<file path=ppt/notesSlides/notesSlide6.xml><?xml version="1.0" encoding="utf-8"?>
-<p:notes xmlns:a="http://schemas.openxmlformats.org/drawingml/2006/main" xmlns:r="http://schemas.openxmlformats.org/officeDocument/2006/relationships" xmlns:p="http://schemas.openxmlformats.org/presentationml/2006/main" showMasterSp="0" showMasterPhAnim="0">
-  <p:cSld>
-    <p:spTree>
-      <p:nvGrpSpPr>
         <p:cNvPr id="1" name="Shape 117"/>
         <p:cNvGrpSpPr/>
         <p:nvPr/>
@@ -4661,7 +4344,7 @@
             </a:pPr>
             <a:fld id="{00000000-1234-1234-1234-123412341234}" type="slidenum">
               <a:rPr lang="en-US"/>
-              <a:t>6</a:t>
+              <a:t>7</a:t>
             </a:fld>
             <a:endParaRPr/>
           </a:p>
@@ -4675,7 +4358,7 @@
 </p:notes>
 </file>
 
-<file path=ppt/notesSlides/notesSlide7.xml><?xml version="1.0" encoding="utf-8"?>
+<file path=ppt/notesSlides/notesSlide6.xml><?xml version="1.0" encoding="utf-8"?>
 <p:notes xmlns:a="http://schemas.openxmlformats.org/drawingml/2006/main" xmlns:r="http://schemas.openxmlformats.org/officeDocument/2006/relationships" xmlns:p="http://schemas.openxmlformats.org/presentationml/2006/main" showMasterSp="0" showMasterPhAnim="0">
   <p:cSld>
     <p:spTree>
@@ -4829,7 +4512,7 @@
             </a:pPr>
             <a:fld id="{00000000-1234-1234-1234-123412341234}" type="slidenum">
               <a:rPr lang="en-US"/>
-              <a:t>7</a:t>
+              <a:t>8</a:t>
             </a:fld>
             <a:endParaRPr/>
           </a:p>
@@ -4843,7 +4526,7 @@
 </p:notes>
 </file>
 
-<file path=ppt/notesSlides/notesSlide8.xml><?xml version="1.0" encoding="utf-8"?>
+<file path=ppt/notesSlides/notesSlide7.xml><?xml version="1.0" encoding="utf-8"?>
 <p:notes xmlns:a="http://schemas.openxmlformats.org/drawingml/2006/main" xmlns:r="http://schemas.openxmlformats.org/officeDocument/2006/relationships" xmlns:p="http://schemas.openxmlformats.org/presentationml/2006/main" showMasterSp="0" showMasterPhAnim="0">
   <p:cSld>
     <p:spTree>
@@ -4993,7 +4676,7 @@
             </a:pPr>
             <a:fld id="{00000000-1234-1234-1234-123412341234}" type="slidenum">
               <a:rPr lang="en-US"/>
-              <a:t>8</a:t>
+              <a:t>9</a:t>
             </a:fld>
             <a:endParaRPr/>
           </a:p>
@@ -5007,7 +4690,7 @@
 </p:notes>
 </file>
 
-<file path=ppt/notesSlides/notesSlide9.xml><?xml version="1.0" encoding="utf-8"?>
+<file path=ppt/notesSlides/notesSlide8.xml><?xml version="1.0" encoding="utf-8"?>
 <p:notes xmlns:a="http://schemas.openxmlformats.org/drawingml/2006/main" xmlns:r="http://schemas.openxmlformats.org/officeDocument/2006/relationships" xmlns:p="http://schemas.openxmlformats.org/presentationml/2006/main" showMasterSp="0" showMasterPhAnim="0">
   <p:cSld>
     <p:spTree>
@@ -5102,6 +4785,174 @@
             </a:pathLst>
           </a:custGeom>
         </p:spPr>
+      </p:sp>
+    </p:spTree>
+  </p:cSld>
+  <p:clrMapOvr>
+    <a:masterClrMapping/>
+  </p:clrMapOvr>
+</p:notes>
+</file>
+
+<file path=ppt/notesSlides/notesSlide9.xml><?xml version="1.0" encoding="utf-8"?>
+<p:notes xmlns:a="http://schemas.openxmlformats.org/drawingml/2006/main" xmlns:r="http://schemas.openxmlformats.org/officeDocument/2006/relationships" xmlns:p="http://schemas.openxmlformats.org/presentationml/2006/main" showMasterSp="0" showMasterPhAnim="0">
+  <p:cSld>
+    <p:spTree>
+      <p:nvGrpSpPr>
+        <p:cNvPr id="1" name="Shape 144"/>
+        <p:cNvGrpSpPr/>
+        <p:nvPr/>
+      </p:nvGrpSpPr>
+      <p:grpSpPr>
+        <a:xfrm>
+          <a:off x="0" y="0"/>
+          <a:ext cx="0" cy="0"/>
+          <a:chOff x="0" y="0"/>
+          <a:chExt cx="0" cy="0"/>
+        </a:xfrm>
+      </p:grpSpPr>
+      <p:sp>
+        <p:nvSpPr>
+          <p:cNvPr id="145" name="Google Shape;145;p8:notes"/>
+          <p:cNvSpPr>
+            <a:spLocks noGrp="1" noRot="1" noChangeAspect="1"/>
+          </p:cNvSpPr>
+          <p:nvPr>
+            <p:ph type="sldImg" idx="2"/>
+          </p:nvPr>
+        </p:nvSpPr>
+        <p:spPr>
+          <a:xfrm>
+            <a:off x="685800" y="1143000"/>
+            <a:ext cx="5486400" cy="3086100"/>
+          </a:xfrm>
+          <a:custGeom>
+            <a:avLst/>
+            <a:gdLst/>
+            <a:ahLst/>
+            <a:cxnLst/>
+            <a:rect l="l" t="t" r="r" b="b"/>
+            <a:pathLst>
+              <a:path w="120000" h="120000" extrusionOk="0">
+                <a:moveTo>
+                  <a:pt x="0" y="0"/>
+                </a:moveTo>
+                <a:lnTo>
+                  <a:pt x="120000" y="0"/>
+                </a:lnTo>
+                <a:lnTo>
+                  <a:pt x="120000" y="120000"/>
+                </a:lnTo>
+                <a:lnTo>
+                  <a:pt x="0" y="120000"/>
+                </a:lnTo>
+                <a:close/>
+              </a:path>
+            </a:pathLst>
+          </a:custGeom>
+          <a:noFill/>
+          <a:ln w="12700" cap="flat" cmpd="sng">
+            <a:solidFill>
+              <a:srgbClr val="000000"/>
+            </a:solidFill>
+            <a:prstDash val="solid"/>
+            <a:round/>
+            <a:headEnd type="none" w="sm" len="sm"/>
+            <a:tailEnd type="none" w="sm" len="sm"/>
+          </a:ln>
+        </p:spPr>
+      </p:sp>
+      <p:sp>
+        <p:nvSpPr>
+          <p:cNvPr id="146" name="Google Shape;146;p8:notes"/>
+          <p:cNvSpPr txBox="1">
+            <a:spLocks noGrp="1"/>
+          </p:cNvSpPr>
+          <p:nvPr>
+            <p:ph type="body" idx="1"/>
+          </p:nvPr>
+        </p:nvSpPr>
+        <p:spPr>
+          <a:xfrm>
+            <a:off x="685800" y="4400550"/>
+            <a:ext cx="5486400" cy="3600450"/>
+          </a:xfrm>
+          <a:prstGeom prst="rect">
+            <a:avLst/>
+          </a:prstGeom>
+          <a:noFill/>
+          <a:ln>
+            <a:noFill/>
+          </a:ln>
+        </p:spPr>
+        <p:txBody>
+          <a:bodyPr spcFirstLastPara="1" wrap="square" lIns="91425" tIns="45700" rIns="91425" bIns="45700" anchor="t" anchorCtr="0">
+            <a:noAutofit/>
+          </a:bodyPr>
+          <a:lstStyle/>
+          <a:p>
+            <a:pPr marL="0" lvl="0" indent="0" algn="l" rtl="0">
+              <a:spcBef>
+                <a:spcPts val="0"/>
+              </a:spcBef>
+              <a:spcAft>
+                <a:spcPts val="0"/>
+              </a:spcAft>
+              <a:buNone/>
+            </a:pPr>
+            <a:r>
+              <a:rPr lang="en-US"/>
+              <a:t>DEMO – code formatting, ect. </a:t>
+            </a:r>
+            <a:endParaRPr/>
+          </a:p>
+        </p:txBody>
+      </p:sp>
+      <p:sp>
+        <p:nvSpPr>
+          <p:cNvPr id="147" name="Google Shape;147;p8:notes"/>
+          <p:cNvSpPr txBox="1">
+            <a:spLocks noGrp="1"/>
+          </p:cNvSpPr>
+          <p:nvPr>
+            <p:ph type="sldNum" idx="12"/>
+          </p:nvPr>
+        </p:nvSpPr>
+        <p:spPr>
+          <a:xfrm>
+            <a:off x="3884613" y="8685213"/>
+            <a:ext cx="2971800" cy="458787"/>
+          </a:xfrm>
+          <a:prstGeom prst="rect">
+            <a:avLst/>
+          </a:prstGeom>
+          <a:noFill/>
+          <a:ln>
+            <a:noFill/>
+          </a:ln>
+        </p:spPr>
+        <p:txBody>
+          <a:bodyPr spcFirstLastPara="1" wrap="square" lIns="91425" tIns="45700" rIns="91425" bIns="45700" anchor="b" anchorCtr="0">
+            <a:noAutofit/>
+          </a:bodyPr>
+          <a:lstStyle/>
+          <a:p>
+            <a:pPr marL="0" lvl="0" indent="0" algn="r" rtl="0">
+              <a:spcBef>
+                <a:spcPts val="0"/>
+              </a:spcBef>
+              <a:spcAft>
+                <a:spcPts val="0"/>
+              </a:spcAft>
+              <a:buNone/>
+            </a:pPr>
+            <a:fld id="{00000000-1234-1234-1234-123412341234}" type="slidenum">
+              <a:rPr lang="en-US"/>
+              <a:t>11</a:t>
+            </a:fld>
+            <a:endParaRPr/>
+          </a:p>
+        </p:txBody>
       </p:sp>
     </p:spTree>
   </p:cSld>
@@ -15765,6 +15616,184 @@
   <p:cSld>
     <p:spTree>
       <p:nvGrpSpPr>
+        <p:cNvPr id="1" name="Shape 141"/>
+        <p:cNvGrpSpPr/>
+        <p:nvPr/>
+      </p:nvGrpSpPr>
+      <p:grpSpPr>
+        <a:xfrm>
+          <a:off x="0" y="0"/>
+          <a:ext cx="0" cy="0"/>
+          <a:chOff x="0" y="0"/>
+          <a:chExt cx="0" cy="0"/>
+        </a:xfrm>
+      </p:grpSpPr>
+      <p:sp>
+        <p:nvSpPr>
+          <p:cNvPr id="142" name="Google Shape;142;p7"/>
+          <p:cNvSpPr txBox="1">
+            <a:spLocks noGrp="1"/>
+          </p:cNvSpPr>
+          <p:nvPr>
+            <p:ph type="title"/>
+          </p:nvPr>
+        </p:nvSpPr>
+        <p:spPr>
+          <a:xfrm>
+            <a:off x="838200" y="365125"/>
+            <a:ext cx="10515600" cy="1325563"/>
+          </a:xfrm>
+          <a:prstGeom prst="rect">
+            <a:avLst/>
+          </a:prstGeom>
+          <a:noFill/>
+          <a:ln>
+            <a:noFill/>
+          </a:ln>
+        </p:spPr>
+        <p:txBody>
+          <a:bodyPr spcFirstLastPara="1" wrap="square" lIns="91425" tIns="45700" rIns="91425" bIns="45700" anchor="ctr" anchorCtr="0">
+            <a:normAutofit/>
+          </a:bodyPr>
+          <a:lstStyle/>
+          <a:p>
+            <a:pPr marL="0" lvl="0" indent="0" algn="ctr" rtl="0">
+              <a:lnSpc>
+                <a:spcPct val="90000"/>
+              </a:lnSpc>
+              <a:spcBef>
+                <a:spcPts val="0"/>
+              </a:spcBef>
+              <a:spcAft>
+                <a:spcPts val="0"/>
+              </a:spcAft>
+              <a:buClr>
+                <a:schemeClr val="dk1"/>
+              </a:buClr>
+              <a:buSzPts val="4400"/>
+              <a:buFont typeface="Calibri"/>
+              <a:buNone/>
+            </a:pPr>
+            <a:r>
+              <a:rPr lang="en-US"/>
+              <a:t>Adaptability	</a:t>
+            </a:r>
+            <a:endParaRPr/>
+          </a:p>
+        </p:txBody>
+      </p:sp>
+      <p:sp>
+        <p:nvSpPr>
+          <p:cNvPr id="143" name="Google Shape;143;p7"/>
+          <p:cNvSpPr txBox="1">
+            <a:spLocks noGrp="1"/>
+          </p:cNvSpPr>
+          <p:nvPr>
+            <p:ph type="body" idx="1"/>
+          </p:nvPr>
+        </p:nvSpPr>
+        <p:spPr>
+          <a:xfrm>
+            <a:off x="838200" y="1825625"/>
+            <a:ext cx="10515600" cy="4351338"/>
+          </a:xfrm>
+          <a:prstGeom prst="rect">
+            <a:avLst/>
+          </a:prstGeom>
+          <a:noFill/>
+          <a:ln>
+            <a:noFill/>
+          </a:ln>
+        </p:spPr>
+        <p:txBody>
+          <a:bodyPr spcFirstLastPara="1" wrap="square" lIns="91425" tIns="45700" rIns="91425" bIns="45700" anchor="t" anchorCtr="0">
+            <a:normAutofit/>
+          </a:bodyPr>
+          <a:lstStyle/>
+          <a:p>
+            <a:pPr marL="228600" lvl="0" indent="-228600" algn="l" rtl="0">
+              <a:lnSpc>
+                <a:spcPct val="90000"/>
+              </a:lnSpc>
+              <a:spcBef>
+                <a:spcPts val="0"/>
+              </a:spcBef>
+              <a:spcAft>
+                <a:spcPts val="0"/>
+              </a:spcAft>
+              <a:buClr>
+                <a:schemeClr val="dk1"/>
+              </a:buClr>
+              <a:buSzPts val="2800"/>
+              <a:buChar char="•"/>
+            </a:pPr>
+            <a:r>
+              <a:rPr lang="en-US"/>
+              <a:t>There will likely be a range of abilities in this course </a:t>
+            </a:r>
+            <a:endParaRPr/>
+          </a:p>
+          <a:p>
+            <a:pPr marL="228600" lvl="0" indent="-228600" algn="l" rtl="0">
+              <a:lnSpc>
+                <a:spcPct val="90000"/>
+              </a:lnSpc>
+              <a:spcBef>
+                <a:spcPts val="1000"/>
+              </a:spcBef>
+              <a:spcAft>
+                <a:spcPts val="0"/>
+              </a:spcAft>
+              <a:buClr>
+                <a:schemeClr val="dk1"/>
+              </a:buClr>
+              <a:buSzPts val="2800"/>
+              <a:buChar char="•"/>
+            </a:pPr>
+            <a:r>
+              <a:rPr lang="en-US"/>
+              <a:t>It is likely there will be some people for who this is very quick and some for who it is a little slow</a:t>
+            </a:r>
+            <a:endParaRPr/>
+          </a:p>
+          <a:p>
+            <a:pPr marL="228600" lvl="0" indent="-228600" algn="l" rtl="0">
+              <a:lnSpc>
+                <a:spcPct val="90000"/>
+              </a:lnSpc>
+              <a:spcBef>
+                <a:spcPts val="1000"/>
+              </a:spcBef>
+              <a:spcAft>
+                <a:spcPts val="0"/>
+              </a:spcAft>
+              <a:buClr>
+                <a:schemeClr val="dk1"/>
+              </a:buClr>
+              <a:buSzPts val="2800"/>
+              <a:buChar char="•"/>
+            </a:pPr>
+            <a:r>
+              <a:rPr lang="en-US"/>
+              <a:t>We are doing our best to land in the middle, but this is just the reality</a:t>
+            </a:r>
+            <a:endParaRPr/>
+          </a:p>
+        </p:txBody>
+      </p:sp>
+    </p:spTree>
+  </p:cSld>
+  <p:clrMapOvr>
+    <a:masterClrMapping/>
+  </p:clrMapOvr>
+</p:sld>
+</file>
+
+<file path=ppt/slides/slide11.xml><?xml version="1.0" encoding="utf-8"?>
+<p:sld xmlns:a="http://schemas.openxmlformats.org/drawingml/2006/main" xmlns:r="http://schemas.openxmlformats.org/officeDocument/2006/relationships" xmlns:p="http://schemas.openxmlformats.org/presentationml/2006/main">
+  <p:cSld>
+    <p:spTree>
+      <p:nvGrpSpPr>
         <p:cNvPr id="1" name="Shape 148"/>
         <p:cNvGrpSpPr/>
         <p:nvPr/>
@@ -15877,10 +15906,10 @@
               <a:buChar char="•"/>
             </a:pPr>
             <a:r>
-              <a:rPr lang="en-US"/>
+              <a:rPr lang="en-US" dirty="0"/>
               <a:t>This is the communication method will be available from ~8-6 each day </a:t>
             </a:r>
-            <a:endParaRPr/>
+            <a:endParaRPr dirty="0"/>
           </a:p>
           <a:p>
             <a:pPr marL="228600" lvl="0" indent="-228600" algn="l" rtl="0">
@@ -15900,10 +15929,10 @@
               <a:buChar char="•"/>
             </a:pPr>
             <a:r>
-              <a:rPr lang="en-US"/>
+              <a:rPr lang="en-US" dirty="0"/>
               <a:t>If a question is asked outside of these hours there may be a delay in response </a:t>
             </a:r>
-            <a:endParaRPr/>
+            <a:endParaRPr dirty="0"/>
           </a:p>
           <a:p>
             <a:pPr marL="228600" lvl="0" indent="-228600" algn="l" rtl="0">
@@ -15923,10 +15952,9 @@
               <a:buChar char="•"/>
             </a:pPr>
             <a:r>
-              <a:rPr lang="en-US"/>
-              <a:t>Please use the #class-communications_dec2020 for questions during “lecture” so that everyone can benefit from your question </a:t>
+              <a:rPr lang="en-US" dirty="0"/>
+              <a:t>Please use the #class-communications_mar2021 for questions during “lecture” so that everyone can benefit from your question </a:t>
             </a:r>
-            <a:endParaRPr/>
           </a:p>
           <a:p>
             <a:pPr marL="228600" lvl="0" indent="-228600" algn="l" rtl="0">
@@ -15946,10 +15974,33 @@
               <a:buChar char="•"/>
             </a:pPr>
             <a:r>
-              <a:rPr lang="en-US"/>
+              <a:rPr lang="en-US" dirty="0"/>
+              <a:t>Also feel free to interrupt us while we are talking </a:t>
+            </a:r>
+            <a:endParaRPr dirty="0"/>
+          </a:p>
+          <a:p>
+            <a:pPr marL="228600" lvl="0" indent="-228600" algn="l" rtl="0">
+              <a:lnSpc>
+                <a:spcPct val="90000"/>
+              </a:lnSpc>
+              <a:spcBef>
+                <a:spcPts val="1000"/>
+              </a:spcBef>
+              <a:spcAft>
+                <a:spcPts val="0"/>
+              </a:spcAft>
+              <a:buClr>
+                <a:schemeClr val="dk1"/>
+              </a:buClr>
+              <a:buSzPts val="2800"/>
+              <a:buChar char="•"/>
+            </a:pPr>
+            <a:r>
+              <a:rPr lang="en-US" dirty="0"/>
               <a:t>During independent work you are encouraged to also use this chat, but are welcome to DM the instructors. </a:t>
             </a:r>
-            <a:endParaRPr/>
+            <a:endParaRPr dirty="0"/>
           </a:p>
         </p:txBody>
       </p:sp>
@@ -15961,7 +16012,7 @@
 </p:sld>
 </file>
 
-<file path=ppt/slides/slide11.xml><?xml version="1.0" encoding="utf-8"?>
+<file path=ppt/slides/slide12.xml><?xml version="1.0" encoding="utf-8"?>
 <p:sld xmlns:a="http://schemas.openxmlformats.org/drawingml/2006/main" xmlns:r="http://schemas.openxmlformats.org/officeDocument/2006/relationships" xmlns:p="http://schemas.openxmlformats.org/presentationml/2006/main">
   <p:cSld>
     <p:spTree>
@@ -16185,7 +16236,7 @@
 </p:sld>
 </file>
 
-<file path=ppt/slides/slide12.xml><?xml version="1.0" encoding="utf-8"?>
+<file path=ppt/slides/slide13.xml><?xml version="1.0" encoding="utf-8"?>
 <p:sld xmlns:a="http://schemas.openxmlformats.org/drawingml/2006/main" xmlns:r="http://schemas.openxmlformats.org/officeDocument/2006/relationships" xmlns:p="http://schemas.openxmlformats.org/presentationml/2006/main">
   <p:cSld>
     <p:spTree>
@@ -16340,7 +16391,7 @@
 </p:sld>
 </file>
 
-<file path=ppt/slides/slide13.xml><?xml version="1.0" encoding="utf-8"?>
+<file path=ppt/slides/slide14.xml><?xml version="1.0" encoding="utf-8"?>
 <p:sld xmlns:a="http://schemas.openxmlformats.org/drawingml/2006/main" xmlns:r="http://schemas.openxmlformats.org/officeDocument/2006/relationships" xmlns:p="http://schemas.openxmlformats.org/presentationml/2006/main">
   <p:cSld>
     <p:spTree>
@@ -16606,7 +16657,7 @@
 </p:sld>
 </file>
 
-<file path=ppt/slides/slide14.xml><?xml version="1.0" encoding="utf-8"?>
+<file path=ppt/slides/slide15.xml><?xml version="1.0" encoding="utf-8"?>
 <p:sld xmlns:a="http://schemas.openxmlformats.org/drawingml/2006/main" xmlns:r="http://schemas.openxmlformats.org/officeDocument/2006/relationships" xmlns:p="http://schemas.openxmlformats.org/presentationml/2006/main">
   <p:cSld>
     <p:spTree>
@@ -17311,7 +17362,7 @@
 </p:sld>
 </file>
 
-<file path=ppt/slides/slide15.xml><?xml version="1.0" encoding="utf-8"?>
+<file path=ppt/slides/slide16.xml><?xml version="1.0" encoding="utf-8"?>
 <p:sld xmlns:a="http://schemas.openxmlformats.org/drawingml/2006/main" xmlns:r="http://schemas.openxmlformats.org/officeDocument/2006/relationships" xmlns:p="http://schemas.openxmlformats.org/presentationml/2006/main">
   <p:cSld>
     <p:spTree>
@@ -17540,7 +17591,7 @@
 </p:sld>
 </file>
 
-<file path=ppt/slides/slide16.xml><?xml version="1.0" encoding="utf-8"?>
+<file path=ppt/slides/slide17.xml><?xml version="1.0" encoding="utf-8"?>
 <p:sld xmlns:a="http://schemas.openxmlformats.org/drawingml/2006/main" xmlns:r="http://schemas.openxmlformats.org/officeDocument/2006/relationships" xmlns:p="http://schemas.openxmlformats.org/presentationml/2006/main">
   <p:cSld>
     <p:spTree>
@@ -17776,7 +17827,7 @@
 </p:sld>
 </file>
 
-<file path=ppt/slides/slide17.xml><?xml version="1.0" encoding="utf-8"?>
+<file path=ppt/slides/slide18.xml><?xml version="1.0" encoding="utf-8"?>
 <p:sld xmlns:a="http://schemas.openxmlformats.org/drawingml/2006/main" xmlns:r="http://schemas.openxmlformats.org/officeDocument/2006/relationships" xmlns:p="http://schemas.openxmlformats.org/presentationml/2006/main">
   <p:cSld>
     <p:spTree>
@@ -18046,7 +18097,7 @@
 </p:sld>
 </file>
 
-<file path=ppt/slides/slide18.xml><?xml version="1.0" encoding="utf-8"?>
+<file path=ppt/slides/slide19.xml><?xml version="1.0" encoding="utf-8"?>
 <p:sld xmlns:a="http://schemas.openxmlformats.org/drawingml/2006/main" xmlns:r="http://schemas.openxmlformats.org/officeDocument/2006/relationships" xmlns:p="http://schemas.openxmlformats.org/presentationml/2006/main">
   <p:cSld>
     <p:spTree>
@@ -18163,10 +18214,10 @@
               <a:buChar char="•"/>
             </a:pPr>
             <a:r>
-              <a:rPr lang="en-US"/>
+              <a:rPr lang="en-US" dirty="0"/>
               <a:t>Some places where the ecosystem is not rich enough</a:t>
             </a:r>
-            <a:endParaRPr/>
+            <a:endParaRPr dirty="0"/>
           </a:p>
           <a:p>
             <a:pPr marL="228600" lvl="0" indent="-228600" algn="l" rtl="0">
@@ -18186,10 +18237,9 @@
               <a:buChar char="•"/>
             </a:pPr>
             <a:r>
-              <a:rPr lang="en-US"/>
+              <a:rPr lang="en-US" dirty="0"/>
               <a:t>More computer science-y, less statistical </a:t>
             </a:r>
-            <a:endParaRPr/>
           </a:p>
           <a:p>
             <a:pPr marL="228600" lvl="0" indent="-228600" algn="l" rtl="0">
@@ -18209,10 +18259,33 @@
               <a:buChar char="•"/>
             </a:pPr>
             <a:r>
-              <a:rPr lang="en-US"/>
+              <a:rPr lang="en-US" dirty="0"/>
+              <a:t>Version compatibility issues </a:t>
+            </a:r>
+            <a:endParaRPr dirty="0"/>
+          </a:p>
+          <a:p>
+            <a:pPr marL="228600" lvl="0" indent="-228600" algn="l" rtl="0">
+              <a:lnSpc>
+                <a:spcPct val="90000"/>
+              </a:lnSpc>
+              <a:spcBef>
+                <a:spcPts val="1000"/>
+              </a:spcBef>
+              <a:spcAft>
+                <a:spcPts val="0"/>
+              </a:spcAft>
+              <a:buClr>
+                <a:schemeClr val="dk1"/>
+              </a:buClr>
+              <a:buSzPts val="2800"/>
+              <a:buChar char="•"/>
+            </a:pPr>
+            <a:r>
+              <a:rPr lang="en-US" dirty="0"/>
               <a:t>Poorer frameworks for display and dissemination of information</a:t>
             </a:r>
-            <a:endParaRPr/>
+            <a:endParaRPr dirty="0"/>
           </a:p>
           <a:p>
             <a:pPr marL="685800" lvl="1" indent="-228600" algn="l" rtl="0">
@@ -18232,391 +18305,10 @@
               <a:buChar char="•"/>
             </a:pPr>
             <a:r>
-              <a:rPr lang="en-US"/>
+              <a:rPr lang="en-US" dirty="0"/>
               <a:t>R tends to shine here </a:t>
             </a:r>
-            <a:endParaRPr/>
-          </a:p>
-        </p:txBody>
-      </p:sp>
-    </p:spTree>
-  </p:cSld>
-  <p:clrMapOvr>
-    <a:masterClrMapping/>
-  </p:clrMapOvr>
-</p:sld>
-</file>
-
-<file path=ppt/slides/slide19.xml><?xml version="1.0" encoding="utf-8"?>
-<p:sld xmlns:a="http://schemas.openxmlformats.org/drawingml/2006/main" xmlns:r="http://schemas.openxmlformats.org/officeDocument/2006/relationships" xmlns:p="http://schemas.openxmlformats.org/presentationml/2006/main">
-  <p:cSld>
-    <p:spTree>
-      <p:nvGrpSpPr>
-        <p:cNvPr id="1" name="Shape 221"/>
-        <p:cNvGrpSpPr/>
-        <p:nvPr/>
-      </p:nvGrpSpPr>
-      <p:grpSpPr>
-        <a:xfrm>
-          <a:off x="0" y="0"/>
-          <a:ext cx="0" cy="0"/>
-          <a:chOff x="0" y="0"/>
-          <a:chExt cx="0" cy="0"/>
-        </a:xfrm>
-      </p:grpSpPr>
-      <p:sp>
-        <p:nvSpPr>
-          <p:cNvPr id="222" name="Google Shape;222;p17"/>
-          <p:cNvSpPr txBox="1">
-            <a:spLocks noGrp="1"/>
-          </p:cNvSpPr>
-          <p:nvPr>
-            <p:ph type="title"/>
-          </p:nvPr>
-        </p:nvSpPr>
-        <p:spPr>
-          <a:xfrm>
-            <a:off x="838200" y="365125"/>
-            <a:ext cx="10515600" cy="1325563"/>
-          </a:xfrm>
-          <a:prstGeom prst="rect">
-            <a:avLst/>
-          </a:prstGeom>
-          <a:noFill/>
-          <a:ln>
-            <a:noFill/>
-          </a:ln>
-        </p:spPr>
-        <p:txBody>
-          <a:bodyPr spcFirstLastPara="1" wrap="square" lIns="91425" tIns="45700" rIns="91425" bIns="45700" anchor="ctr" anchorCtr="0">
-            <a:normAutofit/>
-          </a:bodyPr>
-          <a:lstStyle/>
-          <a:p>
-            <a:pPr marL="0" lvl="0" indent="0" algn="l" rtl="0">
-              <a:lnSpc>
-                <a:spcPct val="90000"/>
-              </a:lnSpc>
-              <a:spcBef>
-                <a:spcPts val="0"/>
-              </a:spcBef>
-              <a:spcAft>
-                <a:spcPts val="0"/>
-              </a:spcAft>
-              <a:buClr>
-                <a:schemeClr val="dk1"/>
-              </a:buClr>
-              <a:buSzPts val="4400"/>
-              <a:buFont typeface="Calibri"/>
-              <a:buNone/>
-            </a:pPr>
-            <a:r>
-              <a:rPr lang="en-US"/>
-              <a:t>Python Data Science Stack</a:t>
-            </a:r>
-            <a:endParaRPr/>
-          </a:p>
-        </p:txBody>
-      </p:sp>
-      <p:sp>
-        <p:nvSpPr>
-          <p:cNvPr id="223" name="Google Shape;223;p17"/>
-          <p:cNvSpPr txBox="1">
-            <a:spLocks noGrp="1"/>
-          </p:cNvSpPr>
-          <p:nvPr>
-            <p:ph type="body" idx="1"/>
-          </p:nvPr>
-        </p:nvSpPr>
-        <p:spPr>
-          <a:xfrm>
-            <a:off x="838200" y="1825625"/>
-            <a:ext cx="10515600" cy="4351338"/>
-          </a:xfrm>
-          <a:prstGeom prst="rect">
-            <a:avLst/>
-          </a:prstGeom>
-          <a:noFill/>
-          <a:ln>
-            <a:noFill/>
-          </a:ln>
-        </p:spPr>
-        <p:txBody>
-          <a:bodyPr spcFirstLastPara="1" wrap="square" lIns="91425" tIns="45700" rIns="91425" bIns="45700" anchor="t" anchorCtr="0">
-            <a:normAutofit/>
-          </a:bodyPr>
-          <a:lstStyle/>
-          <a:p>
-            <a:pPr marL="228600" lvl="0" indent="-228600" algn="l" rtl="0">
-              <a:lnSpc>
-                <a:spcPct val="80000"/>
-              </a:lnSpc>
-              <a:spcBef>
-                <a:spcPts val="0"/>
-              </a:spcBef>
-              <a:spcAft>
-                <a:spcPts val="0"/>
-              </a:spcAft>
-              <a:buClr>
-                <a:schemeClr val="dk1"/>
-              </a:buClr>
-              <a:buSzPts val="2800"/>
-              <a:buChar char="•"/>
-            </a:pPr>
-            <a:r>
-              <a:rPr lang="en-US"/>
-              <a:t>To emulate Matlab</a:t>
-            </a:r>
-            <a:endParaRPr/>
-          </a:p>
-          <a:p>
-            <a:pPr marL="685800" lvl="1" indent="-228600" algn="l" rtl="0">
-              <a:lnSpc>
-                <a:spcPct val="80000"/>
-              </a:lnSpc>
-              <a:spcBef>
-                <a:spcPts val="500"/>
-              </a:spcBef>
-              <a:spcAft>
-                <a:spcPts val="0"/>
-              </a:spcAft>
-              <a:buClr>
-                <a:schemeClr val="dk1"/>
-              </a:buClr>
-              <a:buSzPts val="2400"/>
-              <a:buChar char="•"/>
-            </a:pPr>
-            <a:r>
-              <a:rPr lang="en-US"/>
-              <a:t>Numpy</a:t>
-            </a:r>
-            <a:endParaRPr/>
-          </a:p>
-          <a:p>
-            <a:pPr marL="685800" lvl="1" indent="-228600" algn="l" rtl="0">
-              <a:lnSpc>
-                <a:spcPct val="80000"/>
-              </a:lnSpc>
-              <a:spcBef>
-                <a:spcPts val="500"/>
-              </a:spcBef>
-              <a:spcAft>
-                <a:spcPts val="0"/>
-              </a:spcAft>
-              <a:buClr>
-                <a:schemeClr val="dk1"/>
-              </a:buClr>
-              <a:buSzPts val="2400"/>
-              <a:buChar char="•"/>
-            </a:pPr>
-            <a:r>
-              <a:rPr lang="en-US"/>
-              <a:t>Scipy</a:t>
-            </a:r>
-            <a:endParaRPr/>
-          </a:p>
-          <a:p>
-            <a:pPr marL="685800" lvl="1" indent="-228600" algn="l" rtl="0">
-              <a:lnSpc>
-                <a:spcPct val="80000"/>
-              </a:lnSpc>
-              <a:spcBef>
-                <a:spcPts val="500"/>
-              </a:spcBef>
-              <a:spcAft>
-                <a:spcPts val="0"/>
-              </a:spcAft>
-              <a:buClr>
-                <a:schemeClr val="dk1"/>
-              </a:buClr>
-              <a:buSzPts val="2400"/>
-              <a:buChar char="•"/>
-            </a:pPr>
-            <a:r>
-              <a:rPr lang="en-US"/>
-              <a:t>Matplotlib</a:t>
-            </a:r>
-            <a:endParaRPr/>
-          </a:p>
-          <a:p>
-            <a:pPr marL="228600" lvl="0" indent="-228600" algn="l" rtl="0">
-              <a:lnSpc>
-                <a:spcPct val="80000"/>
-              </a:lnSpc>
-              <a:spcBef>
-                <a:spcPts val="1000"/>
-              </a:spcBef>
-              <a:spcAft>
-                <a:spcPts val="0"/>
-              </a:spcAft>
-              <a:buClr>
-                <a:schemeClr val="dk1"/>
-              </a:buClr>
-              <a:buSzPts val="2800"/>
-              <a:buChar char="•"/>
-            </a:pPr>
-            <a:r>
-              <a:rPr lang="en-US"/>
-              <a:t>To emulate Maple </a:t>
-            </a:r>
-            <a:endParaRPr/>
-          </a:p>
-          <a:p>
-            <a:pPr marL="685800" lvl="1" indent="-228600" algn="l" rtl="0">
-              <a:lnSpc>
-                <a:spcPct val="80000"/>
-              </a:lnSpc>
-              <a:spcBef>
-                <a:spcPts val="500"/>
-              </a:spcBef>
-              <a:spcAft>
-                <a:spcPts val="0"/>
-              </a:spcAft>
-              <a:buClr>
-                <a:schemeClr val="dk1"/>
-              </a:buClr>
-              <a:buSzPts val="2400"/>
-              <a:buChar char="•"/>
-            </a:pPr>
-            <a:r>
-              <a:rPr lang="en-US"/>
-              <a:t>Sympy</a:t>
-            </a:r>
-            <a:endParaRPr/>
-          </a:p>
-          <a:p>
-            <a:pPr marL="228600" lvl="0" indent="-228600" algn="l" rtl="0">
-              <a:lnSpc>
-                <a:spcPct val="80000"/>
-              </a:lnSpc>
-              <a:spcBef>
-                <a:spcPts val="1000"/>
-              </a:spcBef>
-              <a:spcAft>
-                <a:spcPts val="0"/>
-              </a:spcAft>
-              <a:buClr>
-                <a:schemeClr val="dk1"/>
-              </a:buClr>
-              <a:buSzPts val="2800"/>
-              <a:buChar char="•"/>
-            </a:pPr>
-            <a:r>
-              <a:rPr lang="en-US"/>
-              <a:t>To add statistics/data science </a:t>
-            </a:r>
-            <a:endParaRPr/>
-          </a:p>
-          <a:p>
-            <a:pPr marL="685800" lvl="1" indent="-228600" algn="l" rtl="0">
-              <a:lnSpc>
-                <a:spcPct val="80000"/>
-              </a:lnSpc>
-              <a:spcBef>
-                <a:spcPts val="500"/>
-              </a:spcBef>
-              <a:spcAft>
-                <a:spcPts val="0"/>
-              </a:spcAft>
-              <a:buClr>
-                <a:schemeClr val="dk1"/>
-              </a:buClr>
-              <a:buSzPts val="2400"/>
-              <a:buChar char="•"/>
-            </a:pPr>
-            <a:r>
-              <a:rPr lang="en-US"/>
-              <a:t>Pandas </a:t>
-            </a:r>
-            <a:endParaRPr/>
-          </a:p>
-          <a:p>
-            <a:pPr marL="228600" lvl="0" indent="-228600" algn="l" rtl="0">
-              <a:lnSpc>
-                <a:spcPct val="80000"/>
-              </a:lnSpc>
-              <a:spcBef>
-                <a:spcPts val="1000"/>
-              </a:spcBef>
-              <a:spcAft>
-                <a:spcPts val="0"/>
-              </a:spcAft>
-              <a:buClr>
-                <a:schemeClr val="dk1"/>
-              </a:buClr>
-              <a:buSzPts val="2800"/>
-              <a:buChar char="•"/>
-            </a:pPr>
-            <a:r>
-              <a:rPr lang="en-US"/>
-              <a:t>Various visualization packages </a:t>
-            </a:r>
-            <a:endParaRPr/>
-          </a:p>
-          <a:p>
-            <a:pPr marL="685800" lvl="1" indent="-228600" algn="l" rtl="0">
-              <a:lnSpc>
-                <a:spcPct val="80000"/>
-              </a:lnSpc>
-              <a:spcBef>
-                <a:spcPts val="500"/>
-              </a:spcBef>
-              <a:spcAft>
-                <a:spcPts val="0"/>
-              </a:spcAft>
-              <a:buClr>
-                <a:schemeClr val="dk1"/>
-              </a:buClr>
-              <a:buSzPts val="2400"/>
-              <a:buChar char="•"/>
-            </a:pPr>
-            <a:r>
-              <a:rPr lang="en-US"/>
-              <a:t>Seaborn</a:t>
-            </a:r>
-            <a:endParaRPr/>
-          </a:p>
-          <a:p>
-            <a:pPr marL="685800" lvl="1" indent="-228600" algn="l" rtl="0">
-              <a:lnSpc>
-                <a:spcPct val="80000"/>
-              </a:lnSpc>
-              <a:spcBef>
-                <a:spcPts val="500"/>
-              </a:spcBef>
-              <a:spcAft>
-                <a:spcPts val="0"/>
-              </a:spcAft>
-              <a:buClr>
-                <a:schemeClr val="dk1"/>
-              </a:buClr>
-              <a:buSzPts val="2400"/>
-              <a:buChar char="•"/>
-            </a:pPr>
-            <a:r>
-              <a:rPr lang="en-US"/>
-              <a:t>plotly</a:t>
-            </a:r>
-            <a:endParaRPr/>
-          </a:p>
-          <a:p>
-            <a:pPr marL="685800" lvl="1" indent="-76200" algn="l" rtl="0">
-              <a:lnSpc>
-                <a:spcPct val="80000"/>
-              </a:lnSpc>
-              <a:spcBef>
-                <a:spcPts val="500"/>
-              </a:spcBef>
-              <a:spcAft>
-                <a:spcPts val="0"/>
-              </a:spcAft>
-              <a:buClr>
-                <a:schemeClr val="dk1"/>
-              </a:buClr>
-              <a:buSzPts val="2400"/>
-              <a:buNone/>
-            </a:pPr>
-            <a:endParaRPr/>
+            <a:endParaRPr dirty="0"/>
           </a:p>
         </p:txBody>
       </p:sp>
@@ -18834,6 +18526,387 @@
   <p:cSld>
     <p:spTree>
       <p:nvGrpSpPr>
+        <p:cNvPr id="1" name="Shape 221"/>
+        <p:cNvGrpSpPr/>
+        <p:nvPr/>
+      </p:nvGrpSpPr>
+      <p:grpSpPr>
+        <a:xfrm>
+          <a:off x="0" y="0"/>
+          <a:ext cx="0" cy="0"/>
+          <a:chOff x="0" y="0"/>
+          <a:chExt cx="0" cy="0"/>
+        </a:xfrm>
+      </p:grpSpPr>
+      <p:sp>
+        <p:nvSpPr>
+          <p:cNvPr id="222" name="Google Shape;222;p17"/>
+          <p:cNvSpPr txBox="1">
+            <a:spLocks noGrp="1"/>
+          </p:cNvSpPr>
+          <p:nvPr>
+            <p:ph type="title"/>
+          </p:nvPr>
+        </p:nvSpPr>
+        <p:spPr>
+          <a:xfrm>
+            <a:off x="838200" y="365125"/>
+            <a:ext cx="10515600" cy="1325563"/>
+          </a:xfrm>
+          <a:prstGeom prst="rect">
+            <a:avLst/>
+          </a:prstGeom>
+          <a:noFill/>
+          <a:ln>
+            <a:noFill/>
+          </a:ln>
+        </p:spPr>
+        <p:txBody>
+          <a:bodyPr spcFirstLastPara="1" wrap="square" lIns="91425" tIns="45700" rIns="91425" bIns="45700" anchor="ctr" anchorCtr="0">
+            <a:normAutofit/>
+          </a:bodyPr>
+          <a:lstStyle/>
+          <a:p>
+            <a:pPr marL="0" lvl="0" indent="0" algn="l" rtl="0">
+              <a:lnSpc>
+                <a:spcPct val="90000"/>
+              </a:lnSpc>
+              <a:spcBef>
+                <a:spcPts val="0"/>
+              </a:spcBef>
+              <a:spcAft>
+                <a:spcPts val="0"/>
+              </a:spcAft>
+              <a:buClr>
+                <a:schemeClr val="dk1"/>
+              </a:buClr>
+              <a:buSzPts val="4400"/>
+              <a:buFont typeface="Calibri"/>
+              <a:buNone/>
+            </a:pPr>
+            <a:r>
+              <a:rPr lang="en-US"/>
+              <a:t>Python Data Science Stack</a:t>
+            </a:r>
+            <a:endParaRPr/>
+          </a:p>
+        </p:txBody>
+      </p:sp>
+      <p:sp>
+        <p:nvSpPr>
+          <p:cNvPr id="223" name="Google Shape;223;p17"/>
+          <p:cNvSpPr txBox="1">
+            <a:spLocks noGrp="1"/>
+          </p:cNvSpPr>
+          <p:nvPr>
+            <p:ph type="body" idx="1"/>
+          </p:nvPr>
+        </p:nvSpPr>
+        <p:spPr>
+          <a:xfrm>
+            <a:off x="838200" y="1825625"/>
+            <a:ext cx="10515600" cy="4351338"/>
+          </a:xfrm>
+          <a:prstGeom prst="rect">
+            <a:avLst/>
+          </a:prstGeom>
+          <a:noFill/>
+          <a:ln>
+            <a:noFill/>
+          </a:ln>
+        </p:spPr>
+        <p:txBody>
+          <a:bodyPr spcFirstLastPara="1" wrap="square" lIns="91425" tIns="45700" rIns="91425" bIns="45700" anchor="t" anchorCtr="0">
+            <a:normAutofit/>
+          </a:bodyPr>
+          <a:lstStyle/>
+          <a:p>
+            <a:pPr marL="228600" lvl="0" indent="-228600" algn="l" rtl="0">
+              <a:lnSpc>
+                <a:spcPct val="80000"/>
+              </a:lnSpc>
+              <a:spcBef>
+                <a:spcPts val="0"/>
+              </a:spcBef>
+              <a:spcAft>
+                <a:spcPts val="0"/>
+              </a:spcAft>
+              <a:buClr>
+                <a:schemeClr val="dk1"/>
+              </a:buClr>
+              <a:buSzPts val="2800"/>
+              <a:buChar char="•"/>
+            </a:pPr>
+            <a:r>
+              <a:rPr lang="en-US"/>
+              <a:t>To emulate Matlab</a:t>
+            </a:r>
+            <a:endParaRPr/>
+          </a:p>
+          <a:p>
+            <a:pPr marL="685800" lvl="1" indent="-228600" algn="l" rtl="0">
+              <a:lnSpc>
+                <a:spcPct val="80000"/>
+              </a:lnSpc>
+              <a:spcBef>
+                <a:spcPts val="500"/>
+              </a:spcBef>
+              <a:spcAft>
+                <a:spcPts val="0"/>
+              </a:spcAft>
+              <a:buClr>
+                <a:schemeClr val="dk1"/>
+              </a:buClr>
+              <a:buSzPts val="2400"/>
+              <a:buChar char="•"/>
+            </a:pPr>
+            <a:r>
+              <a:rPr lang="en-US"/>
+              <a:t>Numpy</a:t>
+            </a:r>
+            <a:endParaRPr/>
+          </a:p>
+          <a:p>
+            <a:pPr marL="685800" lvl="1" indent="-228600" algn="l" rtl="0">
+              <a:lnSpc>
+                <a:spcPct val="80000"/>
+              </a:lnSpc>
+              <a:spcBef>
+                <a:spcPts val="500"/>
+              </a:spcBef>
+              <a:spcAft>
+                <a:spcPts val="0"/>
+              </a:spcAft>
+              <a:buClr>
+                <a:schemeClr val="dk1"/>
+              </a:buClr>
+              <a:buSzPts val="2400"/>
+              <a:buChar char="•"/>
+            </a:pPr>
+            <a:r>
+              <a:rPr lang="en-US"/>
+              <a:t>Scipy</a:t>
+            </a:r>
+            <a:endParaRPr/>
+          </a:p>
+          <a:p>
+            <a:pPr marL="685800" lvl="1" indent="-228600" algn="l" rtl="0">
+              <a:lnSpc>
+                <a:spcPct val="80000"/>
+              </a:lnSpc>
+              <a:spcBef>
+                <a:spcPts val="500"/>
+              </a:spcBef>
+              <a:spcAft>
+                <a:spcPts val="0"/>
+              </a:spcAft>
+              <a:buClr>
+                <a:schemeClr val="dk1"/>
+              </a:buClr>
+              <a:buSzPts val="2400"/>
+              <a:buChar char="•"/>
+            </a:pPr>
+            <a:r>
+              <a:rPr lang="en-US"/>
+              <a:t>Matplotlib</a:t>
+            </a:r>
+            <a:endParaRPr/>
+          </a:p>
+          <a:p>
+            <a:pPr marL="228600" lvl="0" indent="-228600" algn="l" rtl="0">
+              <a:lnSpc>
+                <a:spcPct val="80000"/>
+              </a:lnSpc>
+              <a:spcBef>
+                <a:spcPts val="1000"/>
+              </a:spcBef>
+              <a:spcAft>
+                <a:spcPts val="0"/>
+              </a:spcAft>
+              <a:buClr>
+                <a:schemeClr val="dk1"/>
+              </a:buClr>
+              <a:buSzPts val="2800"/>
+              <a:buChar char="•"/>
+            </a:pPr>
+            <a:r>
+              <a:rPr lang="en-US"/>
+              <a:t>To emulate Maple </a:t>
+            </a:r>
+            <a:endParaRPr/>
+          </a:p>
+          <a:p>
+            <a:pPr marL="685800" lvl="1" indent="-228600" algn="l" rtl="0">
+              <a:lnSpc>
+                <a:spcPct val="80000"/>
+              </a:lnSpc>
+              <a:spcBef>
+                <a:spcPts val="500"/>
+              </a:spcBef>
+              <a:spcAft>
+                <a:spcPts val="0"/>
+              </a:spcAft>
+              <a:buClr>
+                <a:schemeClr val="dk1"/>
+              </a:buClr>
+              <a:buSzPts val="2400"/>
+              <a:buChar char="•"/>
+            </a:pPr>
+            <a:r>
+              <a:rPr lang="en-US"/>
+              <a:t>Sympy</a:t>
+            </a:r>
+            <a:endParaRPr/>
+          </a:p>
+          <a:p>
+            <a:pPr marL="228600" lvl="0" indent="-228600" algn="l" rtl="0">
+              <a:lnSpc>
+                <a:spcPct val="80000"/>
+              </a:lnSpc>
+              <a:spcBef>
+                <a:spcPts val="1000"/>
+              </a:spcBef>
+              <a:spcAft>
+                <a:spcPts val="0"/>
+              </a:spcAft>
+              <a:buClr>
+                <a:schemeClr val="dk1"/>
+              </a:buClr>
+              <a:buSzPts val="2800"/>
+              <a:buChar char="•"/>
+            </a:pPr>
+            <a:r>
+              <a:rPr lang="en-US"/>
+              <a:t>To add statistics/data science </a:t>
+            </a:r>
+            <a:endParaRPr/>
+          </a:p>
+          <a:p>
+            <a:pPr marL="685800" lvl="1" indent="-228600" algn="l" rtl="0">
+              <a:lnSpc>
+                <a:spcPct val="80000"/>
+              </a:lnSpc>
+              <a:spcBef>
+                <a:spcPts val="500"/>
+              </a:spcBef>
+              <a:spcAft>
+                <a:spcPts val="0"/>
+              </a:spcAft>
+              <a:buClr>
+                <a:schemeClr val="dk1"/>
+              </a:buClr>
+              <a:buSzPts val="2400"/>
+              <a:buChar char="•"/>
+            </a:pPr>
+            <a:r>
+              <a:rPr lang="en-US"/>
+              <a:t>Pandas </a:t>
+            </a:r>
+            <a:endParaRPr/>
+          </a:p>
+          <a:p>
+            <a:pPr marL="228600" lvl="0" indent="-228600" algn="l" rtl="0">
+              <a:lnSpc>
+                <a:spcPct val="80000"/>
+              </a:lnSpc>
+              <a:spcBef>
+                <a:spcPts val="1000"/>
+              </a:spcBef>
+              <a:spcAft>
+                <a:spcPts val="0"/>
+              </a:spcAft>
+              <a:buClr>
+                <a:schemeClr val="dk1"/>
+              </a:buClr>
+              <a:buSzPts val="2800"/>
+              <a:buChar char="•"/>
+            </a:pPr>
+            <a:r>
+              <a:rPr lang="en-US"/>
+              <a:t>Various visualization packages </a:t>
+            </a:r>
+            <a:endParaRPr/>
+          </a:p>
+          <a:p>
+            <a:pPr marL="685800" lvl="1" indent="-228600" algn="l" rtl="0">
+              <a:lnSpc>
+                <a:spcPct val="80000"/>
+              </a:lnSpc>
+              <a:spcBef>
+                <a:spcPts val="500"/>
+              </a:spcBef>
+              <a:spcAft>
+                <a:spcPts val="0"/>
+              </a:spcAft>
+              <a:buClr>
+                <a:schemeClr val="dk1"/>
+              </a:buClr>
+              <a:buSzPts val="2400"/>
+              <a:buChar char="•"/>
+            </a:pPr>
+            <a:r>
+              <a:rPr lang="en-US"/>
+              <a:t>Seaborn</a:t>
+            </a:r>
+            <a:endParaRPr/>
+          </a:p>
+          <a:p>
+            <a:pPr marL="685800" lvl="1" indent="-228600" algn="l" rtl="0">
+              <a:lnSpc>
+                <a:spcPct val="80000"/>
+              </a:lnSpc>
+              <a:spcBef>
+                <a:spcPts val="500"/>
+              </a:spcBef>
+              <a:spcAft>
+                <a:spcPts val="0"/>
+              </a:spcAft>
+              <a:buClr>
+                <a:schemeClr val="dk1"/>
+              </a:buClr>
+              <a:buSzPts val="2400"/>
+              <a:buChar char="•"/>
+            </a:pPr>
+            <a:r>
+              <a:rPr lang="en-US"/>
+              <a:t>plotly</a:t>
+            </a:r>
+            <a:endParaRPr/>
+          </a:p>
+          <a:p>
+            <a:pPr marL="685800" lvl="1" indent="-76200" algn="l" rtl="0">
+              <a:lnSpc>
+                <a:spcPct val="80000"/>
+              </a:lnSpc>
+              <a:spcBef>
+                <a:spcPts val="500"/>
+              </a:spcBef>
+              <a:spcAft>
+                <a:spcPts val="0"/>
+              </a:spcAft>
+              <a:buClr>
+                <a:schemeClr val="dk1"/>
+              </a:buClr>
+              <a:buSzPts val="2400"/>
+              <a:buNone/>
+            </a:pPr>
+            <a:endParaRPr/>
+          </a:p>
+        </p:txBody>
+      </p:sp>
+    </p:spTree>
+  </p:cSld>
+  <p:clrMapOvr>
+    <a:masterClrMapping/>
+  </p:clrMapOvr>
+</p:sld>
+</file>
+
+<file path=ppt/slides/slide21.xml><?xml version="1.0" encoding="utf-8"?>
+<p:sld xmlns:a="http://schemas.openxmlformats.org/drawingml/2006/main" xmlns:r="http://schemas.openxmlformats.org/officeDocument/2006/relationships" xmlns:p="http://schemas.openxmlformats.org/presentationml/2006/main">
+  <p:cSld>
+    <p:spTree>
+      <p:nvGrpSpPr>
         <p:cNvPr id="1" name="Shape 228"/>
         <p:cNvGrpSpPr/>
         <p:nvPr/>
@@ -19099,7 +19172,7 @@
 </p:sld>
 </file>
 
-<file path=ppt/slides/slide21.xml><?xml version="1.0" encoding="utf-8"?>
+<file path=ppt/slides/slide22.xml><?xml version="1.0" encoding="utf-8"?>
 <p:sld xmlns:a="http://schemas.openxmlformats.org/drawingml/2006/main" xmlns:r="http://schemas.openxmlformats.org/officeDocument/2006/relationships" xmlns:p="http://schemas.openxmlformats.org/presentationml/2006/main">
   <p:cSld>
     <p:spTree>
@@ -19810,10 +19883,18 @@
               <a:buChar char="•"/>
             </a:pPr>
             <a:r>
-              <a:rPr lang="en-US"/>
-              <a:t>While we are live coding in either Spyder or Jupyter Notebooks </a:t>
+              <a:rPr lang="en-US" dirty="0"/>
+              <a:t>While we are live coding in either Spyder or </a:t>
             </a:r>
-            <a:endParaRPr/>
+            <a:r>
+              <a:rPr lang="en-US" dirty="0" err="1"/>
+              <a:t>Jupyter</a:t>
+            </a:r>
+            <a:r>
+              <a:rPr lang="en-US" dirty="0"/>
+              <a:t> Notebooks </a:t>
+            </a:r>
+            <a:endParaRPr dirty="0"/>
           </a:p>
           <a:p>
             <a:pPr marL="914400" lvl="1" indent="-342900" algn="l" rtl="0">
@@ -19830,10 +19911,10 @@
               <a:buChar char="•"/>
             </a:pPr>
             <a:r>
-              <a:rPr lang="en-US"/>
+              <a:rPr lang="en-US" dirty="0"/>
               <a:t>You are encouraged to follow along </a:t>
             </a:r>
-            <a:endParaRPr/>
+            <a:endParaRPr dirty="0"/>
           </a:p>
           <a:p>
             <a:pPr marL="457200" lvl="0" indent="-342900" algn="l" rtl="0">
@@ -19850,33 +19931,34 @@
               <a:buChar char="•"/>
             </a:pPr>
             <a:r>
-              <a:rPr lang="en-US"/>
-              <a:t>We will be pulling information from Jupyter Notebooks which have more explanation than we plan on saying </a:t>
+              <a:rPr lang="en-US" dirty="0"/>
+              <a:t>PDF versions of this are on Canvas and may be helpful to have open</a:t>
             </a:r>
-            <a:endParaRPr/>
-          </a:p>
-          <a:p>
-            <a:pPr marL="457200" lvl="0" indent="-342900" algn="l" rtl="0">
+          </a:p>
+          <a:p>
+            <a:pPr>
               <a:lnSpc>
                 <a:spcPct val="115000"/>
               </a:lnSpc>
               <a:spcBef>
                 <a:spcPts val="0"/>
               </a:spcBef>
-              <a:spcAft>
-                <a:spcPts val="0"/>
-              </a:spcAft>
-              <a:buSzPts val="1800"/>
-              <a:buChar char="•"/>
             </a:pPr>
             <a:r>
-              <a:rPr lang="en-US"/>
-              <a:t>PDF versions of this are on Canvas and may be helpful to have open</a:t>
+              <a:rPr lang="en-US" dirty="0"/>
+              <a:t>We will be pulling information from </a:t>
             </a:r>
-            <a:endParaRPr/>
-          </a:p>
-          <a:p>
-            <a:pPr marL="457200" lvl="0" indent="-342900" algn="l" rtl="0">
+            <a:r>
+              <a:rPr lang="en-US" dirty="0" err="1"/>
+              <a:t>Jupyter</a:t>
+            </a:r>
+            <a:r>
+              <a:rPr lang="en-US" dirty="0"/>
+              <a:t> Notebooks which have more explanation than we plan on saying </a:t>
+            </a:r>
+          </a:p>
+          <a:p>
+            <a:pPr marL="114300" lvl="0" indent="0" algn="l" rtl="0">
               <a:lnSpc>
                 <a:spcPct val="115000"/>
               </a:lnSpc>
@@ -19887,13 +19969,9 @@
                 <a:spcPts val="0"/>
               </a:spcAft>
               <a:buSzPts val="1800"/>
-              <a:buChar char="•"/>
+              <a:buNone/>
             </a:pPr>
-            <a:r>
-              <a:rPr lang="en-US"/>
-              <a:t>To run the notebooks you can download them from the Google Drive</a:t>
-            </a:r>
-            <a:endParaRPr/>
+            <a:endParaRPr dirty="0"/>
           </a:p>
         </p:txBody>
       </p:sp>
@@ -19910,7 +19988,7 @@
   <p:cSld>
     <p:spTree>
       <p:nvGrpSpPr>
-        <p:cNvPr id="1" name="Shape 114"/>
+        <p:cNvPr id="1" name=""/>
         <p:cNvGrpSpPr/>
         <p:nvPr/>
       </p:nvGrpSpPr>
@@ -19924,8 +20002,14 @@
       </p:grpSpPr>
       <p:sp>
         <p:nvSpPr>
-          <p:cNvPr id="115" name="Google Shape;115;ga79db86ae9_0_0"/>
-          <p:cNvSpPr txBox="1">
+          <p:cNvPr id="2" name="Title 1">
+            <a:extLst>
+              <a:ext uri="{FF2B5EF4-FFF2-40B4-BE49-F238E27FC236}">
+                <a16:creationId xmlns:a16="http://schemas.microsoft.com/office/drawing/2014/main" id="{EAD63273-DD86-344E-9659-5A9139E92DDA}"/>
+              </a:ext>
+            </a:extLst>
+          </p:cNvPr>
+          <p:cNvSpPr>
             <a:spLocks noGrp="1"/>
           </p:cNvSpPr>
           <p:nvPr>
@@ -19934,97 +20018,239 @@
         </p:nvSpPr>
         <p:spPr>
           <a:xfrm>
-            <a:off x="838200" y="365125"/>
-            <a:ext cx="10515600" cy="1325700"/>
+            <a:off x="1198182" y="381000"/>
+            <a:ext cx="10003218" cy="1600124"/>
+          </a:xfrm>
+        </p:spPr>
+        <p:txBody>
+          <a:bodyPr>
+            <a:normAutofit/>
+          </a:bodyPr>
+          <a:lstStyle/>
+          <a:p>
+            <a:r>
+              <a:rPr lang="en-US" dirty="0"/>
+              <a:t>Effective work environment</a:t>
+            </a:r>
+          </a:p>
+        </p:txBody>
+      </p:sp>
+      <p:pic>
+        <p:nvPicPr>
+          <p:cNvPr id="2050" name="Picture 2">
+            <a:extLst>
+              <a:ext uri="{FF2B5EF4-FFF2-40B4-BE49-F238E27FC236}">
+                <a16:creationId xmlns:a16="http://schemas.microsoft.com/office/drawing/2014/main" id="{28C564C0-790D-7D41-9ED2-81433345F989}"/>
+              </a:ext>
+            </a:extLst>
+          </p:cNvPr>
+          <p:cNvPicPr>
+            <a:picLocks noChangeAspect="1" noChangeArrowheads="1"/>
+          </p:cNvPicPr>
+          <p:nvPr/>
+        </p:nvPicPr>
+        <p:blipFill>
+          <a:blip r:embed="rId2">
+            <a:extLst>
+              <a:ext uri="{28A0092B-C50C-407E-A947-70E740481C1C}">
+                <a14:useLocalDpi xmlns:a14="http://schemas.microsoft.com/office/drawing/2010/main" val="0"/>
+              </a:ext>
+            </a:extLst>
+          </a:blip>
+          <a:srcRect/>
+          <a:stretch>
+            <a:fillRect/>
+          </a:stretch>
+        </p:blipFill>
+        <p:spPr bwMode="auto">
+          <a:xfrm>
+            <a:off x="691070" y="1495937"/>
+            <a:ext cx="10302748" cy="5247963"/>
           </a:xfrm>
           <a:prstGeom prst="rect">
             <a:avLst/>
           </a:prstGeom>
+          <a:noFill/>
+          <a:extLst>
+            <a:ext uri="{909E8E84-426E-40DD-AFC4-6F175D3DCCD1}">
+              <a14:hiddenFill xmlns:a14="http://schemas.microsoft.com/office/drawing/2010/main">
+                <a:solidFill>
+                  <a:srgbClr val="FFFFFF"/>
+                </a:solidFill>
+              </a14:hiddenFill>
+            </a:ext>
+          </a:extLst>
+        </p:spPr>
+      </p:pic>
+      <p:sp>
+        <p:nvSpPr>
+          <p:cNvPr id="4" name="TextBox 3">
+            <a:extLst>
+              <a:ext uri="{FF2B5EF4-FFF2-40B4-BE49-F238E27FC236}">
+                <a16:creationId xmlns:a16="http://schemas.microsoft.com/office/drawing/2014/main" id="{67BD6D70-BA72-4B48-AEC9-E525D4293BFC}"/>
+              </a:ext>
+            </a:extLst>
+          </p:cNvPr>
+          <p:cNvSpPr txBox="1"/>
+          <p:nvPr/>
+        </p:nvSpPr>
+        <p:spPr>
+          <a:xfrm>
+            <a:off x="2237391" y="2638640"/>
+            <a:ext cx="7924800" cy="369332"/>
+          </a:xfrm>
+          <a:prstGeom prst="rect">
+            <a:avLst/>
+          </a:prstGeom>
+          <a:noFill/>
         </p:spPr>
         <p:txBody>
-          <a:bodyPr spcFirstLastPara="1" wrap="square" lIns="91425" tIns="45700" rIns="91425" bIns="45700" anchor="ctr" anchorCtr="0">
-            <a:noAutofit/>
+          <a:bodyPr wrap="square" rtlCol="0">
+            <a:spAutoFit/>
           </a:bodyPr>
           <a:lstStyle/>
           <a:p>
-            <a:pPr marL="0" lvl="0" indent="0" algn="l" rtl="0">
-              <a:spcBef>
-                <a:spcPts val="0"/>
-              </a:spcBef>
-              <a:spcAft>
-                <a:spcPts val="0"/>
-              </a:spcAft>
-              <a:buNone/>
-            </a:pPr>
             <a:r>
-              <a:rPr lang="en-US"/>
-              <a:t>Day 0/Pre-work </a:t>
+              <a:rPr lang="en-US" sz="1800" b="1" dirty="0">
+                <a:solidFill>
+                  <a:srgbClr val="FF0000"/>
+                </a:solidFill>
+              </a:rPr>
+              <a:t>Spyder 		Folder with data and code files	    PDF for section </a:t>
             </a:r>
-            <a:endParaRPr/>
           </a:p>
         </p:txBody>
       </p:sp>
       <p:sp>
         <p:nvSpPr>
-          <p:cNvPr id="116" name="Google Shape;116;ga79db86ae9_0_0"/>
-          <p:cNvSpPr txBox="1">
-            <a:spLocks noGrp="1"/>
-          </p:cNvSpPr>
-          <p:nvPr>
-            <p:ph type="body" idx="1"/>
-          </p:nvPr>
+          <p:cNvPr id="5" name="TextBox 4">
+            <a:extLst>
+              <a:ext uri="{FF2B5EF4-FFF2-40B4-BE49-F238E27FC236}">
+                <a16:creationId xmlns:a16="http://schemas.microsoft.com/office/drawing/2014/main" id="{5A49E400-D390-5945-9FDD-C59C12E3303A}"/>
+              </a:ext>
+            </a:extLst>
+          </p:cNvPr>
+          <p:cNvSpPr txBox="1"/>
+          <p:nvPr/>
         </p:nvSpPr>
         <p:spPr>
           <a:xfrm>
-            <a:off x="838200" y="1825625"/>
-            <a:ext cx="10515600" cy="4351200"/>
+            <a:off x="4127944" y="2177458"/>
+            <a:ext cx="3429000" cy="369332"/>
           </a:xfrm>
           <a:prstGeom prst="rect">
             <a:avLst/>
           </a:prstGeom>
+          <a:noFill/>
+          <a:ln>
+            <a:noFill/>
+          </a:ln>
         </p:spPr>
         <p:txBody>
-          <a:bodyPr spcFirstLastPara="1" wrap="square" lIns="91425" tIns="45700" rIns="91425" bIns="45700" anchor="t" anchorCtr="0">
-            <a:noAutofit/>
+          <a:bodyPr wrap="square" rtlCol="0">
+            <a:spAutoFit/>
           </a:bodyPr>
           <a:lstStyle/>
           <a:p>
-            <a:pPr marL="457200" lvl="0" indent="-342900" algn="l" rtl="0">
-              <a:spcBef>
-                <a:spcPts val="1000"/>
-              </a:spcBef>
-              <a:spcAft>
-                <a:spcPts val="0"/>
-              </a:spcAft>
-              <a:buSzPts val="1800"/>
-              <a:buChar char="•"/>
-            </a:pPr>
             <a:r>
-              <a:rPr lang="en-US"/>
-              <a:t>Quick introduction and making sure all required materials are available and ready to use</a:t>
+              <a:rPr lang="en-US" dirty="0">
+                <a:solidFill>
+                  <a:schemeClr val="accent1"/>
+                </a:solidFill>
+              </a:rPr>
+              <a:t>Path to your working directory </a:t>
             </a:r>
-            <a:endParaRPr/>
-          </a:p>
-          <a:p>
-            <a:pPr marL="457200" lvl="0" indent="-342900" algn="l" rtl="0">
-              <a:spcBef>
-                <a:spcPts val="0"/>
-              </a:spcBef>
-              <a:spcAft>
-                <a:spcPts val="0"/>
-              </a:spcAft>
-              <a:buSzPts val="1800"/>
-              <a:buChar char="•"/>
-            </a:pPr>
+          </a:p>
+        </p:txBody>
+      </p:sp>
+      <p:cxnSp>
+        <p:nvCxnSpPr>
+          <p:cNvPr id="7" name="Straight Arrow Connector 6">
+            <a:extLst>
+              <a:ext uri="{FF2B5EF4-FFF2-40B4-BE49-F238E27FC236}">
+                <a16:creationId xmlns:a16="http://schemas.microsoft.com/office/drawing/2014/main" id="{1E076E0B-BD04-5D4A-890E-37AE9205764F}"/>
+              </a:ext>
+            </a:extLst>
+          </p:cNvPr>
+          <p:cNvCxnSpPr/>
+          <p:nvPr/>
+        </p:nvCxnSpPr>
+        <p:spPr>
+          <a:xfrm flipH="1" flipV="1">
+            <a:off x="6350000" y="1674040"/>
+            <a:ext cx="330200" cy="424018"/>
+          </a:xfrm>
+          <a:prstGeom prst="straightConnector1">
+            <a:avLst/>
+          </a:prstGeom>
+          <a:ln w="41275">
+            <a:tailEnd type="triangle"/>
+          </a:ln>
+        </p:spPr>
+        <p:style>
+          <a:lnRef idx="1">
+            <a:schemeClr val="accent1"/>
+          </a:lnRef>
+          <a:fillRef idx="0">
+            <a:schemeClr val="accent1"/>
+          </a:fillRef>
+          <a:effectRef idx="0">
+            <a:schemeClr val="accent1"/>
+          </a:effectRef>
+          <a:fontRef idx="minor">
+            <a:schemeClr val="tx1"/>
+          </a:fontRef>
+        </p:style>
+      </p:cxnSp>
+      <p:sp>
+        <p:nvSpPr>
+          <p:cNvPr id="9" name="TextBox 8">
+            <a:extLst>
+              <a:ext uri="{FF2B5EF4-FFF2-40B4-BE49-F238E27FC236}">
+                <a16:creationId xmlns:a16="http://schemas.microsoft.com/office/drawing/2014/main" id="{24E43CB2-7D3D-1440-B59E-AAE94D6EBC41}"/>
+              </a:ext>
+            </a:extLst>
+          </p:cNvPr>
+          <p:cNvSpPr txBox="1"/>
+          <p:nvPr/>
+        </p:nvSpPr>
+        <p:spPr>
+          <a:xfrm>
+            <a:off x="1336230" y="5803900"/>
+            <a:ext cx="6438900" cy="369332"/>
+          </a:xfrm>
+          <a:prstGeom prst="rect">
+            <a:avLst/>
+          </a:prstGeom>
+          <a:noFill/>
+        </p:spPr>
+        <p:txBody>
+          <a:bodyPr wrap="square" rtlCol="0">
+            <a:spAutoFit/>
+          </a:bodyPr>
+          <a:lstStyle/>
+          <a:p>
             <a:r>
-              <a:rPr lang="en-US"/>
-              <a:t>Data is downloaded  </a:t>
+              <a:rPr lang="en-US" dirty="0"/>
+              <a:t>Ideally Zoom will be on another monitor/</a:t>
             </a:r>
-            <a:endParaRPr/>
+            <a:r>
+              <a:rPr lang="en-US" dirty="0" err="1"/>
+              <a:t>Ipad</a:t>
+            </a:r>
+            <a:r>
+              <a:rPr lang="en-US" dirty="0"/>
+              <a:t> </a:t>
+            </a:r>
           </a:p>
         </p:txBody>
       </p:sp>
     </p:spTree>
+    <p:extLst>
+      <p:ext uri="{BB962C8B-B14F-4D97-AF65-F5344CB8AC3E}">
+        <p14:creationId xmlns:p14="http://schemas.microsoft.com/office/powerpoint/2010/main" val="3840921899"/>
+      </p:ext>
+    </p:extLst>
   </p:cSld>
   <p:clrMapOvr>
     <a:masterClrMapping/>
@@ -20033,6 +20259,116 @@
 </file>
 
 <file path=ppt/slides/slide6.xml><?xml version="1.0" encoding="utf-8"?>
+<p:sld xmlns:a="http://schemas.openxmlformats.org/drawingml/2006/main" xmlns:r="http://schemas.openxmlformats.org/officeDocument/2006/relationships" xmlns:p="http://schemas.openxmlformats.org/presentationml/2006/main">
+  <p:cSld>
+    <p:spTree>
+      <p:nvGrpSpPr>
+        <p:cNvPr id="1" name=""/>
+        <p:cNvGrpSpPr/>
+        <p:nvPr/>
+      </p:nvGrpSpPr>
+      <p:grpSpPr>
+        <a:xfrm>
+          <a:off x="0" y="0"/>
+          <a:ext cx="0" cy="0"/>
+          <a:chOff x="0" y="0"/>
+          <a:chExt cx="0" cy="0"/>
+        </a:xfrm>
+      </p:grpSpPr>
+      <p:sp>
+        <p:nvSpPr>
+          <p:cNvPr id="2" name="Title 1">
+            <a:extLst>
+              <a:ext uri="{FF2B5EF4-FFF2-40B4-BE49-F238E27FC236}">
+                <a16:creationId xmlns:a16="http://schemas.microsoft.com/office/drawing/2014/main" id="{23ABBC1E-1AA6-7349-ADE5-B9B700931290}"/>
+              </a:ext>
+            </a:extLst>
+          </p:cNvPr>
+          <p:cNvSpPr>
+            <a:spLocks noGrp="1"/>
+          </p:cNvSpPr>
+          <p:nvPr>
+            <p:ph type="title"/>
+          </p:nvPr>
+        </p:nvSpPr>
+        <p:spPr/>
+        <p:txBody>
+          <a:bodyPr/>
+          <a:lstStyle/>
+          <a:p>
+            <a:r>
+              <a:rPr lang="en-US" dirty="0"/>
+              <a:t>Some quick notes: </a:t>
+            </a:r>
+          </a:p>
+        </p:txBody>
+      </p:sp>
+      <p:sp>
+        <p:nvSpPr>
+          <p:cNvPr id="3" name="Text Placeholder 2">
+            <a:extLst>
+              <a:ext uri="{FF2B5EF4-FFF2-40B4-BE49-F238E27FC236}">
+                <a16:creationId xmlns:a16="http://schemas.microsoft.com/office/drawing/2014/main" id="{0F53B3C7-9CC6-F846-8684-D9A0E797D3DB}"/>
+              </a:ext>
+            </a:extLst>
+          </p:cNvPr>
+          <p:cNvSpPr>
+            <a:spLocks noGrp="1"/>
+          </p:cNvSpPr>
+          <p:nvPr>
+            <p:ph type="body" idx="1"/>
+          </p:nvPr>
+        </p:nvSpPr>
+        <p:spPr/>
+        <p:txBody>
+          <a:bodyPr/>
+          <a:lstStyle/>
+          <a:p>
+            <a:pPr marL="628650" indent="-514350">
+              <a:buFont typeface="+mj-lt"/>
+              <a:buAutoNum type="arabicPeriod"/>
+            </a:pPr>
+            <a:r>
+              <a:rPr lang="en-US" dirty="0"/>
+              <a:t>We are here to answer your questions, and provide the guidance the goal is for you to be coding in a guided manner not just listening to us talk</a:t>
+            </a:r>
+          </a:p>
+          <a:p>
+            <a:pPr marL="628650" indent="-514350">
+              <a:buFont typeface="+mj-lt"/>
+              <a:buAutoNum type="arabicPeriod"/>
+            </a:pPr>
+            <a:r>
+              <a:rPr lang="en-US" dirty="0"/>
+              <a:t>Feel free to interrupt us at any time</a:t>
+            </a:r>
+          </a:p>
+          <a:p>
+            <a:pPr marL="628650" indent="-514350">
+              <a:buFont typeface="+mj-lt"/>
+              <a:buAutoNum type="arabicPeriod"/>
+            </a:pPr>
+            <a:r>
+              <a:rPr lang="en-US" dirty="0"/>
+              <a:t>There is a lot of material in the notebooks we are not going to go through all of it – but it is all there for you too continue learning</a:t>
+            </a:r>
+          </a:p>
+        </p:txBody>
+      </p:sp>
+    </p:spTree>
+    <p:extLst>
+      <p:ext uri="{BB962C8B-B14F-4D97-AF65-F5344CB8AC3E}">
+        <p14:creationId xmlns:p14="http://schemas.microsoft.com/office/powerpoint/2010/main" val="3626286182"/>
+      </p:ext>
+    </p:extLst>
+  </p:cSld>
+  <p:clrMapOvr>
+    <a:masterClrMapping/>
+  </p:clrMapOvr>
+</p:sld>
+</file>
+
+<file path=ppt/slides/slide7.xml><?xml version="1.0" encoding="utf-8"?>
 <p:sld xmlns:a="http://schemas.openxmlformats.org/drawingml/2006/main" xmlns:r="http://schemas.openxmlformats.org/officeDocument/2006/relationships" xmlns:p="http://schemas.openxmlformats.org/presentationml/2006/main">
   <p:cSld>
     <p:spTree>
@@ -20107,11 +20443,17 @@
         <p:nvGraphicFramePr>
           <p:cNvPr id="123" name="Google Shape;123;p4"/>
           <p:cNvGraphicFramePr/>
-          <p:nvPr/>
+          <p:nvPr>
+            <p:extLst>
+              <p:ext uri="{D42A27DB-BD31-4B8C-83A1-F6EECF244321}">
+                <p14:modId xmlns:p14="http://schemas.microsoft.com/office/powerpoint/2010/main" val="3798218153"/>
+              </p:ext>
+            </p:extLst>
+          </p:nvPr>
         </p:nvGraphicFramePr>
         <p:xfrm>
           <a:off x="838200" y="1825625"/>
-          <a:ext cx="3000000" cy="3000000"/>
+          <a:ext cx="10515625" cy="3754170"/>
         </p:xfrm>
         <a:graphic>
           <a:graphicData uri="http://schemas.openxmlformats.org/drawingml/2006/table">
@@ -20693,10 +21035,10 @@
                         <a:buNone/>
                       </a:pPr>
                       <a:r>
-                        <a:rPr lang="en-US" sz="1800"/>
-                        <a:t>2pm -4:30pm </a:t>
+                        <a:rPr lang="en-US" sz="1800" dirty="0"/>
+                        <a:t>2pm -5pm</a:t>
                       </a:r>
-                      <a:endParaRPr/>
+                      <a:endParaRPr dirty="0"/>
                     </a:p>
                   </a:txBody>
                   <a:tcPr marL="91450" marR="91450" marT="45725" marB="45725"/>
@@ -20785,10 +21127,10 @@
                         <a:buNone/>
                       </a:pPr>
                       <a:r>
-                        <a:rPr lang="en-US" sz="1800"/>
+                        <a:rPr lang="en-US" sz="1800" dirty="0"/>
                         <a:t>Day 1 independent work videos</a:t>
                       </a:r>
-                      <a:endParaRPr sz="1800"/>
+                      <a:endParaRPr sz="1800" dirty="0"/>
                     </a:p>
                   </a:txBody>
                   <a:tcPr marL="91450" marR="91450" marT="45725" marB="45725"/>
@@ -20796,124 +21138,6 @@
                 <a:extLst>
                   <a:ext uri="{0D108BD9-81ED-4DB2-BD59-A6C34878D82A}">
                     <a16:rowId xmlns:a16="http://schemas.microsoft.com/office/drawing/2014/main" val="10004"/>
-                  </a:ext>
-                </a:extLst>
-              </a:tr>
-              <a:tr h="370850">
-                <a:tc>
-                  <a:txBody>
-                    <a:bodyPr/>
-                    <a:lstStyle/>
-                    <a:p>
-                      <a:pPr marL="0" marR="0" lvl="0" indent="0" algn="l" rtl="0">
-                        <a:spcBef>
-                          <a:spcPts val="0"/>
-                        </a:spcBef>
-                        <a:spcAft>
-                          <a:spcPts val="0"/>
-                        </a:spcAft>
-                        <a:buNone/>
-                      </a:pPr>
-                      <a:r>
-                        <a:rPr lang="en-US" sz="1800"/>
-                        <a:t>4:30pm -5:00pm</a:t>
-                      </a:r>
-                      <a:endParaRPr/>
-                    </a:p>
-                  </a:txBody>
-                  <a:tcPr marL="91450" marR="91450" marT="45725" marB="45725"/>
-                </a:tc>
-                <a:tc>
-                  <a:txBody>
-                    <a:bodyPr/>
-                    <a:lstStyle/>
-                    <a:p>
-                      <a:pPr marL="0" marR="0" lvl="0" indent="0" algn="l" rtl="0">
-                        <a:spcBef>
-                          <a:spcPts val="0"/>
-                        </a:spcBef>
-                        <a:spcAft>
-                          <a:spcPts val="0"/>
-                        </a:spcAft>
-                        <a:buNone/>
-                      </a:pPr>
-                      <a:r>
-                        <a:rPr lang="en-US" sz="1800"/>
-                        <a:t>In-person on Zoom</a:t>
-                      </a:r>
-                      <a:endParaRPr/>
-                    </a:p>
-                  </a:txBody>
-                  <a:tcPr marL="91450" marR="91450" marT="45725" marB="45725"/>
-                </a:tc>
-                <a:tc>
-                  <a:txBody>
-                    <a:bodyPr/>
-                    <a:lstStyle/>
-                    <a:p>
-                      <a:pPr marL="0" marR="0" lvl="0" indent="0" algn="l" rtl="0">
-                        <a:spcBef>
-                          <a:spcPts val="0"/>
-                        </a:spcBef>
-                        <a:spcAft>
-                          <a:spcPts val="0"/>
-                        </a:spcAft>
-                        <a:buNone/>
-                      </a:pPr>
-                      <a:r>
-                        <a:rPr lang="en-US" sz="1800"/>
-                        <a:t>Q &amp; A</a:t>
-                      </a:r>
-                      <a:endParaRPr/>
-                    </a:p>
-                  </a:txBody>
-                  <a:tcPr marL="91450" marR="91450" marT="45725" marB="45725"/>
-                </a:tc>
-                <a:tc>
-                  <a:txBody>
-                    <a:bodyPr/>
-                    <a:lstStyle/>
-                    <a:p>
-                      <a:pPr marL="0" marR="0" lvl="0" indent="0" algn="l" rtl="0">
-                        <a:spcBef>
-                          <a:spcPts val="0"/>
-                        </a:spcBef>
-                        <a:spcAft>
-                          <a:spcPts val="0"/>
-                        </a:spcAft>
-                        <a:buNone/>
-                      </a:pPr>
-                      <a:r>
-                        <a:rPr lang="en-US" sz="1800"/>
-                        <a:t>Gaby</a:t>
-                      </a:r>
-                      <a:endParaRPr/>
-                    </a:p>
-                  </a:txBody>
-                  <a:tcPr marL="91450" marR="91450" marT="45725" marB="45725"/>
-                </a:tc>
-                <a:tc>
-                  <a:txBody>
-                    <a:bodyPr/>
-                    <a:lstStyle/>
-                    <a:p>
-                      <a:pPr marL="0" marR="0" lvl="0" indent="0" algn="l" rtl="0">
-                        <a:spcBef>
-                          <a:spcPts val="0"/>
-                        </a:spcBef>
-                        <a:spcAft>
-                          <a:spcPts val="0"/>
-                        </a:spcAft>
-                        <a:buNone/>
-                      </a:pPr>
-                      <a:endParaRPr sz="1800"/>
-                    </a:p>
-                  </a:txBody>
-                  <a:tcPr marL="91450" marR="91450" marT="45725" marB="45725"/>
-                </a:tc>
-                <a:extLst>
-                  <a:ext uri="{0D108BD9-81ED-4DB2-BD59-A6C34878D82A}">
-                    <a16:rowId xmlns:a16="http://schemas.microsoft.com/office/drawing/2014/main" val="10005"/>
                   </a:ext>
                 </a:extLst>
               </a:tr>
@@ -20929,7 +21153,7 @@
 </p:sld>
 </file>
 
-<file path=ppt/slides/slide7.xml><?xml version="1.0" encoding="utf-8"?>
+<file path=ppt/slides/slide8.xml><?xml version="1.0" encoding="utf-8"?>
 <p:sld xmlns:a="http://schemas.openxmlformats.org/drawingml/2006/main" xmlns:r="http://schemas.openxmlformats.org/officeDocument/2006/relationships" xmlns:p="http://schemas.openxmlformats.org/presentationml/2006/main">
   <p:cSld>
     <p:spTree>
@@ -21004,11 +21228,17 @@
         <p:nvGraphicFramePr>
           <p:cNvPr id="130" name="Google Shape;130;p5"/>
           <p:cNvGraphicFramePr/>
-          <p:nvPr/>
+          <p:nvPr>
+            <p:extLst>
+              <p:ext uri="{D42A27DB-BD31-4B8C-83A1-F6EECF244321}">
+                <p14:modId xmlns:p14="http://schemas.microsoft.com/office/powerpoint/2010/main" val="127455157"/>
+              </p:ext>
+            </p:extLst>
+          </p:nvPr>
         </p:nvGraphicFramePr>
         <p:xfrm>
           <a:off x="838200" y="1825625"/>
-          <a:ext cx="3000000" cy="3000000"/>
+          <a:ext cx="10515625" cy="3677990"/>
         </p:xfrm>
         <a:graphic>
           <a:graphicData uri="http://schemas.openxmlformats.org/drawingml/2006/table">
@@ -21191,11 +21421,113 @@
                         </a:spcAft>
                         <a:buNone/>
                       </a:pPr>
+                      <a:endParaRPr dirty="0"/>
+                    </a:p>
+                  </a:txBody>
+                  <a:tcPr marL="91450" marR="91450" marT="45725" marB="45725"/>
+                </a:tc>
+                <a:tc>
+                  <a:txBody>
+                    <a:bodyPr/>
+                    <a:lstStyle/>
+                    <a:p>
+                      <a:pPr marL="0" marR="0" lvl="0" indent="0" algn="l" rtl="0">
+                        <a:spcBef>
+                          <a:spcPts val="0"/>
+                        </a:spcBef>
+                        <a:spcAft>
+                          <a:spcPts val="0"/>
+                        </a:spcAft>
+                        <a:buNone/>
+                      </a:pPr>
+                      <a:endParaRPr/>
+                    </a:p>
+                  </a:txBody>
+                  <a:tcPr marL="91450" marR="91450" marT="45725" marB="45725"/>
+                </a:tc>
+                <a:tc>
+                  <a:txBody>
+                    <a:bodyPr/>
+                    <a:lstStyle/>
+                    <a:p>
+                      <a:pPr marL="0" marR="0" lvl="0" indent="0" algn="l" rtl="0">
+                        <a:spcBef>
+                          <a:spcPts val="0"/>
+                        </a:spcBef>
+                        <a:spcAft>
+                          <a:spcPts val="0"/>
+                        </a:spcAft>
+                        <a:buNone/>
+                      </a:pPr>
+                      <a:endParaRPr/>
+                    </a:p>
+                  </a:txBody>
+                  <a:tcPr marL="91450" marR="91450" marT="45725" marB="45725"/>
+                </a:tc>
+                <a:tc>
+                  <a:txBody>
+                    <a:bodyPr/>
+                    <a:lstStyle/>
+                    <a:p>
+                      <a:pPr marL="0" marR="0" lvl="0" indent="0" algn="l" rtl="0">
+                        <a:spcBef>
+                          <a:spcPts val="0"/>
+                        </a:spcBef>
+                        <a:spcAft>
+                          <a:spcPts val="0"/>
+                        </a:spcAft>
+                        <a:buNone/>
+                      </a:pPr>
+                      <a:endParaRPr/>
+                    </a:p>
+                  </a:txBody>
+                  <a:tcPr marL="91450" marR="91450" marT="45725" marB="45725"/>
+                </a:tc>
+                <a:tc>
+                  <a:txBody>
+                    <a:bodyPr/>
+                    <a:lstStyle/>
+                    <a:p>
+                      <a:pPr marL="0" marR="0" lvl="0" indent="0" algn="l" rtl="0">
+                        <a:spcBef>
+                          <a:spcPts val="0"/>
+                        </a:spcBef>
+                        <a:spcAft>
+                          <a:spcPts val="0"/>
+                        </a:spcAft>
+                        <a:buNone/>
+                      </a:pPr>
+                      <a:endParaRPr sz="1800" dirty="0"/>
+                    </a:p>
+                  </a:txBody>
+                  <a:tcPr marL="91450" marR="91450" marT="45725" marB="45725"/>
+                </a:tc>
+                <a:extLst>
+                  <a:ext uri="{0D108BD9-81ED-4DB2-BD59-A6C34878D82A}">
+                    <a16:rowId xmlns:a16="http://schemas.microsoft.com/office/drawing/2014/main" val="983131707"/>
+                  </a:ext>
+                </a:extLst>
+              </a:tr>
+              <a:tr h="370850">
+                <a:tc>
+                  <a:txBody>
+                    <a:bodyPr/>
+                    <a:lstStyle/>
+                    <a:p>
+                      <a:pPr marL="0" marR="0" lvl="0" indent="0" algn="l" rtl="0">
+                        <a:spcBef>
+                          <a:spcPts val="0"/>
+                        </a:spcBef>
+                        <a:spcAft>
+                          <a:spcPts val="0"/>
+                        </a:spcAft>
+                        <a:buNone/>
+                      </a:pPr>
                       <a:r>
-                        <a:rPr lang="en-US" sz="1800"/>
+                        <a:rPr lang="en-US" sz="1800" dirty="0"/>
                         <a:t>9am –10am</a:t>
                       </a:r>
-                      <a:endParaRPr/>
+                      <a:endParaRPr dirty="0"/>
                     </a:p>
                   </a:txBody>
                   <a:tcPr marL="91450" marR="91450" marT="45725" marB="45725"/>
@@ -21791,7 +22123,7 @@
                         </a:spcAft>
                         <a:buNone/>
                       </a:pPr>
-                      <a:endParaRPr sz="1800"/>
+                      <a:endParaRPr sz="1800" dirty="0"/>
                     </a:p>
                   </a:txBody>
                   <a:tcPr marL="91450" marR="91450" marT="45725" marB="45725"/>
@@ -21814,7 +22146,7 @@
 </p:sld>
 </file>
 
-<file path=ppt/slides/slide8.xml><?xml version="1.0" encoding="utf-8"?>
+<file path=ppt/slides/slide9.xml><?xml version="1.0" encoding="utf-8"?>
 <p:sld xmlns:a="http://schemas.openxmlformats.org/drawingml/2006/main" xmlns:r="http://schemas.openxmlformats.org/officeDocument/2006/relationships" xmlns:p="http://schemas.openxmlformats.org/presentationml/2006/main">
   <p:cSld>
     <p:spTree>
@@ -21893,7 +22225,7 @@
         </p:nvGraphicFramePr>
         <p:xfrm>
           <a:off x="838200" y="1825625"/>
-          <a:ext cx="3000000" cy="3000000"/>
+          <a:ext cx="10515625" cy="4119940"/>
         </p:xfrm>
         <a:graphic>
           <a:graphicData uri="http://schemas.openxmlformats.org/drawingml/2006/table">
@@ -22708,184 +23040,6 @@
 </p:sld>
 </file>
 
-<file path=ppt/slides/slide9.xml><?xml version="1.0" encoding="utf-8"?>
-<p:sld xmlns:a="http://schemas.openxmlformats.org/drawingml/2006/main" xmlns:r="http://schemas.openxmlformats.org/officeDocument/2006/relationships" xmlns:p="http://schemas.openxmlformats.org/presentationml/2006/main">
-  <p:cSld>
-    <p:spTree>
-      <p:nvGrpSpPr>
-        <p:cNvPr id="1" name="Shape 141"/>
-        <p:cNvGrpSpPr/>
-        <p:nvPr/>
-      </p:nvGrpSpPr>
-      <p:grpSpPr>
-        <a:xfrm>
-          <a:off x="0" y="0"/>
-          <a:ext cx="0" cy="0"/>
-          <a:chOff x="0" y="0"/>
-          <a:chExt cx="0" cy="0"/>
-        </a:xfrm>
-      </p:grpSpPr>
-      <p:sp>
-        <p:nvSpPr>
-          <p:cNvPr id="142" name="Google Shape;142;p7"/>
-          <p:cNvSpPr txBox="1">
-            <a:spLocks noGrp="1"/>
-          </p:cNvSpPr>
-          <p:nvPr>
-            <p:ph type="title"/>
-          </p:nvPr>
-        </p:nvSpPr>
-        <p:spPr>
-          <a:xfrm>
-            <a:off x="838200" y="365125"/>
-            <a:ext cx="10515600" cy="1325563"/>
-          </a:xfrm>
-          <a:prstGeom prst="rect">
-            <a:avLst/>
-          </a:prstGeom>
-          <a:noFill/>
-          <a:ln>
-            <a:noFill/>
-          </a:ln>
-        </p:spPr>
-        <p:txBody>
-          <a:bodyPr spcFirstLastPara="1" wrap="square" lIns="91425" tIns="45700" rIns="91425" bIns="45700" anchor="ctr" anchorCtr="0">
-            <a:normAutofit/>
-          </a:bodyPr>
-          <a:lstStyle/>
-          <a:p>
-            <a:pPr marL="0" lvl="0" indent="0" algn="ctr" rtl="0">
-              <a:lnSpc>
-                <a:spcPct val="90000"/>
-              </a:lnSpc>
-              <a:spcBef>
-                <a:spcPts val="0"/>
-              </a:spcBef>
-              <a:spcAft>
-                <a:spcPts val="0"/>
-              </a:spcAft>
-              <a:buClr>
-                <a:schemeClr val="dk1"/>
-              </a:buClr>
-              <a:buSzPts val="4400"/>
-              <a:buFont typeface="Calibri"/>
-              <a:buNone/>
-            </a:pPr>
-            <a:r>
-              <a:rPr lang="en-US"/>
-              <a:t>Adaptability	</a:t>
-            </a:r>
-            <a:endParaRPr/>
-          </a:p>
-        </p:txBody>
-      </p:sp>
-      <p:sp>
-        <p:nvSpPr>
-          <p:cNvPr id="143" name="Google Shape;143;p7"/>
-          <p:cNvSpPr txBox="1">
-            <a:spLocks noGrp="1"/>
-          </p:cNvSpPr>
-          <p:nvPr>
-            <p:ph type="body" idx="1"/>
-          </p:nvPr>
-        </p:nvSpPr>
-        <p:spPr>
-          <a:xfrm>
-            <a:off x="838200" y="1825625"/>
-            <a:ext cx="10515600" cy="4351338"/>
-          </a:xfrm>
-          <a:prstGeom prst="rect">
-            <a:avLst/>
-          </a:prstGeom>
-          <a:noFill/>
-          <a:ln>
-            <a:noFill/>
-          </a:ln>
-        </p:spPr>
-        <p:txBody>
-          <a:bodyPr spcFirstLastPara="1" wrap="square" lIns="91425" tIns="45700" rIns="91425" bIns="45700" anchor="t" anchorCtr="0">
-            <a:normAutofit/>
-          </a:bodyPr>
-          <a:lstStyle/>
-          <a:p>
-            <a:pPr marL="228600" lvl="0" indent="-228600" algn="l" rtl="0">
-              <a:lnSpc>
-                <a:spcPct val="90000"/>
-              </a:lnSpc>
-              <a:spcBef>
-                <a:spcPts val="0"/>
-              </a:spcBef>
-              <a:spcAft>
-                <a:spcPts val="0"/>
-              </a:spcAft>
-              <a:buClr>
-                <a:schemeClr val="dk1"/>
-              </a:buClr>
-              <a:buSzPts val="2800"/>
-              <a:buChar char="•"/>
-            </a:pPr>
-            <a:r>
-              <a:rPr lang="en-US"/>
-              <a:t>There will likely be a range of abilities in this course </a:t>
-            </a:r>
-            <a:endParaRPr/>
-          </a:p>
-          <a:p>
-            <a:pPr marL="228600" lvl="0" indent="-228600" algn="l" rtl="0">
-              <a:lnSpc>
-                <a:spcPct val="90000"/>
-              </a:lnSpc>
-              <a:spcBef>
-                <a:spcPts val="1000"/>
-              </a:spcBef>
-              <a:spcAft>
-                <a:spcPts val="0"/>
-              </a:spcAft>
-              <a:buClr>
-                <a:schemeClr val="dk1"/>
-              </a:buClr>
-              <a:buSzPts val="2800"/>
-              <a:buChar char="•"/>
-            </a:pPr>
-            <a:r>
-              <a:rPr lang="en-US"/>
-              <a:t>It is likely there will be some people for who this is very quick and some for who it is a little slow</a:t>
-            </a:r>
-            <a:endParaRPr/>
-          </a:p>
-          <a:p>
-            <a:pPr marL="228600" lvl="0" indent="-228600" algn="l" rtl="0">
-              <a:lnSpc>
-                <a:spcPct val="90000"/>
-              </a:lnSpc>
-              <a:spcBef>
-                <a:spcPts val="1000"/>
-              </a:spcBef>
-              <a:spcAft>
-                <a:spcPts val="0"/>
-              </a:spcAft>
-              <a:buClr>
-                <a:schemeClr val="dk1"/>
-              </a:buClr>
-              <a:buSzPts val="2800"/>
-              <a:buChar char="•"/>
-            </a:pPr>
-            <a:r>
-              <a:rPr lang="en-US"/>
-              <a:t>We are doing our best to land in the middle, but this is just the reality</a:t>
-            </a:r>
-            <a:endParaRPr/>
-          </a:p>
-        </p:txBody>
-      </p:sp>
-    </p:spTree>
-  </p:cSld>
-  <p:clrMapOvr>
-    <a:masterClrMapping/>
-  </p:clrMapOvr>
-</p:sld>
-</file>
-
 <file path=ppt/theme/theme1.xml><?xml version="1.0" encoding="utf-8"?>
 <a:theme xmlns:a="http://schemas.openxmlformats.org/drawingml/2006/main" name="Office Theme">
   <a:themeElements>

--- a/workshop_documents/Introduction_workshop_slides.pptx
+++ b/workshop_documents/Introduction_workshop_slides.pptx
@@ -263,8 +263,11 @@
     </a:lvl9pPr>
   </p:defaultTextStyle>
   <p:extLst>
+    <p:ext uri="{EFAFB233-063F-42B5-8137-9DF3F51BA10A}">
+      <p15:sldGuideLst xmlns:p15="http://schemas.microsoft.com/office/powerpoint/2012/main"/>
+    </p:ext>
     <p:ext uri="http://customooxmlschemas.google.com/">
-      <go:slidesCustomData xmlns:go="http://customooxmlschemas.google.com/" xmlns:ahyp="http://schemas.microsoft.com/office/drawing/2018/hyperlinkcolor" xmlns:p15="http://schemas.microsoft.com/office/powerpoint/2012/main" xmlns:p14="http://schemas.microsoft.com/office/powerpoint/2010/main" xmlns:com="http://schemas.openxmlformats.org/drawingml/2006/compatibility" xmlns:pvml="urn:schemas-microsoft-com:office:powerpoint" xmlns:v="urn:schemas-microsoft-com:vml" xmlns:o="urn:schemas-microsoft-com:office:office" xmlns:dgm="http://schemas.openxmlformats.org/drawingml/2006/diagram" xmlns:c="http://schemas.openxmlformats.org/drawingml/2006/chart" xmlns:mv="urn:schemas-microsoft-com:mac:vml" xmlns:mc="http://schemas.openxmlformats.org/markup-compatibility/2006" xmlns="" r:id="rId27" roundtripDataSignature="AMtx7miwK0YCmhOXLv/tKLFCIIcQ0wGSYA=="/>
+      <go:slidesCustomData xmlns="" xmlns:mc="http://schemas.openxmlformats.org/markup-compatibility/2006" xmlns:mv="urn:schemas-microsoft-com:mac:vml" xmlns:c="http://schemas.openxmlformats.org/drawingml/2006/chart" xmlns:dgm="http://schemas.openxmlformats.org/drawingml/2006/diagram" xmlns:o="urn:schemas-microsoft-com:office:office" xmlns:v="urn:schemas-microsoft-com:vml" xmlns:pvml="urn:schemas-microsoft-com:office:powerpoint" xmlns:com="http://schemas.openxmlformats.org/drawingml/2006/compatibility" xmlns:p14="http://schemas.microsoft.com/office/powerpoint/2010/main" xmlns:p15="http://schemas.microsoft.com/office/powerpoint/2012/main" xmlns:ahyp="http://schemas.microsoft.com/office/drawing/2018/hyperlinkcolor" xmlns:go="http://customooxmlschemas.google.com/" r:id="rId27" roundtripDataSignature="AMtx7miwK0YCmhOXLv/tKLFCIIcQ0wGSYA=="/>
     </p:ext>
   </p:extLst>
 </p:presentation>
@@ -1577,6 +1580,174 @@
   <p:cSld>
     <p:spTree>
       <p:nvGrpSpPr>
+        <p:cNvPr id="1" name="Shape 144"/>
+        <p:cNvGrpSpPr/>
+        <p:nvPr/>
+      </p:nvGrpSpPr>
+      <p:grpSpPr>
+        <a:xfrm>
+          <a:off x="0" y="0"/>
+          <a:ext cx="0" cy="0"/>
+          <a:chOff x="0" y="0"/>
+          <a:chExt cx="0" cy="0"/>
+        </a:xfrm>
+      </p:grpSpPr>
+      <p:sp>
+        <p:nvSpPr>
+          <p:cNvPr id="145" name="Google Shape;145;p8:notes"/>
+          <p:cNvSpPr>
+            <a:spLocks noGrp="1" noRot="1" noChangeAspect="1"/>
+          </p:cNvSpPr>
+          <p:nvPr>
+            <p:ph type="sldImg" idx="2"/>
+          </p:nvPr>
+        </p:nvSpPr>
+        <p:spPr>
+          <a:xfrm>
+            <a:off x="685800" y="1143000"/>
+            <a:ext cx="5486400" cy="3086100"/>
+          </a:xfrm>
+          <a:custGeom>
+            <a:avLst/>
+            <a:gdLst/>
+            <a:ahLst/>
+            <a:cxnLst/>
+            <a:rect l="l" t="t" r="r" b="b"/>
+            <a:pathLst>
+              <a:path w="120000" h="120000" extrusionOk="0">
+                <a:moveTo>
+                  <a:pt x="0" y="0"/>
+                </a:moveTo>
+                <a:lnTo>
+                  <a:pt x="120000" y="0"/>
+                </a:lnTo>
+                <a:lnTo>
+                  <a:pt x="120000" y="120000"/>
+                </a:lnTo>
+                <a:lnTo>
+                  <a:pt x="0" y="120000"/>
+                </a:lnTo>
+                <a:close/>
+              </a:path>
+            </a:pathLst>
+          </a:custGeom>
+          <a:noFill/>
+          <a:ln w="12700" cap="flat" cmpd="sng">
+            <a:solidFill>
+              <a:srgbClr val="000000"/>
+            </a:solidFill>
+            <a:prstDash val="solid"/>
+            <a:round/>
+            <a:headEnd type="none" w="sm" len="sm"/>
+            <a:tailEnd type="none" w="sm" len="sm"/>
+          </a:ln>
+        </p:spPr>
+      </p:sp>
+      <p:sp>
+        <p:nvSpPr>
+          <p:cNvPr id="146" name="Google Shape;146;p8:notes"/>
+          <p:cNvSpPr txBox="1">
+            <a:spLocks noGrp="1"/>
+          </p:cNvSpPr>
+          <p:nvPr>
+            <p:ph type="body" idx="1"/>
+          </p:nvPr>
+        </p:nvSpPr>
+        <p:spPr>
+          <a:xfrm>
+            <a:off x="685800" y="4400550"/>
+            <a:ext cx="5486400" cy="3600450"/>
+          </a:xfrm>
+          <a:prstGeom prst="rect">
+            <a:avLst/>
+          </a:prstGeom>
+          <a:noFill/>
+          <a:ln>
+            <a:noFill/>
+          </a:ln>
+        </p:spPr>
+        <p:txBody>
+          <a:bodyPr spcFirstLastPara="1" wrap="square" lIns="91425" tIns="45700" rIns="91425" bIns="45700" anchor="t" anchorCtr="0">
+            <a:noAutofit/>
+          </a:bodyPr>
+          <a:lstStyle/>
+          <a:p>
+            <a:pPr marL="0" lvl="0" indent="0" algn="l" rtl="0">
+              <a:spcBef>
+                <a:spcPts val="0"/>
+              </a:spcBef>
+              <a:spcAft>
+                <a:spcPts val="0"/>
+              </a:spcAft>
+              <a:buNone/>
+            </a:pPr>
+            <a:r>
+              <a:rPr lang="en-US"/>
+              <a:t>DEMO – code formatting, ect. </a:t>
+            </a:r>
+            <a:endParaRPr/>
+          </a:p>
+        </p:txBody>
+      </p:sp>
+      <p:sp>
+        <p:nvSpPr>
+          <p:cNvPr id="147" name="Google Shape;147;p8:notes"/>
+          <p:cNvSpPr txBox="1">
+            <a:spLocks noGrp="1"/>
+          </p:cNvSpPr>
+          <p:nvPr>
+            <p:ph type="sldNum" idx="12"/>
+          </p:nvPr>
+        </p:nvSpPr>
+        <p:spPr>
+          <a:xfrm>
+            <a:off x="3884613" y="8685213"/>
+            <a:ext cx="2971800" cy="458787"/>
+          </a:xfrm>
+          <a:prstGeom prst="rect">
+            <a:avLst/>
+          </a:prstGeom>
+          <a:noFill/>
+          <a:ln>
+            <a:noFill/>
+          </a:ln>
+        </p:spPr>
+        <p:txBody>
+          <a:bodyPr spcFirstLastPara="1" wrap="square" lIns="91425" tIns="45700" rIns="91425" bIns="45700" anchor="b" anchorCtr="0">
+            <a:noAutofit/>
+          </a:bodyPr>
+          <a:lstStyle/>
+          <a:p>
+            <a:pPr marL="0" lvl="0" indent="0" algn="r" rtl="0">
+              <a:spcBef>
+                <a:spcPts val="0"/>
+              </a:spcBef>
+              <a:spcAft>
+                <a:spcPts val="0"/>
+              </a:spcAft>
+              <a:buNone/>
+            </a:pPr>
+            <a:fld id="{00000000-1234-1234-1234-123412341234}" type="slidenum">
+              <a:rPr lang="en-US"/>
+              <a:t>11</a:t>
+            </a:fld>
+            <a:endParaRPr/>
+          </a:p>
+        </p:txBody>
+      </p:sp>
+    </p:spTree>
+  </p:cSld>
+  <p:clrMapOvr>
+    <a:masterClrMapping/>
+  </p:clrMapOvr>
+</p:notes>
+</file>
+
+<file path=ppt/notesSlides/notesSlide11.xml><?xml version="1.0" encoding="utf-8"?>
+<p:notes xmlns:a="http://schemas.openxmlformats.org/drawingml/2006/main" xmlns:r="http://schemas.openxmlformats.org/officeDocument/2006/relationships" xmlns:p="http://schemas.openxmlformats.org/presentationml/2006/main" showMasterSp="0" showMasterPhAnim="0">
+  <p:cSld>
+    <p:spTree>
+      <p:nvGrpSpPr>
         <p:cNvPr id="1" name="Shape 151"/>
         <p:cNvGrpSpPr/>
         <p:nvPr/>
@@ -1760,7 +1931,7 @@
 </p:notes>
 </file>
 
-<file path=ppt/notesSlides/notesSlide11.xml><?xml version="1.0" encoding="utf-8"?>
+<file path=ppt/notesSlides/notesSlide12.xml><?xml version="1.0" encoding="utf-8"?>
 <p:notes xmlns:a="http://schemas.openxmlformats.org/drawingml/2006/main" xmlns:r="http://schemas.openxmlformats.org/officeDocument/2006/relationships" xmlns:p="http://schemas.openxmlformats.org/presentationml/2006/main" showMasterSp="0" showMasterPhAnim="0">
   <p:cSld>
     <p:spTree>
@@ -2020,7 +2191,7 @@
 </p:notes>
 </file>
 
-<file path=ppt/notesSlides/notesSlide12.xml><?xml version="1.0" encoding="utf-8"?>
+<file path=ppt/notesSlides/notesSlide13.xml><?xml version="1.0" encoding="utf-8"?>
 <p:notes xmlns:a="http://schemas.openxmlformats.org/drawingml/2006/main" xmlns:r="http://schemas.openxmlformats.org/officeDocument/2006/relationships" xmlns:p="http://schemas.openxmlformats.org/presentationml/2006/main" showMasterSp="0" showMasterPhAnim="0">
   <p:cSld>
     <p:spTree>
@@ -2216,7 +2387,7 @@
 </p:notes>
 </file>
 
-<file path=ppt/notesSlides/notesSlide13.xml><?xml version="1.0" encoding="utf-8"?>
+<file path=ppt/notesSlides/notesSlide14.xml><?xml version="1.0" encoding="utf-8"?>
 <p:notes xmlns:a="http://schemas.openxmlformats.org/drawingml/2006/main" xmlns:r="http://schemas.openxmlformats.org/officeDocument/2006/relationships" xmlns:p="http://schemas.openxmlformats.org/presentationml/2006/main" showMasterSp="0" showMasterPhAnim="0">
   <p:cSld>
     <p:spTree>
@@ -2320,7 +2491,7 @@
 </p:notes>
 </file>
 
-<file path=ppt/notesSlides/notesSlide14.xml><?xml version="1.0" encoding="utf-8"?>
+<file path=ppt/notesSlides/notesSlide15.xml><?xml version="1.0" encoding="utf-8"?>
 <p:notes xmlns:a="http://schemas.openxmlformats.org/drawingml/2006/main" xmlns:r="http://schemas.openxmlformats.org/officeDocument/2006/relationships" xmlns:p="http://schemas.openxmlformats.org/presentationml/2006/main" showMasterSp="0" showMasterPhAnim="0">
   <p:cSld>
     <p:spTree>
@@ -2488,7 +2659,7 @@
 </p:notes>
 </file>
 
-<file path=ppt/notesSlides/notesSlide15.xml><?xml version="1.0" encoding="utf-8"?>
+<file path=ppt/notesSlides/notesSlide16.xml><?xml version="1.0" encoding="utf-8"?>
 <p:notes xmlns:a="http://schemas.openxmlformats.org/drawingml/2006/main" xmlns:r="http://schemas.openxmlformats.org/officeDocument/2006/relationships" xmlns:p="http://schemas.openxmlformats.org/presentationml/2006/main" showMasterSp="0" showMasterPhAnim="0">
   <p:cSld>
     <p:spTree>
@@ -2740,7 +2911,7 @@
 </p:notes>
 </file>
 
-<file path=ppt/notesSlides/notesSlide16.xml><?xml version="1.0" encoding="utf-8"?>
+<file path=ppt/notesSlides/notesSlide17.xml><?xml version="1.0" encoding="utf-8"?>
 <p:notes xmlns:a="http://schemas.openxmlformats.org/drawingml/2006/main" xmlns:r="http://schemas.openxmlformats.org/officeDocument/2006/relationships" xmlns:p="http://schemas.openxmlformats.org/presentationml/2006/main" showMasterSp="0" showMasterPhAnim="0">
   <p:cSld>
     <p:spTree>
@@ -3020,7 +3191,7 @@
 </p:notes>
 </file>
 
-<file path=ppt/notesSlides/notesSlide17.xml><?xml version="1.0" encoding="utf-8"?>
+<file path=ppt/notesSlides/notesSlide18.xml><?xml version="1.0" encoding="utf-8"?>
 <p:notes xmlns:a="http://schemas.openxmlformats.org/drawingml/2006/main" xmlns:r="http://schemas.openxmlformats.org/officeDocument/2006/relationships" xmlns:p="http://schemas.openxmlformats.org/presentationml/2006/main" showMasterSp="0" showMasterPhAnim="0">
   <p:cSld>
     <p:spTree>
@@ -3188,7 +3359,7 @@
 </p:notes>
 </file>
 
-<file path=ppt/notesSlides/notesSlide18.xml><?xml version="1.0" encoding="utf-8"?>
+<file path=ppt/notesSlides/notesSlide19.xml><?xml version="1.0" encoding="utf-8"?>
 <p:notes xmlns:a="http://schemas.openxmlformats.org/drawingml/2006/main" xmlns:r="http://schemas.openxmlformats.org/officeDocument/2006/relationships" xmlns:p="http://schemas.openxmlformats.org/presentationml/2006/main" showMasterSp="0" showMasterPhAnim="0">
   <p:cSld>
     <p:spTree>
@@ -3372,7 +3543,111 @@
 </p:notes>
 </file>
 
-<file path=ppt/notesSlides/notesSlide19.xml><?xml version="1.0" encoding="utf-8"?>
+<file path=ppt/notesSlides/notesSlide2.xml><?xml version="1.0" encoding="utf-8"?>
+<p:notes xmlns:a="http://schemas.openxmlformats.org/drawingml/2006/main" xmlns:r="http://schemas.openxmlformats.org/officeDocument/2006/relationships" xmlns:p="http://schemas.openxmlformats.org/presentationml/2006/main" showMasterSp="0" showMasterPhAnim="0">
+  <p:cSld>
+    <p:spTree>
+      <p:nvGrpSpPr>
+        <p:cNvPr id="1" name="Shape 90"/>
+        <p:cNvGrpSpPr/>
+        <p:nvPr/>
+      </p:nvGrpSpPr>
+      <p:grpSpPr>
+        <a:xfrm>
+          <a:off x="0" y="0"/>
+          <a:ext cx="0" cy="0"/>
+          <a:chOff x="0" y="0"/>
+          <a:chExt cx="0" cy="0"/>
+        </a:xfrm>
+      </p:grpSpPr>
+      <p:sp>
+        <p:nvSpPr>
+          <p:cNvPr id="91" name="Google Shape;91;p2:notes"/>
+          <p:cNvSpPr txBox="1">
+            <a:spLocks noGrp="1"/>
+          </p:cNvSpPr>
+          <p:nvPr>
+            <p:ph type="body" idx="1"/>
+          </p:nvPr>
+        </p:nvSpPr>
+        <p:spPr>
+          <a:xfrm>
+            <a:off x="685800" y="4400550"/>
+            <a:ext cx="5486400" cy="3600450"/>
+          </a:xfrm>
+          <a:prstGeom prst="rect">
+            <a:avLst/>
+          </a:prstGeom>
+        </p:spPr>
+        <p:txBody>
+          <a:bodyPr spcFirstLastPara="1" wrap="square" lIns="91425" tIns="45700" rIns="91425" bIns="45700" anchor="t" anchorCtr="0">
+            <a:noAutofit/>
+          </a:bodyPr>
+          <a:lstStyle/>
+          <a:p>
+            <a:pPr marL="0" lvl="0" indent="0" algn="l" rtl="0">
+              <a:spcBef>
+                <a:spcPts val="0"/>
+              </a:spcBef>
+              <a:spcAft>
+                <a:spcPts val="0"/>
+              </a:spcAft>
+              <a:buNone/>
+            </a:pPr>
+            <a:endParaRPr/>
+          </a:p>
+        </p:txBody>
+      </p:sp>
+      <p:sp>
+        <p:nvSpPr>
+          <p:cNvPr id="92" name="Google Shape;92;p2:notes"/>
+          <p:cNvSpPr>
+            <a:spLocks noGrp="1" noRot="1" noChangeAspect="1"/>
+          </p:cNvSpPr>
+          <p:nvPr>
+            <p:ph type="sldImg" idx="2"/>
+          </p:nvPr>
+        </p:nvSpPr>
+        <p:spPr>
+          <a:xfrm>
+            <a:off x="685800" y="1143000"/>
+            <a:ext cx="5486400" cy="3086100"/>
+          </a:xfrm>
+          <a:custGeom>
+            <a:avLst/>
+            <a:gdLst/>
+            <a:ahLst/>
+            <a:cxnLst/>
+            <a:rect l="l" t="t" r="r" b="b"/>
+            <a:pathLst>
+              <a:path w="120000" h="120000" extrusionOk="0">
+                <a:moveTo>
+                  <a:pt x="0" y="0"/>
+                </a:moveTo>
+                <a:lnTo>
+                  <a:pt x="120000" y="0"/>
+                </a:lnTo>
+                <a:lnTo>
+                  <a:pt x="120000" y="120000"/>
+                </a:lnTo>
+                <a:lnTo>
+                  <a:pt x="0" y="120000"/>
+                </a:lnTo>
+                <a:close/>
+              </a:path>
+            </a:pathLst>
+          </a:custGeom>
+        </p:spPr>
+      </p:sp>
+    </p:spTree>
+  </p:cSld>
+  <p:clrMapOvr>
+    <a:masterClrMapping/>
+  </p:clrMapOvr>
+</p:notes>
+</file>
+
+<file path=ppt/notesSlides/notesSlide20.xml><?xml version="1.0" encoding="utf-8"?>
 <p:notes xmlns:a="http://schemas.openxmlformats.org/drawingml/2006/main" xmlns:r="http://schemas.openxmlformats.org/officeDocument/2006/relationships" xmlns:p="http://schemas.openxmlformats.org/presentationml/2006/main" showMasterSp="0" showMasterPhAnim="0">
   <p:cSld>
     <p:spTree>
@@ -3604,111 +3879,7 @@
 </p:notes>
 </file>
 
-<file path=ppt/notesSlides/notesSlide2.xml><?xml version="1.0" encoding="utf-8"?>
-<p:notes xmlns:a="http://schemas.openxmlformats.org/drawingml/2006/main" xmlns:r="http://schemas.openxmlformats.org/officeDocument/2006/relationships" xmlns:p="http://schemas.openxmlformats.org/presentationml/2006/main" showMasterSp="0" showMasterPhAnim="0">
-  <p:cSld>
-    <p:spTree>
-      <p:nvGrpSpPr>
-        <p:cNvPr id="1" name="Shape 90"/>
-        <p:cNvGrpSpPr/>
-        <p:nvPr/>
-      </p:nvGrpSpPr>
-      <p:grpSpPr>
-        <a:xfrm>
-          <a:off x="0" y="0"/>
-          <a:ext cx="0" cy="0"/>
-          <a:chOff x="0" y="0"/>
-          <a:chExt cx="0" cy="0"/>
-        </a:xfrm>
-      </p:grpSpPr>
-      <p:sp>
-        <p:nvSpPr>
-          <p:cNvPr id="91" name="Google Shape;91;p2:notes"/>
-          <p:cNvSpPr txBox="1">
-            <a:spLocks noGrp="1"/>
-          </p:cNvSpPr>
-          <p:nvPr>
-            <p:ph type="body" idx="1"/>
-          </p:nvPr>
-        </p:nvSpPr>
-        <p:spPr>
-          <a:xfrm>
-            <a:off x="685800" y="4400550"/>
-            <a:ext cx="5486400" cy="3600450"/>
-          </a:xfrm>
-          <a:prstGeom prst="rect">
-            <a:avLst/>
-          </a:prstGeom>
-        </p:spPr>
-        <p:txBody>
-          <a:bodyPr spcFirstLastPara="1" wrap="square" lIns="91425" tIns="45700" rIns="91425" bIns="45700" anchor="t" anchorCtr="0">
-            <a:noAutofit/>
-          </a:bodyPr>
-          <a:lstStyle/>
-          <a:p>
-            <a:pPr marL="0" lvl="0" indent="0" algn="l" rtl="0">
-              <a:spcBef>
-                <a:spcPts val="0"/>
-              </a:spcBef>
-              <a:spcAft>
-                <a:spcPts val="0"/>
-              </a:spcAft>
-              <a:buNone/>
-            </a:pPr>
-            <a:endParaRPr/>
-          </a:p>
-        </p:txBody>
-      </p:sp>
-      <p:sp>
-        <p:nvSpPr>
-          <p:cNvPr id="92" name="Google Shape;92;p2:notes"/>
-          <p:cNvSpPr>
-            <a:spLocks noGrp="1" noRot="1" noChangeAspect="1"/>
-          </p:cNvSpPr>
-          <p:nvPr>
-            <p:ph type="sldImg" idx="2"/>
-          </p:nvPr>
-        </p:nvSpPr>
-        <p:spPr>
-          <a:xfrm>
-            <a:off x="685800" y="1143000"/>
-            <a:ext cx="5486400" cy="3086100"/>
-          </a:xfrm>
-          <a:custGeom>
-            <a:avLst/>
-            <a:gdLst/>
-            <a:ahLst/>
-            <a:cxnLst/>
-            <a:rect l="l" t="t" r="r" b="b"/>
-            <a:pathLst>
-              <a:path w="120000" h="120000" extrusionOk="0">
-                <a:moveTo>
-                  <a:pt x="0" y="0"/>
-                </a:moveTo>
-                <a:lnTo>
-                  <a:pt x="120000" y="0"/>
-                </a:lnTo>
-                <a:lnTo>
-                  <a:pt x="120000" y="120000"/>
-                </a:lnTo>
-                <a:lnTo>
-                  <a:pt x="0" y="120000"/>
-                </a:lnTo>
-                <a:close/>
-              </a:path>
-            </a:pathLst>
-          </a:custGeom>
-        </p:spPr>
-      </p:sp>
-    </p:spTree>
-  </p:cSld>
-  <p:clrMapOvr>
-    <a:masterClrMapping/>
-  </p:clrMapOvr>
-</p:notes>
-</file>
-
-<file path=ppt/notesSlides/notesSlide20.xml><?xml version="1.0" encoding="utf-8"?>
+<file path=ppt/notesSlides/notesSlide21.xml><?xml version="1.0" encoding="utf-8"?>
 <p:notes xmlns:a="http://schemas.openxmlformats.org/drawingml/2006/main" xmlns:r="http://schemas.openxmlformats.org/officeDocument/2006/relationships" xmlns:p="http://schemas.openxmlformats.org/presentationml/2006/main" showMasterSp="0" showMasterPhAnim="0">
   <p:cSld>
     <p:spTree>
@@ -4191,6 +4362,122 @@
 </file>
 
 <file path=ppt/notesSlides/notesSlide5.xml><?xml version="1.0" encoding="utf-8"?>
+<p:notes xmlns:a="http://schemas.openxmlformats.org/drawingml/2006/main" xmlns:r="http://schemas.openxmlformats.org/officeDocument/2006/relationships" xmlns:p="http://schemas.openxmlformats.org/presentationml/2006/main">
+  <p:cSld>
+    <p:spTree>
+      <p:nvGrpSpPr>
+        <p:cNvPr id="1" name=""/>
+        <p:cNvGrpSpPr/>
+        <p:nvPr/>
+      </p:nvGrpSpPr>
+      <p:grpSpPr>
+        <a:xfrm>
+          <a:off x="0" y="0"/>
+          <a:ext cx="0" cy="0"/>
+          <a:chOff x="0" y="0"/>
+          <a:chExt cx="0" cy="0"/>
+        </a:xfrm>
+      </p:grpSpPr>
+      <p:sp>
+        <p:nvSpPr>
+          <p:cNvPr id="2" name="Slide Image Placeholder 1"/>
+          <p:cNvSpPr>
+            <a:spLocks noGrp="1" noRot="1" noChangeAspect="1"/>
+          </p:cNvSpPr>
+          <p:nvPr>
+            <p:ph type="sldImg"/>
+          </p:nvPr>
+        </p:nvSpPr>
+        <p:spPr/>
+      </p:sp>
+      <p:sp>
+        <p:nvSpPr>
+          <p:cNvPr id="3" name="Notes Placeholder 2"/>
+          <p:cNvSpPr>
+            <a:spLocks noGrp="1"/>
+          </p:cNvSpPr>
+          <p:nvPr>
+            <p:ph type="body" idx="1"/>
+          </p:nvPr>
+        </p:nvSpPr>
+        <p:spPr/>
+        <p:txBody>
+          <a:bodyPr/>
+          <a:lstStyle/>
+          <a:p>
+            <a:r>
+              <a:rPr lang="en-US" dirty="0"/>
+              <a:t>The notebooks note where the ”lectures” will be ending and if there are sections we will not be covering in detail. We have more content than we likely will be able to cover this is so you are able to keep learning with these materials after these three days and then are able to reference these materials </a:t>
+            </a:r>
+            <a:r>
+              <a:rPr lang="en-US"/>
+              <a:t>for future use. </a:t>
+            </a:r>
+          </a:p>
+        </p:txBody>
+      </p:sp>
+      <p:sp>
+        <p:nvSpPr>
+          <p:cNvPr id="4" name="Slide Number Placeholder 3"/>
+          <p:cNvSpPr>
+            <a:spLocks noGrp="1"/>
+          </p:cNvSpPr>
+          <p:nvPr>
+            <p:ph type="sldNum" idx="12"/>
+          </p:nvPr>
+        </p:nvSpPr>
+        <p:spPr/>
+        <p:txBody>
+          <a:bodyPr/>
+          <a:lstStyle/>
+          <a:p>
+            <a:pPr marL="0" marR="0" lvl="0" indent="0" algn="r" rtl="0">
+              <a:spcBef>
+                <a:spcPts val="0"/>
+              </a:spcBef>
+              <a:spcAft>
+                <a:spcPts val="0"/>
+              </a:spcAft>
+              <a:buNone/>
+            </a:pPr>
+            <a:fld id="{00000000-1234-1234-1234-123412341234}" type="slidenum">
+              <a:rPr lang="en-US" sz="1200" b="0" i="0" u="none" strike="noStrike" cap="none" smtClean="0">
+                <a:solidFill>
+                  <a:schemeClr val="dk1"/>
+                </a:solidFill>
+                <a:latin typeface="Calibri"/>
+                <a:ea typeface="Calibri"/>
+                <a:cs typeface="Calibri"/>
+                <a:sym typeface="Calibri"/>
+              </a:rPr>
+              <a:t>6</a:t>
+            </a:fld>
+            <a:endParaRPr lang="en-US" sz="1200" b="0" i="0" u="none" strike="noStrike" cap="none">
+              <a:solidFill>
+                <a:schemeClr val="dk1"/>
+              </a:solidFill>
+              <a:latin typeface="Calibri"/>
+              <a:ea typeface="Calibri"/>
+              <a:cs typeface="Calibri"/>
+              <a:sym typeface="Calibri"/>
+            </a:endParaRPr>
+          </a:p>
+        </p:txBody>
+      </p:sp>
+    </p:spTree>
+    <p:extLst>
+      <p:ext uri="{BB962C8B-B14F-4D97-AF65-F5344CB8AC3E}">
+        <p14:creationId xmlns:p14="http://schemas.microsoft.com/office/powerpoint/2010/main" val="927985503"/>
+      </p:ext>
+    </p:extLst>
+  </p:cSld>
+  <p:clrMapOvr>
+    <a:masterClrMapping/>
+  </p:clrMapOvr>
+</p:notes>
+</file>
+
+<file path=ppt/notesSlides/notesSlide6.xml><?xml version="1.0" encoding="utf-8"?>
 <p:notes xmlns:a="http://schemas.openxmlformats.org/drawingml/2006/main" xmlns:r="http://schemas.openxmlformats.org/officeDocument/2006/relationships" xmlns:p="http://schemas.openxmlformats.org/presentationml/2006/main" showMasterSp="0" showMasterPhAnim="0">
   <p:cSld>
     <p:spTree>
@@ -4358,7 +4645,7 @@
 </p:notes>
 </file>
 
-<file path=ppt/notesSlides/notesSlide6.xml><?xml version="1.0" encoding="utf-8"?>
+<file path=ppt/notesSlides/notesSlide7.xml><?xml version="1.0" encoding="utf-8"?>
 <p:notes xmlns:a="http://schemas.openxmlformats.org/drawingml/2006/main" xmlns:r="http://schemas.openxmlformats.org/officeDocument/2006/relationships" xmlns:p="http://schemas.openxmlformats.org/presentationml/2006/main" showMasterSp="0" showMasterPhAnim="0">
   <p:cSld>
     <p:spTree>
@@ -4526,7 +4813,7 @@
 </p:notes>
 </file>
 
-<file path=ppt/notesSlides/notesSlide7.xml><?xml version="1.0" encoding="utf-8"?>
+<file path=ppt/notesSlides/notesSlide8.xml><?xml version="1.0" encoding="utf-8"?>
 <p:notes xmlns:a="http://schemas.openxmlformats.org/drawingml/2006/main" xmlns:r="http://schemas.openxmlformats.org/officeDocument/2006/relationships" xmlns:p="http://schemas.openxmlformats.org/presentationml/2006/main" showMasterSp="0" showMasterPhAnim="0">
   <p:cSld>
     <p:spTree>
@@ -4690,7 +4977,7 @@
 </p:notes>
 </file>
 
-<file path=ppt/notesSlides/notesSlide8.xml><?xml version="1.0" encoding="utf-8"?>
+<file path=ppt/notesSlides/notesSlide9.xml><?xml version="1.0" encoding="utf-8"?>
 <p:notes xmlns:a="http://schemas.openxmlformats.org/drawingml/2006/main" xmlns:r="http://schemas.openxmlformats.org/officeDocument/2006/relationships" xmlns:p="http://schemas.openxmlformats.org/presentationml/2006/main" showMasterSp="0" showMasterPhAnim="0">
   <p:cSld>
     <p:spTree>
@@ -4785,174 +5072,6 @@
             </a:pathLst>
           </a:custGeom>
         </p:spPr>
-      </p:sp>
-    </p:spTree>
-  </p:cSld>
-  <p:clrMapOvr>
-    <a:masterClrMapping/>
-  </p:clrMapOvr>
-</p:notes>
-</file>
-
-<file path=ppt/notesSlides/notesSlide9.xml><?xml version="1.0" encoding="utf-8"?>
-<p:notes xmlns:a="http://schemas.openxmlformats.org/drawingml/2006/main" xmlns:r="http://schemas.openxmlformats.org/officeDocument/2006/relationships" xmlns:p="http://schemas.openxmlformats.org/presentationml/2006/main" showMasterSp="0" showMasterPhAnim="0">
-  <p:cSld>
-    <p:spTree>
-      <p:nvGrpSpPr>
-        <p:cNvPr id="1" name="Shape 144"/>
-        <p:cNvGrpSpPr/>
-        <p:nvPr/>
-      </p:nvGrpSpPr>
-      <p:grpSpPr>
-        <a:xfrm>
-          <a:off x="0" y="0"/>
-          <a:ext cx="0" cy="0"/>
-          <a:chOff x="0" y="0"/>
-          <a:chExt cx="0" cy="0"/>
-        </a:xfrm>
-      </p:grpSpPr>
-      <p:sp>
-        <p:nvSpPr>
-          <p:cNvPr id="145" name="Google Shape;145;p8:notes"/>
-          <p:cNvSpPr>
-            <a:spLocks noGrp="1" noRot="1" noChangeAspect="1"/>
-          </p:cNvSpPr>
-          <p:nvPr>
-            <p:ph type="sldImg" idx="2"/>
-          </p:nvPr>
-        </p:nvSpPr>
-        <p:spPr>
-          <a:xfrm>
-            <a:off x="685800" y="1143000"/>
-            <a:ext cx="5486400" cy="3086100"/>
-          </a:xfrm>
-          <a:custGeom>
-            <a:avLst/>
-            <a:gdLst/>
-            <a:ahLst/>
-            <a:cxnLst/>
-            <a:rect l="l" t="t" r="r" b="b"/>
-            <a:pathLst>
-              <a:path w="120000" h="120000" extrusionOk="0">
-                <a:moveTo>
-                  <a:pt x="0" y="0"/>
-                </a:moveTo>
-                <a:lnTo>
-                  <a:pt x="120000" y="0"/>
-                </a:lnTo>
-                <a:lnTo>
-                  <a:pt x="120000" y="120000"/>
-                </a:lnTo>
-                <a:lnTo>
-                  <a:pt x="0" y="120000"/>
-                </a:lnTo>
-                <a:close/>
-              </a:path>
-            </a:pathLst>
-          </a:custGeom>
-          <a:noFill/>
-          <a:ln w="12700" cap="flat" cmpd="sng">
-            <a:solidFill>
-              <a:srgbClr val="000000"/>
-            </a:solidFill>
-            <a:prstDash val="solid"/>
-            <a:round/>
-            <a:headEnd type="none" w="sm" len="sm"/>
-            <a:tailEnd type="none" w="sm" len="sm"/>
-          </a:ln>
-        </p:spPr>
-      </p:sp>
-      <p:sp>
-        <p:nvSpPr>
-          <p:cNvPr id="146" name="Google Shape;146;p8:notes"/>
-          <p:cNvSpPr txBox="1">
-            <a:spLocks noGrp="1"/>
-          </p:cNvSpPr>
-          <p:nvPr>
-            <p:ph type="body" idx="1"/>
-          </p:nvPr>
-        </p:nvSpPr>
-        <p:spPr>
-          <a:xfrm>
-            <a:off x="685800" y="4400550"/>
-            <a:ext cx="5486400" cy="3600450"/>
-          </a:xfrm>
-          <a:prstGeom prst="rect">
-            <a:avLst/>
-          </a:prstGeom>
-          <a:noFill/>
-          <a:ln>
-            <a:noFill/>
-          </a:ln>
-        </p:spPr>
-        <p:txBody>
-          <a:bodyPr spcFirstLastPara="1" wrap="square" lIns="91425" tIns="45700" rIns="91425" bIns="45700" anchor="t" anchorCtr="0">
-            <a:noAutofit/>
-          </a:bodyPr>
-          <a:lstStyle/>
-          <a:p>
-            <a:pPr marL="0" lvl="0" indent="0" algn="l" rtl="0">
-              <a:spcBef>
-                <a:spcPts val="0"/>
-              </a:spcBef>
-              <a:spcAft>
-                <a:spcPts val="0"/>
-              </a:spcAft>
-              <a:buNone/>
-            </a:pPr>
-            <a:r>
-              <a:rPr lang="en-US"/>
-              <a:t>DEMO – code formatting, ect. </a:t>
-            </a:r>
-            <a:endParaRPr/>
-          </a:p>
-        </p:txBody>
-      </p:sp>
-      <p:sp>
-        <p:nvSpPr>
-          <p:cNvPr id="147" name="Google Shape;147;p8:notes"/>
-          <p:cNvSpPr txBox="1">
-            <a:spLocks noGrp="1"/>
-          </p:cNvSpPr>
-          <p:nvPr>
-            <p:ph type="sldNum" idx="12"/>
-          </p:nvPr>
-        </p:nvSpPr>
-        <p:spPr>
-          <a:xfrm>
-            <a:off x="3884613" y="8685213"/>
-            <a:ext cx="2971800" cy="458787"/>
-          </a:xfrm>
-          <a:prstGeom prst="rect">
-            <a:avLst/>
-          </a:prstGeom>
-          <a:noFill/>
-          <a:ln>
-            <a:noFill/>
-          </a:ln>
-        </p:spPr>
-        <p:txBody>
-          <a:bodyPr spcFirstLastPara="1" wrap="square" lIns="91425" tIns="45700" rIns="91425" bIns="45700" anchor="b" anchorCtr="0">
-            <a:noAutofit/>
-          </a:bodyPr>
-          <a:lstStyle/>
-          <a:p>
-            <a:pPr marL="0" lvl="0" indent="0" algn="r" rtl="0">
-              <a:spcBef>
-                <a:spcPts val="0"/>
-              </a:spcBef>
-              <a:spcAft>
-                <a:spcPts val="0"/>
-              </a:spcAft>
-              <a:buNone/>
-            </a:pPr>
-            <a:fld id="{00000000-1234-1234-1234-123412341234}" type="slidenum">
-              <a:rPr lang="en-US"/>
-              <a:t>11</a:t>
-            </a:fld>
-            <a:endParaRPr/>
-          </a:p>
-        </p:txBody>
       </p:sp>
     </p:spTree>
   </p:cSld>

--- a/workshop_documents/Introduction_workshop_slides.pptx
+++ b/workshop_documents/Introduction_workshop_slides.pptx
@@ -4150,10 +4150,37 @@
               <a:buNone/>
             </a:pPr>
             <a:r>
-              <a:rPr lang="en-US"/>
+              <a:rPr lang="en-US" dirty="0"/>
               <a:t>Go to canvas and explain the idea and outline then progress through it – explain the PDFs, Data files, Live notebooks</a:t>
             </a:r>
-            <a:endParaRPr/>
+          </a:p>
+          <a:p>
+            <a:pPr marL="0" lvl="0" indent="0" algn="l" rtl="0">
+              <a:spcBef>
+                <a:spcPts val="0"/>
+              </a:spcBef>
+              <a:spcAft>
+                <a:spcPts val="0"/>
+              </a:spcAft>
+              <a:buNone/>
+            </a:pPr>
+            <a:endParaRPr lang="en-US" dirty="0"/>
+          </a:p>
+          <a:p>
+            <a:pPr marL="0" lvl="0" indent="0" algn="l" rtl="0">
+              <a:spcBef>
+                <a:spcPts val="0"/>
+              </a:spcBef>
+              <a:spcAft>
+                <a:spcPts val="0"/>
+              </a:spcAft>
+              <a:buNone/>
+            </a:pPr>
+            <a:r>
+              <a:rPr lang="en-US" dirty="0"/>
+              <a:t>How long all this takes will vary </a:t>
+            </a:r>
+            <a:endParaRPr dirty="0"/>
           </a:p>
         </p:txBody>
       </p:sp>
@@ -15610,8 +15637,8 @@
         </p:nvSpPr>
         <p:spPr>
           <a:xfrm>
-            <a:off x="838200" y="740211"/>
-            <a:ext cx="7530685" cy="3163864"/>
+            <a:off x="0" y="-127141"/>
+            <a:ext cx="7530685" cy="1120590"/>
           </a:xfrm>
           <a:prstGeom prst="rect">
             <a:avLst/>
@@ -15638,9 +15665,9 @@
               <a:buNone/>
             </a:pPr>
             <a:r>
-              <a:rPr lang="en-US" sz="5200">
+              <a:rPr lang="en-US" sz="5200" dirty="0">
                 <a:solidFill>
-                  <a:srgbClr val="FFFFFF"/>
+                  <a:schemeClr val="tx1"/>
                 </a:solidFill>
               </a:rPr>
               <a:t>BIOF 085 Introduction</a:t>
@@ -15660,7 +15687,7 @@
         </p:nvSpPr>
         <p:spPr>
           <a:xfrm>
-            <a:off x="838200" y="4074515"/>
+            <a:off x="0" y="867676"/>
             <a:ext cx="7583133" cy="1279124"/>
           </a:xfrm>
           <a:prstGeom prst="rect">
@@ -15687,9 +15714,9 @@
               <a:buNone/>
             </a:pPr>
             <a:r>
-              <a:rPr lang="en-US" sz="2200">
+              <a:rPr lang="en-US" sz="2200" dirty="0">
                 <a:solidFill>
-                  <a:srgbClr val="FFFFFF"/>
+                  <a:schemeClr val="tx1"/>
                 </a:solidFill>
               </a:rPr>
               <a:t>Instructors: Gaby Gerlach and Roshni Bhatt </a:t>
@@ -15709,7 +15736,7 @@
               <a:buSzPts val="2400"/>
               <a:buNone/>
             </a:pPr>
-            <a:endParaRPr lang="en-US" sz="2200">
+            <a:endParaRPr lang="en-US" sz="2200" dirty="0">
               <a:solidFill>
                 <a:srgbClr val="FFFFFF"/>
               </a:solidFill>
@@ -20565,14 +20592,14 @@
           <p:nvPr>
             <p:extLst>
               <p:ext uri="{D42A27DB-BD31-4B8C-83A1-F6EECF244321}">
-                <p14:modId xmlns:p14="http://schemas.microsoft.com/office/powerpoint/2010/main" val="3798218153"/>
+                <p14:modId xmlns:p14="http://schemas.microsoft.com/office/powerpoint/2010/main" val="1038276881"/>
               </p:ext>
             </p:extLst>
           </p:nvPr>
         </p:nvGraphicFramePr>
         <p:xfrm>
           <a:off x="838200" y="1825625"/>
-          <a:ext cx="10515625" cy="3754170"/>
+          <a:ext cx="10515625" cy="4028490"/>
         </p:xfrm>
         <a:graphic>
           <a:graphicData uri="http://schemas.openxmlformats.org/drawingml/2006/table">
@@ -20841,10 +20868,10 @@
                         <a:buNone/>
                       </a:pPr>
                       <a:r>
-                        <a:rPr lang="en-US" sz="1800"/>
+                        <a:rPr lang="en-US" sz="1800" dirty="0"/>
                         <a:t>Gaby</a:t>
                       </a:r>
-                      <a:endParaRPr/>
+                      <a:endParaRPr dirty="0"/>
                     </a:p>
                   </a:txBody>
                   <a:tcPr marL="91450" marR="91450" marT="45725" marB="45725"/>
@@ -20864,10 +20891,10 @@
                         <a:buNone/>
                       </a:pPr>
                       <a:r>
-                        <a:rPr lang="en-US" sz="1800"/>
-                        <a:t>00_python_primer</a:t>
+                        <a:rPr lang="en-US" sz="1800" dirty="0"/>
+                        <a:t>Intro slides, 00_python_primer</a:t>
                       </a:r>
-                      <a:endParaRPr sz="1800"/>
+                      <a:endParaRPr sz="1800" dirty="0"/>
                     </a:p>
                   </a:txBody>
                   <a:tcPr marL="91450" marR="91450" marT="45725" marB="45725"/>
@@ -20986,10 +21013,14 @@
                         <a:buNone/>
                       </a:pPr>
                       <a:r>
-                        <a:rPr lang="en-US" sz="1800"/>
-                        <a:t>01_python_tools</a:t>
+                        <a:rPr lang="en-US" sz="1800" dirty="0" err="1"/>
+                        <a:t>Python_objects</a:t>
                       </a:r>
-                      <a:endParaRPr sz="1800"/>
+                      <a:r>
+                        <a:rPr lang="en-US" sz="1800" dirty="0"/>
+                        <a:t> intro 01_python_tools</a:t>
+                      </a:r>
+                      <a:endParaRPr sz="1800" dirty="0"/>
                     </a:p>
                   </a:txBody>
                   <a:tcPr marL="91450" marR="91450" marT="45725" marB="45725"/>
@@ -21345,911 +21376,2542 @@
       </p:sp>
       <p:graphicFrame>
         <p:nvGraphicFramePr>
-          <p:cNvPr id="130" name="Google Shape;130;p5"/>
-          <p:cNvGraphicFramePr/>
-          <p:nvPr>
-            <p:extLst>
-              <p:ext uri="{D42A27DB-BD31-4B8C-83A1-F6EECF244321}">
-                <p14:modId xmlns:p14="http://schemas.microsoft.com/office/powerpoint/2010/main" val="127455157"/>
-              </p:ext>
-            </p:extLst>
-          </p:nvPr>
+          <p:cNvPr id="2" name="Table 1">
+            <a:extLst>
+              <a:ext uri="{FF2B5EF4-FFF2-40B4-BE49-F238E27FC236}">
+                <a16:creationId xmlns:a16="http://schemas.microsoft.com/office/drawing/2014/main" id="{8BFEABE9-2036-3843-84CE-245C06219359}"/>
+              </a:ext>
+            </a:extLst>
+          </p:cNvPr>
+          <p:cNvGraphicFramePr>
+            <a:graphicFrameLocks noGrp="1"/>
+          </p:cNvGraphicFramePr>
+          <p:nvPr/>
         </p:nvGraphicFramePr>
         <p:xfrm>
-          <a:off x="838200" y="1825625"/>
-          <a:ext cx="10515625" cy="3677990"/>
+          <a:off x="838200" y="2080777"/>
+          <a:ext cx="10515600" cy="3841033"/>
         </p:xfrm>
         <a:graphic>
           <a:graphicData uri="http://schemas.openxmlformats.org/drawingml/2006/table">
             <a:tbl>
-              <a:tblPr firstRow="1" bandRow="1">
-                <a:noFill/>
-                <a:tableStyleId>{BDC89CF2-5B3D-42B9-B6F5-01EC46F6E823}</a:tableStyleId>
-              </a:tblPr>
+              <a:tblPr/>
               <a:tblGrid>
-                <a:gridCol w="2103125">
+                <a:gridCol w="2103120">
                   <a:extLst>
                     <a:ext uri="{9D8B030D-6E8A-4147-A177-3AD203B41FA5}">
-                      <a16:colId xmlns:a16="http://schemas.microsoft.com/office/drawing/2014/main" val="20000"/>
+                      <a16:colId xmlns:a16="http://schemas.microsoft.com/office/drawing/2014/main" val="1643094191"/>
                     </a:ext>
                   </a:extLst>
                 </a:gridCol>
-                <a:gridCol w="2103125">
+                <a:gridCol w="2103120">
                   <a:extLst>
                     <a:ext uri="{9D8B030D-6E8A-4147-A177-3AD203B41FA5}">
-                      <a16:colId xmlns:a16="http://schemas.microsoft.com/office/drawing/2014/main" val="20001"/>
+                      <a16:colId xmlns:a16="http://schemas.microsoft.com/office/drawing/2014/main" val="1855105119"/>
                     </a:ext>
                   </a:extLst>
                 </a:gridCol>
-                <a:gridCol w="2103125">
+                <a:gridCol w="2103120">
                   <a:extLst>
                     <a:ext uri="{9D8B030D-6E8A-4147-A177-3AD203B41FA5}">
-                      <a16:colId xmlns:a16="http://schemas.microsoft.com/office/drawing/2014/main" val="20002"/>
+                      <a16:colId xmlns:a16="http://schemas.microsoft.com/office/drawing/2014/main" val="678389098"/>
                     </a:ext>
                   </a:extLst>
                 </a:gridCol>
-                <a:gridCol w="2103125">
+                <a:gridCol w="2103120">
                   <a:extLst>
                     <a:ext uri="{9D8B030D-6E8A-4147-A177-3AD203B41FA5}">
-                      <a16:colId xmlns:a16="http://schemas.microsoft.com/office/drawing/2014/main" val="20003"/>
+                      <a16:colId xmlns:a16="http://schemas.microsoft.com/office/drawing/2014/main" val="2618109063"/>
                     </a:ext>
                   </a:extLst>
                 </a:gridCol>
-                <a:gridCol w="2103125">
+                <a:gridCol w="2103120">
                   <a:extLst>
                     <a:ext uri="{9D8B030D-6E8A-4147-A177-3AD203B41FA5}">
-                      <a16:colId xmlns:a16="http://schemas.microsoft.com/office/drawing/2014/main" val="20004"/>
+                      <a16:colId xmlns:a16="http://schemas.microsoft.com/office/drawing/2014/main" val="3968973778"/>
                     </a:ext>
                   </a:extLst>
                 </a:gridCol>
               </a:tblGrid>
-              <a:tr h="370850">
+              <a:tr h="371139">
                 <a:tc>
                   <a:txBody>
                     <a:bodyPr/>
                     <a:lstStyle/>
                     <a:p>
-                      <a:pPr marL="0" marR="0" lvl="0" indent="0" algn="l" rtl="0">
+                      <a:pPr rtl="0" fontAlgn="t">
                         <a:spcBef>
                           <a:spcPts val="0"/>
                         </a:spcBef>
                         <a:spcAft>
                           <a:spcPts val="0"/>
                         </a:spcAft>
-                        <a:buNone/>
                       </a:pPr>
                       <a:r>
-                        <a:rPr lang="en-US" sz="1800"/>
+                        <a:rPr lang="en-US" sz="1800" b="1" i="0" u="none" strike="noStrike">
+                          <a:solidFill>
+                            <a:srgbClr val="000000"/>
+                          </a:solidFill>
+                          <a:effectLst/>
+                          <a:latin typeface="Calibri" panose="020F0502020204030204" pitchFamily="34" charset="0"/>
+                        </a:rPr>
                         <a:t>Time</a:t>
                       </a:r>
-                      <a:endParaRPr/>
+                      <a:endParaRPr lang="en-US" sz="1400">
+                        <a:effectLst/>
+                      </a:endParaRPr>
                     </a:p>
                   </a:txBody>
-                  <a:tcPr marL="91450" marR="91450" marT="45725" marB="45725"/>
+                  <a:tcPr marL="95164" marR="95164" marT="47582" marB="47582">
+                    <a:lnL w="12697" cap="flat" cmpd="sng" algn="ctr">
+                      <a:solidFill>
+                        <a:srgbClr val="000000"/>
+                      </a:solidFill>
+                      <a:prstDash val="solid"/>
+                      <a:round/>
+                      <a:headEnd type="none" w="med" len="med"/>
+                      <a:tailEnd type="none" w="med" len="med"/>
+                    </a:lnL>
+                    <a:lnR w="12697" cap="flat" cmpd="sng" algn="ctr">
+                      <a:solidFill>
+                        <a:srgbClr val="000000"/>
+                      </a:solidFill>
+                      <a:prstDash val="solid"/>
+                      <a:round/>
+                      <a:headEnd type="none" w="med" len="med"/>
+                      <a:tailEnd type="none" w="med" len="med"/>
+                    </a:lnR>
+                    <a:lnT w="12697" cap="flat" cmpd="sng" algn="ctr">
+                      <a:solidFill>
+                        <a:srgbClr val="000000"/>
+                      </a:solidFill>
+                      <a:prstDash val="solid"/>
+                      <a:round/>
+                      <a:headEnd type="none" w="med" len="med"/>
+                      <a:tailEnd type="none" w="med" len="med"/>
+                    </a:lnT>
+                    <a:lnB w="12697" cap="flat" cmpd="sng" algn="ctr">
+                      <a:solidFill>
+                        <a:srgbClr val="000000"/>
+                      </a:solidFill>
+                      <a:prstDash val="solid"/>
+                      <a:round/>
+                      <a:headEnd type="none" w="med" len="med"/>
+                      <a:tailEnd type="none" w="med" len="med"/>
+                    </a:lnB>
+                    <a:solidFill>
+                      <a:srgbClr val="E6E6E6"/>
+                    </a:solidFill>
+                  </a:tcPr>
                 </a:tc>
                 <a:tc>
                   <a:txBody>
                     <a:bodyPr/>
                     <a:lstStyle/>
                     <a:p>
-                      <a:pPr marL="0" marR="0" lvl="0" indent="0" algn="l" rtl="0">
+                      <a:pPr rtl="0" fontAlgn="t">
                         <a:spcBef>
                           <a:spcPts val="0"/>
                         </a:spcBef>
                         <a:spcAft>
                           <a:spcPts val="0"/>
                         </a:spcAft>
-                        <a:buNone/>
                       </a:pPr>
                       <a:r>
-                        <a:rPr lang="en-US" sz="1800"/>
+                        <a:rPr lang="en-US" sz="1800" b="1" i="0" u="none" strike="noStrike">
+                          <a:solidFill>
+                            <a:srgbClr val="000000"/>
+                          </a:solidFill>
+                          <a:effectLst/>
+                          <a:latin typeface="Calibri" panose="020F0502020204030204" pitchFamily="34" charset="0"/>
+                        </a:rPr>
                         <a:t>Format</a:t>
                       </a:r>
-                      <a:endParaRPr/>
+                      <a:endParaRPr lang="en-US" sz="1400">
+                        <a:effectLst/>
+                      </a:endParaRPr>
                     </a:p>
                   </a:txBody>
-                  <a:tcPr marL="91450" marR="91450" marT="45725" marB="45725"/>
+                  <a:tcPr marL="95164" marR="95164" marT="47582" marB="47582">
+                    <a:lnL w="12697" cap="flat" cmpd="sng" algn="ctr">
+                      <a:solidFill>
+                        <a:srgbClr val="000000"/>
+                      </a:solidFill>
+                      <a:prstDash val="solid"/>
+                      <a:round/>
+                      <a:headEnd type="none" w="med" len="med"/>
+                      <a:tailEnd type="none" w="med" len="med"/>
+                    </a:lnL>
+                    <a:lnR w="12697" cap="flat" cmpd="sng" algn="ctr">
+                      <a:solidFill>
+                        <a:srgbClr val="000000"/>
+                      </a:solidFill>
+                      <a:prstDash val="solid"/>
+                      <a:round/>
+                      <a:headEnd type="none" w="med" len="med"/>
+                      <a:tailEnd type="none" w="med" len="med"/>
+                    </a:lnR>
+                    <a:lnT w="12697" cap="flat" cmpd="sng" algn="ctr">
+                      <a:solidFill>
+                        <a:srgbClr val="000000"/>
+                      </a:solidFill>
+                      <a:prstDash val="solid"/>
+                      <a:round/>
+                      <a:headEnd type="none" w="med" len="med"/>
+                      <a:tailEnd type="none" w="med" len="med"/>
+                    </a:lnT>
+                    <a:lnB w="12697" cap="flat" cmpd="sng" algn="ctr">
+                      <a:solidFill>
+                        <a:srgbClr val="000000"/>
+                      </a:solidFill>
+                      <a:prstDash val="solid"/>
+                      <a:round/>
+                      <a:headEnd type="none" w="med" len="med"/>
+                      <a:tailEnd type="none" w="med" len="med"/>
+                    </a:lnB>
+                    <a:solidFill>
+                      <a:srgbClr val="E6E6E6"/>
+                    </a:solidFill>
+                  </a:tcPr>
                 </a:tc>
                 <a:tc>
                   <a:txBody>
                     <a:bodyPr/>
                     <a:lstStyle/>
                     <a:p>
-                      <a:pPr marL="0" marR="0" lvl="0" indent="0" algn="l" rtl="0">
+                      <a:pPr rtl="0" fontAlgn="t">
                         <a:spcBef>
                           <a:spcPts val="0"/>
                         </a:spcBef>
                         <a:spcAft>
                           <a:spcPts val="0"/>
                         </a:spcAft>
-                        <a:buNone/>
                       </a:pPr>
                       <a:r>
-                        <a:rPr lang="en-US" sz="1800"/>
+                        <a:rPr lang="en-US" sz="1800" b="1" i="0" u="none" strike="noStrike">
+                          <a:solidFill>
+                            <a:srgbClr val="000000"/>
+                          </a:solidFill>
+                          <a:effectLst/>
+                          <a:latin typeface="Calibri" panose="020F0502020204030204" pitchFamily="34" charset="0"/>
+                        </a:rPr>
                         <a:t>Topic</a:t>
                       </a:r>
-                      <a:endParaRPr/>
+                      <a:endParaRPr lang="en-US" sz="1400">
+                        <a:effectLst/>
+                      </a:endParaRPr>
                     </a:p>
                   </a:txBody>
-                  <a:tcPr marL="91450" marR="91450" marT="45725" marB="45725"/>
+                  <a:tcPr marL="95164" marR="95164" marT="47582" marB="47582">
+                    <a:lnL w="12697" cap="flat" cmpd="sng" algn="ctr">
+                      <a:solidFill>
+                        <a:srgbClr val="000000"/>
+                      </a:solidFill>
+                      <a:prstDash val="solid"/>
+                      <a:round/>
+                      <a:headEnd type="none" w="med" len="med"/>
+                      <a:tailEnd type="none" w="med" len="med"/>
+                    </a:lnL>
+                    <a:lnR w="12697" cap="flat" cmpd="sng" algn="ctr">
+                      <a:solidFill>
+                        <a:srgbClr val="000000"/>
+                      </a:solidFill>
+                      <a:prstDash val="solid"/>
+                      <a:round/>
+                      <a:headEnd type="none" w="med" len="med"/>
+                      <a:tailEnd type="none" w="med" len="med"/>
+                    </a:lnR>
+                    <a:lnT w="12697" cap="flat" cmpd="sng" algn="ctr">
+                      <a:solidFill>
+                        <a:srgbClr val="000000"/>
+                      </a:solidFill>
+                      <a:prstDash val="solid"/>
+                      <a:round/>
+                      <a:headEnd type="none" w="med" len="med"/>
+                      <a:tailEnd type="none" w="med" len="med"/>
+                    </a:lnT>
+                    <a:lnB w="12697" cap="flat" cmpd="sng" algn="ctr">
+                      <a:solidFill>
+                        <a:srgbClr val="000000"/>
+                      </a:solidFill>
+                      <a:prstDash val="solid"/>
+                      <a:round/>
+                      <a:headEnd type="none" w="med" len="med"/>
+                      <a:tailEnd type="none" w="med" len="med"/>
+                    </a:lnB>
+                    <a:solidFill>
+                      <a:srgbClr val="E6E6E6"/>
+                    </a:solidFill>
+                  </a:tcPr>
                 </a:tc>
                 <a:tc>
                   <a:txBody>
                     <a:bodyPr/>
                     <a:lstStyle/>
                     <a:p>
-                      <a:pPr marL="0" marR="0" lvl="0" indent="0" algn="l" rtl="0">
+                      <a:pPr rtl="0" fontAlgn="t">
                         <a:spcBef>
                           <a:spcPts val="0"/>
                         </a:spcBef>
                         <a:spcAft>
                           <a:spcPts val="0"/>
                         </a:spcAft>
-                        <a:buNone/>
                       </a:pPr>
                       <a:r>
-                        <a:rPr lang="en-US" sz="1800"/>
-                        <a:t>Instructor </a:t>
+                        <a:rPr lang="en-US" sz="1800" b="1" i="0" u="none" strike="noStrike">
+                          <a:solidFill>
+                            <a:srgbClr val="000000"/>
+                          </a:solidFill>
+                          <a:effectLst/>
+                          <a:latin typeface="Calibri" panose="020F0502020204030204" pitchFamily="34" charset="0"/>
+                        </a:rPr>
+                        <a:t>Instructor </a:t>
                       </a:r>
-                      <a:endParaRPr/>
+                      <a:endParaRPr lang="en-US" sz="1400">
+                        <a:effectLst/>
+                      </a:endParaRPr>
                     </a:p>
                   </a:txBody>
-                  <a:tcPr marL="91450" marR="91450" marT="45725" marB="45725"/>
+                  <a:tcPr marL="95164" marR="95164" marT="47582" marB="47582">
+                    <a:lnL w="12697" cap="flat" cmpd="sng" algn="ctr">
+                      <a:solidFill>
+                        <a:srgbClr val="000000"/>
+                      </a:solidFill>
+                      <a:prstDash val="solid"/>
+                      <a:round/>
+                      <a:headEnd type="none" w="med" len="med"/>
+                      <a:tailEnd type="none" w="med" len="med"/>
+                    </a:lnL>
+                    <a:lnR w="12697" cap="flat" cmpd="sng" algn="ctr">
+                      <a:solidFill>
+                        <a:srgbClr val="000000"/>
+                      </a:solidFill>
+                      <a:prstDash val="solid"/>
+                      <a:round/>
+                      <a:headEnd type="none" w="med" len="med"/>
+                      <a:tailEnd type="none" w="med" len="med"/>
+                    </a:lnR>
+                    <a:lnT w="12697" cap="flat" cmpd="sng" algn="ctr">
+                      <a:solidFill>
+                        <a:srgbClr val="000000"/>
+                      </a:solidFill>
+                      <a:prstDash val="solid"/>
+                      <a:round/>
+                      <a:headEnd type="none" w="med" len="med"/>
+                      <a:tailEnd type="none" w="med" len="med"/>
+                    </a:lnT>
+                    <a:lnB w="12697" cap="flat" cmpd="sng" algn="ctr">
+                      <a:solidFill>
+                        <a:srgbClr val="000000"/>
+                      </a:solidFill>
+                      <a:prstDash val="solid"/>
+                      <a:round/>
+                      <a:headEnd type="none" w="med" len="med"/>
+                      <a:tailEnd type="none" w="med" len="med"/>
+                    </a:lnB>
+                    <a:solidFill>
+                      <a:srgbClr val="E6E6E6"/>
+                    </a:solidFill>
+                  </a:tcPr>
                 </a:tc>
                 <a:tc>
                   <a:txBody>
                     <a:bodyPr/>
                     <a:lstStyle/>
                     <a:p>
-                      <a:pPr marL="0" marR="0" lvl="0" indent="0" algn="l" rtl="0">
+                      <a:pPr rtl="0" fontAlgn="t">
                         <a:spcBef>
                           <a:spcPts val="0"/>
                         </a:spcBef>
                         <a:spcAft>
                           <a:spcPts val="0"/>
                         </a:spcAft>
-                        <a:buNone/>
                       </a:pPr>
                       <a:r>
-                        <a:rPr lang="en-US" sz="1800"/>
+                        <a:rPr lang="en-US" sz="1800" b="1" i="0" u="none" strike="noStrike">
+                          <a:solidFill>
+                            <a:srgbClr val="000000"/>
+                          </a:solidFill>
+                          <a:effectLst/>
+                          <a:latin typeface="Calibri" panose="020F0502020204030204" pitchFamily="34" charset="0"/>
+                        </a:rPr>
                         <a:t>Resource</a:t>
                       </a:r>
-                      <a:endParaRPr sz="1800"/>
+                      <a:endParaRPr lang="en-US" sz="1400">
+                        <a:effectLst/>
+                      </a:endParaRPr>
                     </a:p>
                   </a:txBody>
-                  <a:tcPr marL="91450" marR="91450" marT="45725" marB="45725"/>
+                  <a:tcPr marL="95164" marR="95164" marT="47582" marB="47582">
+                    <a:lnL w="12697" cap="flat" cmpd="sng" algn="ctr">
+                      <a:solidFill>
+                        <a:srgbClr val="000000"/>
+                      </a:solidFill>
+                      <a:prstDash val="solid"/>
+                      <a:round/>
+                      <a:headEnd type="none" w="med" len="med"/>
+                      <a:tailEnd type="none" w="med" len="med"/>
+                    </a:lnL>
+                    <a:lnR w="12697" cap="flat" cmpd="sng" algn="ctr">
+                      <a:solidFill>
+                        <a:srgbClr val="000000"/>
+                      </a:solidFill>
+                      <a:prstDash val="solid"/>
+                      <a:round/>
+                      <a:headEnd type="none" w="med" len="med"/>
+                      <a:tailEnd type="none" w="med" len="med"/>
+                    </a:lnR>
+                    <a:lnT w="12697" cap="flat" cmpd="sng" algn="ctr">
+                      <a:solidFill>
+                        <a:srgbClr val="000000"/>
+                      </a:solidFill>
+                      <a:prstDash val="solid"/>
+                      <a:round/>
+                      <a:headEnd type="none" w="med" len="med"/>
+                      <a:tailEnd type="none" w="med" len="med"/>
+                    </a:lnT>
+                    <a:lnB w="12697" cap="flat" cmpd="sng" algn="ctr">
+                      <a:solidFill>
+                        <a:srgbClr val="000000"/>
+                      </a:solidFill>
+                      <a:prstDash val="solid"/>
+                      <a:round/>
+                      <a:headEnd type="none" w="med" len="med"/>
+                      <a:tailEnd type="none" w="med" len="med"/>
+                    </a:lnB>
+                    <a:solidFill>
+                      <a:srgbClr val="E6E6E6"/>
+                    </a:solidFill>
+                  </a:tcPr>
                 </a:tc>
                 <a:extLst>
                   <a:ext uri="{0D108BD9-81ED-4DB2-BD59-A6C34878D82A}">
-                    <a16:rowId xmlns:a16="http://schemas.microsoft.com/office/drawing/2014/main" val="10000"/>
+                    <a16:rowId xmlns:a16="http://schemas.microsoft.com/office/drawing/2014/main" val="3060584044"/>
                   </a:ext>
                 </a:extLst>
               </a:tr>
-              <a:tr h="370850">
+              <a:tr h="371139">
                 <a:tc>
                   <a:txBody>
                     <a:bodyPr/>
                     <a:lstStyle/>
                     <a:p>
-                      <a:pPr marL="0" marR="0" lvl="0" indent="0" algn="l" rtl="0">
+                      <a:pPr rtl="0" fontAlgn="t">
                         <a:spcBef>
                           <a:spcPts val="0"/>
                         </a:spcBef>
                         <a:spcAft>
                           <a:spcPts val="0"/>
                         </a:spcAft>
-                        <a:buNone/>
                       </a:pPr>
-                      <a:endParaRPr dirty="0"/>
+                      <a:r>
+                        <a:rPr lang="en-US" sz="1800" b="0" i="0" u="none" strike="noStrike">
+                          <a:solidFill>
+                            <a:srgbClr val="000000"/>
+                          </a:solidFill>
+                          <a:effectLst/>
+                          <a:latin typeface="Calibri" panose="020F0502020204030204" pitchFamily="34" charset="0"/>
+                        </a:rPr>
+                        <a:t>9am-9:30 </a:t>
+                      </a:r>
+                      <a:endParaRPr lang="en-US" sz="1400">
+                        <a:effectLst/>
+                      </a:endParaRPr>
                     </a:p>
                   </a:txBody>
-                  <a:tcPr marL="91450" marR="91450" marT="45725" marB="45725"/>
+                  <a:tcPr marL="95164" marR="95164" marT="47582" marB="47582">
+                    <a:lnL w="12697" cap="flat" cmpd="sng" algn="ctr">
+                      <a:solidFill>
+                        <a:srgbClr val="000000"/>
+                      </a:solidFill>
+                      <a:prstDash val="solid"/>
+                      <a:round/>
+                      <a:headEnd type="none" w="med" len="med"/>
+                      <a:tailEnd type="none" w="med" len="med"/>
+                    </a:lnL>
+                    <a:lnR w="12697" cap="flat" cmpd="sng" algn="ctr">
+                      <a:solidFill>
+                        <a:srgbClr val="000000"/>
+                      </a:solidFill>
+                      <a:prstDash val="solid"/>
+                      <a:round/>
+                      <a:headEnd type="none" w="med" len="med"/>
+                      <a:tailEnd type="none" w="med" len="med"/>
+                    </a:lnR>
+                    <a:lnT w="12697" cap="flat" cmpd="sng" algn="ctr">
+                      <a:solidFill>
+                        <a:srgbClr val="000000"/>
+                      </a:solidFill>
+                      <a:prstDash val="solid"/>
+                      <a:round/>
+                      <a:headEnd type="none" w="med" len="med"/>
+                      <a:tailEnd type="none" w="med" len="med"/>
+                    </a:lnT>
+                    <a:lnB w="12697" cap="flat" cmpd="sng" algn="ctr">
+                      <a:solidFill>
+                        <a:srgbClr val="000000"/>
+                      </a:solidFill>
+                      <a:prstDash val="solid"/>
+                      <a:round/>
+                      <a:headEnd type="none" w="med" len="med"/>
+                      <a:tailEnd type="none" w="med" len="med"/>
+                    </a:lnB>
+                    <a:solidFill>
+                      <a:srgbClr val="CACACA"/>
+                    </a:solidFill>
+                  </a:tcPr>
                 </a:tc>
                 <a:tc>
                   <a:txBody>
                     <a:bodyPr/>
                     <a:lstStyle/>
                     <a:p>
-                      <a:pPr marL="0" marR="0" lvl="0" indent="0" algn="l" rtl="0">
+                      <a:pPr rtl="0" fontAlgn="t">
                         <a:spcBef>
                           <a:spcPts val="0"/>
                         </a:spcBef>
                         <a:spcAft>
                           <a:spcPts val="0"/>
                         </a:spcAft>
-                        <a:buNone/>
                       </a:pPr>
-                      <a:endParaRPr/>
+                      <a:r>
+                        <a:rPr lang="en-US" sz="1800" b="0" i="0" u="none" strike="noStrike">
+                          <a:solidFill>
+                            <a:srgbClr val="000000"/>
+                          </a:solidFill>
+                          <a:effectLst/>
+                          <a:latin typeface="Calibri" panose="020F0502020204030204" pitchFamily="34" charset="0"/>
+                        </a:rPr>
+                        <a:t>Q &amp;A</a:t>
+                      </a:r>
+                      <a:endParaRPr lang="en-US" sz="1400">
+                        <a:effectLst/>
+                      </a:endParaRPr>
                     </a:p>
                   </a:txBody>
-                  <a:tcPr marL="91450" marR="91450" marT="45725" marB="45725"/>
+                  <a:tcPr marL="95164" marR="95164" marT="47582" marB="47582">
+                    <a:lnL w="12697" cap="flat" cmpd="sng" algn="ctr">
+                      <a:solidFill>
+                        <a:srgbClr val="000000"/>
+                      </a:solidFill>
+                      <a:prstDash val="solid"/>
+                      <a:round/>
+                      <a:headEnd type="none" w="med" len="med"/>
+                      <a:tailEnd type="none" w="med" len="med"/>
+                    </a:lnL>
+                    <a:lnR w="12697" cap="flat" cmpd="sng" algn="ctr">
+                      <a:solidFill>
+                        <a:srgbClr val="000000"/>
+                      </a:solidFill>
+                      <a:prstDash val="solid"/>
+                      <a:round/>
+                      <a:headEnd type="none" w="med" len="med"/>
+                      <a:tailEnd type="none" w="med" len="med"/>
+                    </a:lnR>
+                    <a:lnT w="12697" cap="flat" cmpd="sng" algn="ctr">
+                      <a:solidFill>
+                        <a:srgbClr val="000000"/>
+                      </a:solidFill>
+                      <a:prstDash val="solid"/>
+                      <a:round/>
+                      <a:headEnd type="none" w="med" len="med"/>
+                      <a:tailEnd type="none" w="med" len="med"/>
+                    </a:lnT>
+                    <a:lnB w="12697" cap="flat" cmpd="sng" algn="ctr">
+                      <a:solidFill>
+                        <a:srgbClr val="000000"/>
+                      </a:solidFill>
+                      <a:prstDash val="solid"/>
+                      <a:round/>
+                      <a:headEnd type="none" w="med" len="med"/>
+                      <a:tailEnd type="none" w="med" len="med"/>
+                    </a:lnB>
+                    <a:solidFill>
+                      <a:srgbClr val="CACACA"/>
+                    </a:solidFill>
+                  </a:tcPr>
                 </a:tc>
                 <a:tc>
                   <a:txBody>
                     <a:bodyPr/>
                     <a:lstStyle/>
                     <a:p>
-                      <a:pPr marL="0" marR="0" lvl="0" indent="0" algn="l" rtl="0">
+                      <a:pPr rtl="0" fontAlgn="t">
                         <a:spcBef>
                           <a:spcPts val="0"/>
                         </a:spcBef>
                         <a:spcAft>
                           <a:spcPts val="0"/>
                         </a:spcAft>
-                        <a:buNone/>
                       </a:pPr>
-                      <a:endParaRPr/>
+                      <a:r>
+                        <a:rPr lang="en-US" sz="1800" b="0" i="0" u="none" strike="noStrike">
+                          <a:solidFill>
+                            <a:srgbClr val="000000"/>
+                          </a:solidFill>
+                          <a:effectLst/>
+                          <a:latin typeface="Calibri" panose="020F0502020204030204" pitchFamily="34" charset="0"/>
+                        </a:rPr>
+                        <a:t>Day 1 material </a:t>
+                      </a:r>
+                      <a:endParaRPr lang="en-US" sz="1400">
+                        <a:effectLst/>
+                      </a:endParaRPr>
                     </a:p>
                   </a:txBody>
-                  <a:tcPr marL="91450" marR="91450" marT="45725" marB="45725"/>
+                  <a:tcPr marL="95164" marR="95164" marT="47582" marB="47582">
+                    <a:lnL w="12697" cap="flat" cmpd="sng" algn="ctr">
+                      <a:solidFill>
+                        <a:srgbClr val="000000"/>
+                      </a:solidFill>
+                      <a:prstDash val="solid"/>
+                      <a:round/>
+                      <a:headEnd type="none" w="med" len="med"/>
+                      <a:tailEnd type="none" w="med" len="med"/>
+                    </a:lnL>
+                    <a:lnR w="12697" cap="flat" cmpd="sng" algn="ctr">
+                      <a:solidFill>
+                        <a:srgbClr val="000000"/>
+                      </a:solidFill>
+                      <a:prstDash val="solid"/>
+                      <a:round/>
+                      <a:headEnd type="none" w="med" len="med"/>
+                      <a:tailEnd type="none" w="med" len="med"/>
+                    </a:lnR>
+                    <a:lnT w="12697" cap="flat" cmpd="sng" algn="ctr">
+                      <a:solidFill>
+                        <a:srgbClr val="000000"/>
+                      </a:solidFill>
+                      <a:prstDash val="solid"/>
+                      <a:round/>
+                      <a:headEnd type="none" w="med" len="med"/>
+                      <a:tailEnd type="none" w="med" len="med"/>
+                    </a:lnT>
+                    <a:lnB w="12697" cap="flat" cmpd="sng" algn="ctr">
+                      <a:solidFill>
+                        <a:srgbClr val="000000"/>
+                      </a:solidFill>
+                      <a:prstDash val="solid"/>
+                      <a:round/>
+                      <a:headEnd type="none" w="med" len="med"/>
+                      <a:tailEnd type="none" w="med" len="med"/>
+                    </a:lnB>
+                    <a:solidFill>
+                      <a:srgbClr val="CACACA"/>
+                    </a:solidFill>
+                  </a:tcPr>
                 </a:tc>
                 <a:tc>
                   <a:txBody>
                     <a:bodyPr/>
                     <a:lstStyle/>
                     <a:p>
-                      <a:pPr marL="0" marR="0" lvl="0" indent="0" algn="l" rtl="0">
+                      <a:pPr rtl="0" fontAlgn="t">
                         <a:spcBef>
                           <a:spcPts val="0"/>
                         </a:spcBef>
                         <a:spcAft>
                           <a:spcPts val="0"/>
                         </a:spcAft>
-                        <a:buNone/>
                       </a:pPr>
-                      <a:endParaRPr/>
+                      <a:r>
+                        <a:rPr lang="en-US" sz="1800" b="0" i="0" u="none" strike="noStrike">
+                          <a:solidFill>
+                            <a:srgbClr val="000000"/>
+                          </a:solidFill>
+                          <a:effectLst/>
+                          <a:latin typeface="Calibri" panose="020F0502020204030204" pitchFamily="34" charset="0"/>
+                        </a:rPr>
+                        <a:t>Gaby and Roshni</a:t>
+                      </a:r>
+                      <a:endParaRPr lang="en-US" sz="1400">
+                        <a:effectLst/>
+                      </a:endParaRPr>
                     </a:p>
                   </a:txBody>
-                  <a:tcPr marL="91450" marR="91450" marT="45725" marB="45725"/>
+                  <a:tcPr marL="95164" marR="95164" marT="47582" marB="47582">
+                    <a:lnL w="12697" cap="flat" cmpd="sng" algn="ctr">
+                      <a:solidFill>
+                        <a:srgbClr val="000000"/>
+                      </a:solidFill>
+                      <a:prstDash val="solid"/>
+                      <a:round/>
+                      <a:headEnd type="none" w="med" len="med"/>
+                      <a:tailEnd type="none" w="med" len="med"/>
+                    </a:lnL>
+                    <a:lnR w="12697" cap="flat" cmpd="sng" algn="ctr">
+                      <a:solidFill>
+                        <a:srgbClr val="000000"/>
+                      </a:solidFill>
+                      <a:prstDash val="solid"/>
+                      <a:round/>
+                      <a:headEnd type="none" w="med" len="med"/>
+                      <a:tailEnd type="none" w="med" len="med"/>
+                    </a:lnR>
+                    <a:lnT w="12697" cap="flat" cmpd="sng" algn="ctr">
+                      <a:solidFill>
+                        <a:srgbClr val="000000"/>
+                      </a:solidFill>
+                      <a:prstDash val="solid"/>
+                      <a:round/>
+                      <a:headEnd type="none" w="med" len="med"/>
+                      <a:tailEnd type="none" w="med" len="med"/>
+                    </a:lnT>
+                    <a:lnB w="12697" cap="flat" cmpd="sng" algn="ctr">
+                      <a:solidFill>
+                        <a:srgbClr val="000000"/>
+                      </a:solidFill>
+                      <a:prstDash val="solid"/>
+                      <a:round/>
+                      <a:headEnd type="none" w="med" len="med"/>
+                      <a:tailEnd type="none" w="med" len="med"/>
+                    </a:lnB>
+                    <a:solidFill>
+                      <a:srgbClr val="CACACA"/>
+                    </a:solidFill>
+                  </a:tcPr>
                 </a:tc>
                 <a:tc>
                   <a:txBody>
                     <a:bodyPr/>
                     <a:lstStyle/>
                     <a:p>
-                      <a:pPr marL="0" marR="0" lvl="0" indent="0" algn="l" rtl="0">
+                      <a:pPr fontAlgn="t"/>
+                      <a:r>
+                        <a:rPr lang="en-US" sz="1400">
+                          <a:effectLst/>
+                        </a:rPr>
+                        <a:t> </a:t>
+                      </a:r>
+                    </a:p>
+                  </a:txBody>
+                  <a:tcPr marL="95164" marR="95164" marT="47582" marB="47582">
+                    <a:lnL w="12697" cap="flat" cmpd="sng" algn="ctr">
+                      <a:solidFill>
+                        <a:srgbClr val="000000"/>
+                      </a:solidFill>
+                      <a:prstDash val="solid"/>
+                      <a:round/>
+                      <a:headEnd type="none" w="med" len="med"/>
+                      <a:tailEnd type="none" w="med" len="med"/>
+                    </a:lnL>
+                    <a:lnR w="12697" cap="flat" cmpd="sng" algn="ctr">
+                      <a:solidFill>
+                        <a:srgbClr val="000000"/>
+                      </a:solidFill>
+                      <a:prstDash val="solid"/>
+                      <a:round/>
+                      <a:headEnd type="none" w="med" len="med"/>
+                      <a:tailEnd type="none" w="med" len="med"/>
+                    </a:lnR>
+                    <a:lnT w="12697" cap="flat" cmpd="sng" algn="ctr">
+                      <a:solidFill>
+                        <a:srgbClr val="000000"/>
+                      </a:solidFill>
+                      <a:prstDash val="solid"/>
+                      <a:round/>
+                      <a:headEnd type="none" w="med" len="med"/>
+                      <a:tailEnd type="none" w="med" len="med"/>
+                    </a:lnT>
+                    <a:lnB w="12697" cap="flat" cmpd="sng" algn="ctr">
+                      <a:solidFill>
+                        <a:srgbClr val="000000"/>
+                      </a:solidFill>
+                      <a:prstDash val="solid"/>
+                      <a:round/>
+                      <a:headEnd type="none" w="med" len="med"/>
+                      <a:tailEnd type="none" w="med" len="med"/>
+                    </a:lnB>
+                    <a:solidFill>
+                      <a:srgbClr val="CACACA"/>
+                    </a:solidFill>
+                  </a:tcPr>
+                </a:tc>
+                <a:extLst>
+                  <a:ext uri="{0D108BD9-81ED-4DB2-BD59-A6C34878D82A}">
+                    <a16:rowId xmlns:a16="http://schemas.microsoft.com/office/drawing/2014/main" val="4114604617"/>
+                  </a:ext>
+                </a:extLst>
+              </a:tr>
+              <a:tr h="643307">
+                <a:tc>
+                  <a:txBody>
+                    <a:bodyPr/>
+                    <a:lstStyle/>
+                    <a:p>
+                      <a:pPr rtl="0" fontAlgn="t">
                         <a:spcBef>
                           <a:spcPts val="0"/>
                         </a:spcBef>
                         <a:spcAft>
                           <a:spcPts val="0"/>
                         </a:spcAft>
-                        <a:buNone/>
                       </a:pPr>
-                      <a:endParaRPr sz="1800" dirty="0"/>
+                      <a:r>
+                        <a:rPr lang="en-US" sz="1800" b="0" i="0" u="none" strike="noStrike">
+                          <a:solidFill>
+                            <a:srgbClr val="000000"/>
+                          </a:solidFill>
+                          <a:effectLst/>
+                          <a:latin typeface="Calibri" panose="020F0502020204030204" pitchFamily="34" charset="0"/>
+                        </a:rPr>
+                        <a:t>9:30am –10:30am</a:t>
+                      </a:r>
+                      <a:endParaRPr lang="en-US" sz="1400">
+                        <a:effectLst/>
+                      </a:endParaRPr>
                     </a:p>
                   </a:txBody>
-                  <a:tcPr marL="91450" marR="91450" marT="45725" marB="45725"/>
+                  <a:tcPr marL="95164" marR="95164" marT="47582" marB="47582">
+                    <a:lnL w="12697" cap="flat" cmpd="sng" algn="ctr">
+                      <a:solidFill>
+                        <a:srgbClr val="000000"/>
+                      </a:solidFill>
+                      <a:prstDash val="solid"/>
+                      <a:round/>
+                      <a:headEnd type="none" w="med" len="med"/>
+                      <a:tailEnd type="none" w="med" len="med"/>
+                    </a:lnL>
+                    <a:lnR w="12697" cap="flat" cmpd="sng" algn="ctr">
+                      <a:solidFill>
+                        <a:srgbClr val="000000"/>
+                      </a:solidFill>
+                      <a:prstDash val="solid"/>
+                      <a:round/>
+                      <a:headEnd type="none" w="med" len="med"/>
+                      <a:tailEnd type="none" w="med" len="med"/>
+                    </a:lnR>
+                    <a:lnT w="12697" cap="flat" cmpd="sng" algn="ctr">
+                      <a:solidFill>
+                        <a:srgbClr val="000000"/>
+                      </a:solidFill>
+                      <a:prstDash val="solid"/>
+                      <a:round/>
+                      <a:headEnd type="none" w="med" len="med"/>
+                      <a:tailEnd type="none" w="med" len="med"/>
+                    </a:lnT>
+                    <a:lnB w="12697" cap="flat" cmpd="sng" algn="ctr">
+                      <a:solidFill>
+                        <a:srgbClr val="000000"/>
+                      </a:solidFill>
+                      <a:prstDash val="solid"/>
+                      <a:round/>
+                      <a:headEnd type="none" w="med" len="med"/>
+                      <a:tailEnd type="none" w="med" len="med"/>
+                    </a:lnB>
+                    <a:solidFill>
+                      <a:srgbClr val="E6E6E6"/>
+                    </a:solidFill>
+                  </a:tcPr>
                 </a:tc>
-                <a:extLst>
-                  <a:ext uri="{0D108BD9-81ED-4DB2-BD59-A6C34878D82A}">
-                    <a16:rowId xmlns:a16="http://schemas.microsoft.com/office/drawing/2014/main" val="983131707"/>
-                  </a:ext>
-                </a:extLst>
-              </a:tr>
-              <a:tr h="370850">
                 <a:tc>
                   <a:txBody>
                     <a:bodyPr/>
                     <a:lstStyle/>
                     <a:p>
-                      <a:pPr marL="0" marR="0" lvl="0" indent="0" algn="l" rtl="0">
+                      <a:pPr rtl="0" fontAlgn="t">
                         <a:spcBef>
                           <a:spcPts val="0"/>
                         </a:spcBef>
                         <a:spcAft>
                           <a:spcPts val="0"/>
                         </a:spcAft>
-                        <a:buNone/>
                       </a:pPr>
                       <a:r>
-                        <a:rPr lang="en-US" sz="1800" dirty="0"/>
-                        <a:t>9am –10am</a:t>
+                        <a:rPr lang="en-US" sz="1800" b="0" i="0" u="none" strike="noStrike">
+                          <a:solidFill>
+                            <a:srgbClr val="000000"/>
+                          </a:solidFill>
+                          <a:effectLst/>
+                          <a:latin typeface="Calibri" panose="020F0502020204030204" pitchFamily="34" charset="0"/>
+                        </a:rPr>
+                        <a:t>In-person via zoom</a:t>
                       </a:r>
-                      <a:endParaRPr dirty="0"/>
+                      <a:endParaRPr lang="en-US" sz="1400">
+                        <a:effectLst/>
+                      </a:endParaRPr>
                     </a:p>
                   </a:txBody>
-                  <a:tcPr marL="91450" marR="91450" marT="45725" marB="45725"/>
+                  <a:tcPr marL="95164" marR="95164" marT="47582" marB="47582">
+                    <a:lnL w="12697" cap="flat" cmpd="sng" algn="ctr">
+                      <a:solidFill>
+                        <a:srgbClr val="000000"/>
+                      </a:solidFill>
+                      <a:prstDash val="solid"/>
+                      <a:round/>
+                      <a:headEnd type="none" w="med" len="med"/>
+                      <a:tailEnd type="none" w="med" len="med"/>
+                    </a:lnL>
+                    <a:lnR w="12697" cap="flat" cmpd="sng" algn="ctr">
+                      <a:solidFill>
+                        <a:srgbClr val="000000"/>
+                      </a:solidFill>
+                      <a:prstDash val="solid"/>
+                      <a:round/>
+                      <a:headEnd type="none" w="med" len="med"/>
+                      <a:tailEnd type="none" w="med" len="med"/>
+                    </a:lnR>
+                    <a:lnT w="12697" cap="flat" cmpd="sng" algn="ctr">
+                      <a:solidFill>
+                        <a:srgbClr val="000000"/>
+                      </a:solidFill>
+                      <a:prstDash val="solid"/>
+                      <a:round/>
+                      <a:headEnd type="none" w="med" len="med"/>
+                      <a:tailEnd type="none" w="med" len="med"/>
+                    </a:lnT>
+                    <a:lnB w="12697" cap="flat" cmpd="sng" algn="ctr">
+                      <a:solidFill>
+                        <a:srgbClr val="000000"/>
+                      </a:solidFill>
+                      <a:prstDash val="solid"/>
+                      <a:round/>
+                      <a:headEnd type="none" w="med" len="med"/>
+                      <a:tailEnd type="none" w="med" len="med"/>
+                    </a:lnB>
+                    <a:solidFill>
+                      <a:srgbClr val="E6E6E6"/>
+                    </a:solidFill>
+                  </a:tcPr>
                 </a:tc>
                 <a:tc>
                   <a:txBody>
                     <a:bodyPr/>
                     <a:lstStyle/>
                     <a:p>
-                      <a:pPr marL="0" marR="0" lvl="0" indent="0" algn="l" rtl="0">
+                      <a:pPr rtl="0" fontAlgn="t">
                         <a:spcBef>
                           <a:spcPts val="0"/>
                         </a:spcBef>
                         <a:spcAft>
                           <a:spcPts val="0"/>
                         </a:spcAft>
-                        <a:buNone/>
                       </a:pPr>
                       <a:r>
-                        <a:rPr lang="en-US" sz="1800"/>
-                        <a:t>In-person via zoom</a:t>
+                        <a:rPr lang="en-US" sz="1800" b="0" i="0" u="none" strike="noStrike">
+                          <a:solidFill>
+                            <a:srgbClr val="000000"/>
+                          </a:solidFill>
+                          <a:effectLst/>
+                          <a:latin typeface="Calibri" panose="020F0502020204030204" pitchFamily="34" charset="0"/>
+                        </a:rPr>
+                        <a:t>Data Visualization/Stats</a:t>
                       </a:r>
-                      <a:endParaRPr/>
+                      <a:endParaRPr lang="en-US" sz="1400">
+                        <a:effectLst/>
+                      </a:endParaRPr>
                     </a:p>
                   </a:txBody>
-                  <a:tcPr marL="91450" marR="91450" marT="45725" marB="45725"/>
+                  <a:tcPr marL="95164" marR="95164" marT="47582" marB="47582">
+                    <a:lnL w="12697" cap="flat" cmpd="sng" algn="ctr">
+                      <a:solidFill>
+                        <a:srgbClr val="000000"/>
+                      </a:solidFill>
+                      <a:prstDash val="solid"/>
+                      <a:round/>
+                      <a:headEnd type="none" w="med" len="med"/>
+                      <a:tailEnd type="none" w="med" len="med"/>
+                    </a:lnL>
+                    <a:lnR w="12697" cap="flat" cmpd="sng" algn="ctr">
+                      <a:solidFill>
+                        <a:srgbClr val="000000"/>
+                      </a:solidFill>
+                      <a:prstDash val="solid"/>
+                      <a:round/>
+                      <a:headEnd type="none" w="med" len="med"/>
+                      <a:tailEnd type="none" w="med" len="med"/>
+                    </a:lnR>
+                    <a:lnT w="12697" cap="flat" cmpd="sng" algn="ctr">
+                      <a:solidFill>
+                        <a:srgbClr val="000000"/>
+                      </a:solidFill>
+                      <a:prstDash val="solid"/>
+                      <a:round/>
+                      <a:headEnd type="none" w="med" len="med"/>
+                      <a:tailEnd type="none" w="med" len="med"/>
+                    </a:lnT>
+                    <a:lnB w="12697" cap="flat" cmpd="sng" algn="ctr">
+                      <a:solidFill>
+                        <a:srgbClr val="000000"/>
+                      </a:solidFill>
+                      <a:prstDash val="solid"/>
+                      <a:round/>
+                      <a:headEnd type="none" w="med" len="med"/>
+                      <a:tailEnd type="none" w="med" len="med"/>
+                    </a:lnB>
+                    <a:solidFill>
+                      <a:srgbClr val="E6E6E6"/>
+                    </a:solidFill>
+                  </a:tcPr>
                 </a:tc>
                 <a:tc>
                   <a:txBody>
                     <a:bodyPr/>
                     <a:lstStyle/>
                     <a:p>
-                      <a:pPr marL="0" marR="0" lvl="0" indent="0" algn="l" rtl="0">
+                      <a:pPr rtl="0" fontAlgn="t">
                         <a:spcBef>
                           <a:spcPts val="0"/>
                         </a:spcBef>
                         <a:spcAft>
                           <a:spcPts val="0"/>
                         </a:spcAft>
-                        <a:buNone/>
                       </a:pPr>
                       <a:r>
-                        <a:rPr lang="en-US" sz="1800"/>
-                        <a:t>Data Visualization</a:t>
+                        <a:rPr lang="en-US" sz="1800" b="0" i="0" u="none" strike="noStrike">
+                          <a:solidFill>
+                            <a:srgbClr val="000000"/>
+                          </a:solidFill>
+                          <a:effectLst/>
+                          <a:latin typeface="Calibri" panose="020F0502020204030204" pitchFamily="34" charset="0"/>
+                        </a:rPr>
+                        <a:t>Roshni</a:t>
                       </a:r>
-                      <a:endParaRPr/>
+                      <a:endParaRPr lang="en-US" sz="1400">
+                        <a:effectLst/>
+                      </a:endParaRPr>
                     </a:p>
                   </a:txBody>
-                  <a:tcPr marL="91450" marR="91450" marT="45725" marB="45725"/>
+                  <a:tcPr marL="95164" marR="95164" marT="47582" marB="47582">
+                    <a:lnL w="12697" cap="flat" cmpd="sng" algn="ctr">
+                      <a:solidFill>
+                        <a:srgbClr val="000000"/>
+                      </a:solidFill>
+                      <a:prstDash val="solid"/>
+                      <a:round/>
+                      <a:headEnd type="none" w="med" len="med"/>
+                      <a:tailEnd type="none" w="med" len="med"/>
+                    </a:lnL>
+                    <a:lnR w="12697" cap="flat" cmpd="sng" algn="ctr">
+                      <a:solidFill>
+                        <a:srgbClr val="000000"/>
+                      </a:solidFill>
+                      <a:prstDash val="solid"/>
+                      <a:round/>
+                      <a:headEnd type="none" w="med" len="med"/>
+                      <a:tailEnd type="none" w="med" len="med"/>
+                    </a:lnR>
+                    <a:lnT w="12697" cap="flat" cmpd="sng" algn="ctr">
+                      <a:solidFill>
+                        <a:srgbClr val="000000"/>
+                      </a:solidFill>
+                      <a:prstDash val="solid"/>
+                      <a:round/>
+                      <a:headEnd type="none" w="med" len="med"/>
+                      <a:tailEnd type="none" w="med" len="med"/>
+                    </a:lnT>
+                    <a:lnB w="12697" cap="flat" cmpd="sng" algn="ctr">
+                      <a:solidFill>
+                        <a:srgbClr val="000000"/>
+                      </a:solidFill>
+                      <a:prstDash val="solid"/>
+                      <a:round/>
+                      <a:headEnd type="none" w="med" len="med"/>
+                      <a:tailEnd type="none" w="med" len="med"/>
+                    </a:lnB>
+                    <a:solidFill>
+                      <a:srgbClr val="E6E6E6"/>
+                    </a:solidFill>
+                  </a:tcPr>
                 </a:tc>
                 <a:tc>
                   <a:txBody>
                     <a:bodyPr/>
                     <a:lstStyle/>
                     <a:p>
-                      <a:pPr marL="0" marR="0" lvl="0" indent="0" algn="l" rtl="0">
+                      <a:pPr rtl="0" fontAlgn="t">
                         <a:spcBef>
                           <a:spcPts val="0"/>
                         </a:spcBef>
                         <a:spcAft>
                           <a:spcPts val="0"/>
                         </a:spcAft>
-                        <a:buNone/>
                       </a:pPr>
                       <a:r>
-                        <a:rPr lang="en-US" sz="1800"/>
-                        <a:t>Roshni</a:t>
+                        <a:rPr lang="en-US" sz="1800" b="0" i="0" u="none" strike="noStrike" dirty="0">
+                          <a:solidFill>
+                            <a:srgbClr val="000000"/>
+                          </a:solidFill>
+                          <a:effectLst/>
+                          <a:latin typeface="Calibri" panose="020F0502020204030204" pitchFamily="34" charset="0"/>
+                        </a:rPr>
+                        <a:t>Day 2 introduction </a:t>
                       </a:r>
-                      <a:endParaRPr/>
+                      <a:endParaRPr lang="en-US" sz="1400" dirty="0">
+                        <a:effectLst/>
+                      </a:endParaRPr>
                     </a:p>
                   </a:txBody>
-                  <a:tcPr marL="91450" marR="91450" marT="45725" marB="45725"/>
+                  <a:tcPr marL="95164" marR="95164" marT="47582" marB="47582">
+                    <a:lnL w="12697" cap="flat" cmpd="sng" algn="ctr">
+                      <a:solidFill>
+                        <a:srgbClr val="000000"/>
+                      </a:solidFill>
+                      <a:prstDash val="solid"/>
+                      <a:round/>
+                      <a:headEnd type="none" w="med" len="med"/>
+                      <a:tailEnd type="none" w="med" len="med"/>
+                    </a:lnL>
+                    <a:lnR w="12697" cap="flat" cmpd="sng" algn="ctr">
+                      <a:solidFill>
+                        <a:srgbClr val="000000"/>
+                      </a:solidFill>
+                      <a:prstDash val="solid"/>
+                      <a:round/>
+                      <a:headEnd type="none" w="med" len="med"/>
+                      <a:tailEnd type="none" w="med" len="med"/>
+                    </a:lnR>
+                    <a:lnT w="12697" cap="flat" cmpd="sng" algn="ctr">
+                      <a:solidFill>
+                        <a:srgbClr val="000000"/>
+                      </a:solidFill>
+                      <a:prstDash val="solid"/>
+                      <a:round/>
+                      <a:headEnd type="none" w="med" len="med"/>
+                      <a:tailEnd type="none" w="med" len="med"/>
+                    </a:lnT>
+                    <a:lnB w="12697" cap="flat" cmpd="sng" algn="ctr">
+                      <a:solidFill>
+                        <a:srgbClr val="000000"/>
+                      </a:solidFill>
+                      <a:prstDash val="solid"/>
+                      <a:round/>
+                      <a:headEnd type="none" w="med" len="med"/>
+                      <a:tailEnd type="none" w="med" len="med"/>
+                    </a:lnB>
+                    <a:solidFill>
+                      <a:srgbClr val="E6E6E6"/>
+                    </a:solidFill>
+                  </a:tcPr>
+                </a:tc>
+                <a:extLst>
+                  <a:ext uri="{0D108BD9-81ED-4DB2-BD59-A6C34878D82A}">
+                    <a16:rowId xmlns:a16="http://schemas.microsoft.com/office/drawing/2014/main" val="3696357933"/>
+                  </a:ext>
+                </a:extLst>
+              </a:tr>
+              <a:tr h="795569">
+                <a:tc>
+                  <a:txBody>
+                    <a:bodyPr/>
+                    <a:lstStyle/>
+                    <a:p>
+                      <a:pPr rtl="0" fontAlgn="t">
+                        <a:spcBef>
+                          <a:spcPts val="0"/>
+                        </a:spcBef>
+                        <a:spcAft>
+                          <a:spcPts val="0"/>
+                        </a:spcAft>
+                      </a:pPr>
+                      <a:r>
+                        <a:rPr lang="en-US" sz="1800" b="0" i="0" u="none" strike="noStrike">
+                          <a:solidFill>
+                            <a:srgbClr val="000000"/>
+                          </a:solidFill>
+                          <a:effectLst/>
+                          <a:latin typeface="Calibri" panose="020F0502020204030204" pitchFamily="34" charset="0"/>
+                        </a:rPr>
+                        <a:t>10:30am-12:30pm</a:t>
+                      </a:r>
+                      <a:endParaRPr lang="en-US" sz="1400">
+                        <a:effectLst/>
+                      </a:endParaRPr>
+                    </a:p>
+                  </a:txBody>
+                  <a:tcPr marL="95164" marR="95164" marT="47582" marB="47582">
+                    <a:lnL w="12697" cap="flat" cmpd="sng" algn="ctr">
+                      <a:solidFill>
+                        <a:srgbClr val="000000"/>
+                      </a:solidFill>
+                      <a:prstDash val="solid"/>
+                      <a:round/>
+                      <a:headEnd type="none" w="med" len="med"/>
+                      <a:tailEnd type="none" w="med" len="med"/>
+                    </a:lnL>
+                    <a:lnR w="12697" cap="flat" cmpd="sng" algn="ctr">
+                      <a:solidFill>
+                        <a:srgbClr val="000000"/>
+                      </a:solidFill>
+                      <a:prstDash val="solid"/>
+                      <a:round/>
+                      <a:headEnd type="none" w="med" len="med"/>
+                      <a:tailEnd type="none" w="med" len="med"/>
+                    </a:lnR>
+                    <a:lnT w="12697" cap="flat" cmpd="sng" algn="ctr">
+                      <a:solidFill>
+                        <a:srgbClr val="000000"/>
+                      </a:solidFill>
+                      <a:prstDash val="solid"/>
+                      <a:round/>
+                      <a:headEnd type="none" w="med" len="med"/>
+                      <a:tailEnd type="none" w="med" len="med"/>
+                    </a:lnT>
+                    <a:lnB w="12697" cap="flat" cmpd="sng" algn="ctr">
+                      <a:solidFill>
+                        <a:srgbClr val="000000"/>
+                      </a:solidFill>
+                      <a:prstDash val="solid"/>
+                      <a:round/>
+                      <a:headEnd type="none" w="med" len="med"/>
+                      <a:tailEnd type="none" w="med" len="med"/>
+                    </a:lnB>
+                    <a:solidFill>
+                      <a:srgbClr val="CACACA"/>
+                    </a:solidFill>
+                  </a:tcPr>
                 </a:tc>
                 <a:tc>
                   <a:txBody>
                     <a:bodyPr/>
                     <a:lstStyle/>
                     <a:p>
-                      <a:pPr marL="0" marR="0" lvl="0" indent="0" algn="l" rtl="0">
+                      <a:pPr rtl="0" fontAlgn="t">
                         <a:spcBef>
                           <a:spcPts val="0"/>
                         </a:spcBef>
                         <a:spcAft>
                           <a:spcPts val="0"/>
                         </a:spcAft>
-                        <a:buNone/>
                       </a:pPr>
                       <a:r>
-                        <a:rPr lang="en-US" sz="1800"/>
-                        <a:t>03_python_vis</a:t>
+                        <a:rPr lang="en-US" sz="1800" b="0" i="0" u="none" strike="noStrike">
+                          <a:solidFill>
+                            <a:srgbClr val="000000"/>
+                          </a:solidFill>
+                          <a:effectLst/>
+                          <a:latin typeface="Calibri" panose="020F0502020204030204" pitchFamily="34" charset="0"/>
+                        </a:rPr>
+                        <a:t>Asynchronous material</a:t>
                       </a:r>
-                      <a:endParaRPr sz="1800"/>
+                      <a:endParaRPr lang="en-US" sz="1400">
+                        <a:effectLst/>
+                      </a:endParaRPr>
                     </a:p>
                   </a:txBody>
-                  <a:tcPr marL="91450" marR="91450" marT="45725" marB="45725"/>
+                  <a:tcPr marL="95164" marR="95164" marT="47582" marB="47582">
+                    <a:lnL w="12697" cap="flat" cmpd="sng" algn="ctr">
+                      <a:solidFill>
+                        <a:srgbClr val="000000"/>
+                      </a:solidFill>
+                      <a:prstDash val="solid"/>
+                      <a:round/>
+                      <a:headEnd type="none" w="med" len="med"/>
+                      <a:tailEnd type="none" w="med" len="med"/>
+                    </a:lnL>
+                    <a:lnR w="12697" cap="flat" cmpd="sng" algn="ctr">
+                      <a:solidFill>
+                        <a:srgbClr val="000000"/>
+                      </a:solidFill>
+                      <a:prstDash val="solid"/>
+                      <a:round/>
+                      <a:headEnd type="none" w="med" len="med"/>
+                      <a:tailEnd type="none" w="med" len="med"/>
+                    </a:lnR>
+                    <a:lnT w="12697" cap="flat" cmpd="sng" algn="ctr">
+                      <a:solidFill>
+                        <a:srgbClr val="000000"/>
+                      </a:solidFill>
+                      <a:prstDash val="solid"/>
+                      <a:round/>
+                      <a:headEnd type="none" w="med" len="med"/>
+                      <a:tailEnd type="none" w="med" len="med"/>
+                    </a:lnT>
+                    <a:lnB w="12697" cap="flat" cmpd="sng" algn="ctr">
+                      <a:solidFill>
+                        <a:srgbClr val="000000"/>
+                      </a:solidFill>
+                      <a:prstDash val="solid"/>
+                      <a:round/>
+                      <a:headEnd type="none" w="med" len="med"/>
+                      <a:tailEnd type="none" w="med" len="med"/>
+                    </a:lnB>
+                    <a:solidFill>
+                      <a:srgbClr val="CACACA"/>
+                    </a:solidFill>
+                  </a:tcPr>
                 </a:tc>
-                <a:extLst>
-                  <a:ext uri="{0D108BD9-81ED-4DB2-BD59-A6C34878D82A}">
-                    <a16:rowId xmlns:a16="http://schemas.microsoft.com/office/drawing/2014/main" val="10001"/>
-                  </a:ext>
-                </a:extLst>
-              </a:tr>
-              <a:tr h="370850">
                 <a:tc>
                   <a:txBody>
                     <a:bodyPr/>
                     <a:lstStyle/>
                     <a:p>
-                      <a:pPr marL="0" marR="0" lvl="0" indent="0" algn="l" rtl="0">
+                      <a:pPr rtl="0" fontAlgn="t">
                         <a:spcBef>
                           <a:spcPts val="0"/>
                         </a:spcBef>
                         <a:spcAft>
                           <a:spcPts val="0"/>
                         </a:spcAft>
-                        <a:buNone/>
                       </a:pPr>
                       <a:r>
-                        <a:rPr lang="en-US" sz="1800"/>
-                        <a:t>10am-noon</a:t>
+                        <a:rPr lang="en-US" sz="1800" b="0" i="0" u="none" strike="noStrike">
+                          <a:solidFill>
+                            <a:srgbClr val="000000"/>
+                          </a:solidFill>
+                          <a:effectLst/>
+                          <a:latin typeface="Calibri" panose="020F0502020204030204" pitchFamily="34" charset="0"/>
+                        </a:rPr>
+                        <a:t>Data Visualization</a:t>
                       </a:r>
-                      <a:endParaRPr/>
+                      <a:endParaRPr lang="en-US" sz="1400">
+                        <a:effectLst/>
+                      </a:endParaRPr>
+                    </a:p>
+                    <a:p>
+                      <a:pPr fontAlgn="t"/>
+                      <a:br>
+                        <a:rPr lang="en-US" sz="1400">
+                          <a:effectLst/>
+                        </a:rPr>
+                      </a:br>
+                      <a:endParaRPr lang="en-US" sz="1400">
+                        <a:effectLst/>
+                      </a:endParaRPr>
                     </a:p>
                   </a:txBody>
-                  <a:tcPr marL="91450" marR="91450" marT="45725" marB="45725"/>
+                  <a:tcPr marL="95164" marR="95164" marT="47582" marB="47582">
+                    <a:lnL w="12697" cap="flat" cmpd="sng" algn="ctr">
+                      <a:solidFill>
+                        <a:srgbClr val="000000"/>
+                      </a:solidFill>
+                      <a:prstDash val="solid"/>
+                      <a:round/>
+                      <a:headEnd type="none" w="med" len="med"/>
+                      <a:tailEnd type="none" w="med" len="med"/>
+                    </a:lnL>
+                    <a:lnR w="12697" cap="flat" cmpd="sng" algn="ctr">
+                      <a:solidFill>
+                        <a:srgbClr val="000000"/>
+                      </a:solidFill>
+                      <a:prstDash val="solid"/>
+                      <a:round/>
+                      <a:headEnd type="none" w="med" len="med"/>
+                      <a:tailEnd type="none" w="med" len="med"/>
+                    </a:lnR>
+                    <a:lnT w="12697" cap="flat" cmpd="sng" algn="ctr">
+                      <a:solidFill>
+                        <a:srgbClr val="000000"/>
+                      </a:solidFill>
+                      <a:prstDash val="solid"/>
+                      <a:round/>
+                      <a:headEnd type="none" w="med" len="med"/>
+                      <a:tailEnd type="none" w="med" len="med"/>
+                    </a:lnT>
+                    <a:lnB w="12697" cap="flat" cmpd="sng" algn="ctr">
+                      <a:solidFill>
+                        <a:srgbClr val="000000"/>
+                      </a:solidFill>
+                      <a:prstDash val="solid"/>
+                      <a:round/>
+                      <a:headEnd type="none" w="med" len="med"/>
+                      <a:tailEnd type="none" w="med" len="med"/>
+                    </a:lnB>
+                    <a:solidFill>
+                      <a:srgbClr val="CACACA"/>
+                    </a:solidFill>
+                  </a:tcPr>
                 </a:tc>
                 <a:tc>
                   <a:txBody>
                     <a:bodyPr/>
                     <a:lstStyle/>
                     <a:p>
-                      <a:pPr marL="0" marR="0" lvl="0" indent="0" algn="l" rtl="0">
+                      <a:pPr rtl="0" fontAlgn="t">
                         <a:spcBef>
                           <a:spcPts val="0"/>
                         </a:spcBef>
                         <a:spcAft>
                           <a:spcPts val="0"/>
                         </a:spcAft>
-                        <a:buNone/>
                       </a:pPr>
                       <a:r>
-                        <a:rPr lang="en-US" sz="1800"/>
-                        <a:t>Asynchronous material</a:t>
+                        <a:rPr lang="en-US" sz="1800" b="0" i="0" u="none" strike="noStrike">
+                          <a:solidFill>
+                            <a:srgbClr val="000000"/>
+                          </a:solidFill>
+                          <a:effectLst/>
+                          <a:latin typeface="Calibri" panose="020F0502020204030204" pitchFamily="34" charset="0"/>
+                        </a:rPr>
+                        <a:t>Roshni and Gaby available via Slack</a:t>
                       </a:r>
-                      <a:endParaRPr/>
+                      <a:endParaRPr lang="en-US" sz="1400">
+                        <a:effectLst/>
+                      </a:endParaRPr>
                     </a:p>
                   </a:txBody>
-                  <a:tcPr marL="91450" marR="91450" marT="45725" marB="45725"/>
+                  <a:tcPr marL="95164" marR="95164" marT="47582" marB="47582">
+                    <a:lnL w="12697" cap="flat" cmpd="sng" algn="ctr">
+                      <a:solidFill>
+                        <a:srgbClr val="000000"/>
+                      </a:solidFill>
+                      <a:prstDash val="solid"/>
+                      <a:round/>
+                      <a:headEnd type="none" w="med" len="med"/>
+                      <a:tailEnd type="none" w="med" len="med"/>
+                    </a:lnL>
+                    <a:lnR w="12697" cap="flat" cmpd="sng" algn="ctr">
+                      <a:solidFill>
+                        <a:srgbClr val="000000"/>
+                      </a:solidFill>
+                      <a:prstDash val="solid"/>
+                      <a:round/>
+                      <a:headEnd type="none" w="med" len="med"/>
+                      <a:tailEnd type="none" w="med" len="med"/>
+                    </a:lnR>
+                    <a:lnT w="12697" cap="flat" cmpd="sng" algn="ctr">
+                      <a:solidFill>
+                        <a:srgbClr val="000000"/>
+                      </a:solidFill>
+                      <a:prstDash val="solid"/>
+                      <a:round/>
+                      <a:headEnd type="none" w="med" len="med"/>
+                      <a:tailEnd type="none" w="med" len="med"/>
+                    </a:lnT>
+                    <a:lnB w="12697" cap="flat" cmpd="sng" algn="ctr">
+                      <a:solidFill>
+                        <a:srgbClr val="000000"/>
+                      </a:solidFill>
+                      <a:prstDash val="solid"/>
+                      <a:round/>
+                      <a:headEnd type="none" w="med" len="med"/>
+                      <a:tailEnd type="none" w="med" len="med"/>
+                    </a:lnB>
+                    <a:solidFill>
+                      <a:srgbClr val="CACACA"/>
+                    </a:solidFill>
+                  </a:tcPr>
                 </a:tc>
                 <a:tc>
                   <a:txBody>
                     <a:bodyPr/>
                     <a:lstStyle/>
                     <a:p>
-                      <a:pPr marL="0" marR="0" lvl="0" indent="0" algn="l" rtl="0">
-                        <a:lnSpc>
-                          <a:spcPct val="100000"/>
-                        </a:lnSpc>
+                      <a:pPr rtl="0" fontAlgn="t">
                         <a:spcBef>
                           <a:spcPts val="0"/>
                         </a:spcBef>
                         <a:spcAft>
                           <a:spcPts val="0"/>
                         </a:spcAft>
-                        <a:buClr>
-                          <a:schemeClr val="dk1"/>
-                        </a:buClr>
-                        <a:buSzPts val="1800"/>
-                        <a:buFont typeface="Calibri"/>
-                        <a:buNone/>
                       </a:pPr>
                       <a:r>
-                        <a:rPr lang="en-US" sz="1800"/>
-                        <a:t>Data Visualization</a:t>
+                        <a:rPr lang="en-US" sz="1800" b="0" i="0" u="none" strike="noStrike">
+                          <a:solidFill>
+                            <a:srgbClr val="000000"/>
+                          </a:solidFill>
+                          <a:effectLst/>
+                          <a:latin typeface="Calibri" panose="020F0502020204030204" pitchFamily="34" charset="0"/>
+                        </a:rPr>
+                        <a:t>Day 2 independent work videos</a:t>
                       </a:r>
-                      <a:endParaRPr/>
+                      <a:endParaRPr lang="en-US" sz="1400">
+                        <a:effectLst/>
+                      </a:endParaRPr>
                     </a:p>
+                  </a:txBody>
+                  <a:tcPr marL="95164" marR="95164" marT="47582" marB="47582">
+                    <a:lnL w="12697" cap="flat" cmpd="sng" algn="ctr">
+                      <a:solidFill>
+                        <a:srgbClr val="000000"/>
+                      </a:solidFill>
+                      <a:prstDash val="solid"/>
+                      <a:round/>
+                      <a:headEnd type="none" w="med" len="med"/>
+                      <a:tailEnd type="none" w="med" len="med"/>
+                    </a:lnL>
+                    <a:lnR w="12697" cap="flat" cmpd="sng" algn="ctr">
+                      <a:solidFill>
+                        <a:srgbClr val="000000"/>
+                      </a:solidFill>
+                      <a:prstDash val="solid"/>
+                      <a:round/>
+                      <a:headEnd type="none" w="med" len="med"/>
+                      <a:tailEnd type="none" w="med" len="med"/>
+                    </a:lnR>
+                    <a:lnT w="12697" cap="flat" cmpd="sng" algn="ctr">
+                      <a:solidFill>
+                        <a:srgbClr val="000000"/>
+                      </a:solidFill>
+                      <a:prstDash val="solid"/>
+                      <a:round/>
+                      <a:headEnd type="none" w="med" len="med"/>
+                      <a:tailEnd type="none" w="med" len="med"/>
+                    </a:lnT>
+                    <a:lnB w="12697" cap="flat" cmpd="sng" algn="ctr">
+                      <a:solidFill>
+                        <a:srgbClr val="000000"/>
+                      </a:solidFill>
+                      <a:prstDash val="solid"/>
+                      <a:round/>
+                      <a:headEnd type="none" w="med" len="med"/>
+                      <a:tailEnd type="none" w="med" len="med"/>
+                    </a:lnB>
+                    <a:solidFill>
+                      <a:srgbClr val="CACACA"/>
+                    </a:solidFill>
+                  </a:tcPr>
+                </a:tc>
+                <a:extLst>
+                  <a:ext uri="{0D108BD9-81ED-4DB2-BD59-A6C34878D82A}">
+                    <a16:rowId xmlns:a16="http://schemas.microsoft.com/office/drawing/2014/main" val="2467307521"/>
+                  </a:ext>
+                </a:extLst>
+              </a:tr>
+              <a:tr h="643307">
+                <a:tc>
+                  <a:txBody>
+                    <a:bodyPr/>
+                    <a:lstStyle/>
                     <a:p>
-                      <a:pPr marL="0" marR="0" lvl="0" indent="0" algn="l" rtl="0">
+                      <a:pPr rtl="0" fontAlgn="t">
                         <a:spcBef>
                           <a:spcPts val="0"/>
                         </a:spcBef>
                         <a:spcAft>
                           <a:spcPts val="0"/>
                         </a:spcAft>
-                        <a:buNone/>
                       </a:pPr>
-                      <a:endParaRPr sz="1800"/>
+                      <a:r>
+                        <a:rPr lang="en-US" sz="1800" b="0" i="0" u="none" strike="noStrike">
+                          <a:solidFill>
+                            <a:srgbClr val="000000"/>
+                          </a:solidFill>
+                          <a:effectLst/>
+                          <a:latin typeface="Calibri" panose="020F0502020204030204" pitchFamily="34" charset="0"/>
+                        </a:rPr>
+                        <a:t>1:30pm - 2:30pm</a:t>
+                      </a:r>
+                      <a:endParaRPr lang="en-US" sz="1400">
+                        <a:effectLst/>
+                      </a:endParaRPr>
                     </a:p>
                   </a:txBody>
-                  <a:tcPr marL="91450" marR="91450" marT="45725" marB="45725"/>
+                  <a:tcPr marL="95164" marR="95164" marT="47582" marB="47582">
+                    <a:lnL w="12697" cap="flat" cmpd="sng" algn="ctr">
+                      <a:solidFill>
+                        <a:srgbClr val="000000"/>
+                      </a:solidFill>
+                      <a:prstDash val="solid"/>
+                      <a:round/>
+                      <a:headEnd type="none" w="med" len="med"/>
+                      <a:tailEnd type="none" w="med" len="med"/>
+                    </a:lnL>
+                    <a:lnR w="12697" cap="flat" cmpd="sng" algn="ctr">
+                      <a:solidFill>
+                        <a:srgbClr val="000000"/>
+                      </a:solidFill>
+                      <a:prstDash val="solid"/>
+                      <a:round/>
+                      <a:headEnd type="none" w="med" len="med"/>
+                      <a:tailEnd type="none" w="med" len="med"/>
+                    </a:lnR>
+                    <a:lnT w="12697" cap="flat" cmpd="sng" algn="ctr">
+                      <a:solidFill>
+                        <a:srgbClr val="000000"/>
+                      </a:solidFill>
+                      <a:prstDash val="solid"/>
+                      <a:round/>
+                      <a:headEnd type="none" w="med" len="med"/>
+                      <a:tailEnd type="none" w="med" len="med"/>
+                    </a:lnT>
+                    <a:lnB w="12697" cap="flat" cmpd="sng" algn="ctr">
+                      <a:solidFill>
+                        <a:srgbClr val="000000"/>
+                      </a:solidFill>
+                      <a:prstDash val="solid"/>
+                      <a:round/>
+                      <a:headEnd type="none" w="med" len="med"/>
+                      <a:tailEnd type="none" w="med" len="med"/>
+                    </a:lnB>
+                    <a:solidFill>
+                      <a:srgbClr val="E6E6E6"/>
+                    </a:solidFill>
+                  </a:tcPr>
                 </a:tc>
                 <a:tc>
                   <a:txBody>
                     <a:bodyPr/>
                     <a:lstStyle/>
                     <a:p>
-                      <a:pPr marL="0" marR="0" lvl="0" indent="0" algn="l" rtl="0">
+                      <a:pPr rtl="0" fontAlgn="t">
                         <a:spcBef>
                           <a:spcPts val="0"/>
                         </a:spcBef>
                         <a:spcAft>
                           <a:spcPts val="0"/>
                         </a:spcAft>
-                        <a:buNone/>
                       </a:pPr>
                       <a:r>
-                        <a:rPr lang="en-US" sz="1800"/>
-                        <a:t>Roshni and Gaby available via Slack</a:t>
+                        <a:rPr lang="en-US" sz="1800" b="0" i="0" u="none" strike="noStrike">
+                          <a:solidFill>
+                            <a:srgbClr val="000000"/>
+                          </a:solidFill>
+                          <a:effectLst/>
+                          <a:latin typeface="Calibri" panose="020F0502020204030204" pitchFamily="34" charset="0"/>
+                        </a:rPr>
+                        <a:t>In-person via zoom</a:t>
                       </a:r>
-                      <a:endParaRPr/>
+                      <a:endParaRPr lang="en-US" sz="1400">
+                        <a:effectLst/>
+                      </a:endParaRPr>
                     </a:p>
                   </a:txBody>
-                  <a:tcPr marL="91450" marR="91450" marT="45725" marB="45725"/>
+                  <a:tcPr marL="95164" marR="95164" marT="47582" marB="47582">
+                    <a:lnL w="12697" cap="flat" cmpd="sng" algn="ctr">
+                      <a:solidFill>
+                        <a:srgbClr val="000000"/>
+                      </a:solidFill>
+                      <a:prstDash val="solid"/>
+                      <a:round/>
+                      <a:headEnd type="none" w="med" len="med"/>
+                      <a:tailEnd type="none" w="med" len="med"/>
+                    </a:lnL>
+                    <a:lnR w="12697" cap="flat" cmpd="sng" algn="ctr">
+                      <a:solidFill>
+                        <a:srgbClr val="000000"/>
+                      </a:solidFill>
+                      <a:prstDash val="solid"/>
+                      <a:round/>
+                      <a:headEnd type="none" w="med" len="med"/>
+                      <a:tailEnd type="none" w="med" len="med"/>
+                    </a:lnR>
+                    <a:lnT w="12697" cap="flat" cmpd="sng" algn="ctr">
+                      <a:solidFill>
+                        <a:srgbClr val="000000"/>
+                      </a:solidFill>
+                      <a:prstDash val="solid"/>
+                      <a:round/>
+                      <a:headEnd type="none" w="med" len="med"/>
+                      <a:tailEnd type="none" w="med" len="med"/>
+                    </a:lnT>
+                    <a:lnB w="12697" cap="flat" cmpd="sng" algn="ctr">
+                      <a:solidFill>
+                        <a:srgbClr val="000000"/>
+                      </a:solidFill>
+                      <a:prstDash val="solid"/>
+                      <a:round/>
+                      <a:headEnd type="none" w="med" len="med"/>
+                      <a:tailEnd type="none" w="med" len="med"/>
+                    </a:lnB>
+                    <a:solidFill>
+                      <a:srgbClr val="E6E6E6"/>
+                    </a:solidFill>
+                  </a:tcPr>
                 </a:tc>
                 <a:tc>
                   <a:txBody>
                     <a:bodyPr/>
                     <a:lstStyle/>
                     <a:p>
-                      <a:pPr marL="0" marR="0" lvl="0" indent="0" algn="l" rtl="0">
+                      <a:pPr rtl="0" fontAlgn="t">
                         <a:spcBef>
                           <a:spcPts val="0"/>
                         </a:spcBef>
                         <a:spcAft>
                           <a:spcPts val="0"/>
                         </a:spcAft>
-                        <a:buNone/>
                       </a:pPr>
                       <a:r>
-                        <a:rPr lang="en-US" sz="1800"/>
-                        <a:t>Day 2 independent work videos</a:t>
+                        <a:rPr lang="en-US" sz="1800" b="0" i="0" u="none" strike="noStrike">
+                          <a:solidFill>
+                            <a:srgbClr val="000000"/>
+                          </a:solidFill>
+                          <a:effectLst/>
+                          <a:latin typeface="Calibri" panose="020F0502020204030204" pitchFamily="34" charset="0"/>
+                        </a:rPr>
+                        <a:t>Statistical Analysis pipeline</a:t>
                       </a:r>
-                      <a:endParaRPr sz="1800"/>
+                      <a:endParaRPr lang="en-US" sz="1400">
+                        <a:effectLst/>
+                      </a:endParaRPr>
                     </a:p>
                   </a:txBody>
-                  <a:tcPr marL="91450" marR="91450" marT="45725" marB="45725"/>
+                  <a:tcPr marL="95164" marR="95164" marT="47582" marB="47582">
+                    <a:lnL w="12697" cap="flat" cmpd="sng" algn="ctr">
+                      <a:solidFill>
+                        <a:srgbClr val="000000"/>
+                      </a:solidFill>
+                      <a:prstDash val="solid"/>
+                      <a:round/>
+                      <a:headEnd type="none" w="med" len="med"/>
+                      <a:tailEnd type="none" w="med" len="med"/>
+                    </a:lnL>
+                    <a:lnR w="12697" cap="flat" cmpd="sng" algn="ctr">
+                      <a:solidFill>
+                        <a:srgbClr val="000000"/>
+                      </a:solidFill>
+                      <a:prstDash val="solid"/>
+                      <a:round/>
+                      <a:headEnd type="none" w="med" len="med"/>
+                      <a:tailEnd type="none" w="med" len="med"/>
+                    </a:lnR>
+                    <a:lnT w="12697" cap="flat" cmpd="sng" algn="ctr">
+                      <a:solidFill>
+                        <a:srgbClr val="000000"/>
+                      </a:solidFill>
+                      <a:prstDash val="solid"/>
+                      <a:round/>
+                      <a:headEnd type="none" w="med" len="med"/>
+                      <a:tailEnd type="none" w="med" len="med"/>
+                    </a:lnT>
+                    <a:lnB w="12697" cap="flat" cmpd="sng" algn="ctr">
+                      <a:solidFill>
+                        <a:srgbClr val="000000"/>
+                      </a:solidFill>
+                      <a:prstDash val="solid"/>
+                      <a:round/>
+                      <a:headEnd type="none" w="med" len="med"/>
+                      <a:tailEnd type="none" w="med" len="med"/>
+                    </a:lnB>
+                    <a:solidFill>
+                      <a:srgbClr val="E6E6E6"/>
+                    </a:solidFill>
+                  </a:tcPr>
                 </a:tc>
-                <a:extLst>
-                  <a:ext uri="{0D108BD9-81ED-4DB2-BD59-A6C34878D82A}">
-                    <a16:rowId xmlns:a16="http://schemas.microsoft.com/office/drawing/2014/main" val="10002"/>
-                  </a:ext>
-                </a:extLst>
-              </a:tr>
-              <a:tr h="370850">
                 <a:tc>
                   <a:txBody>
                     <a:bodyPr/>
                     <a:lstStyle/>
                     <a:p>
-                      <a:pPr marL="0" marR="0" lvl="0" indent="0" algn="l" rtl="0">
+                      <a:pPr rtl="0" fontAlgn="t">
                         <a:spcBef>
                           <a:spcPts val="0"/>
                         </a:spcBef>
                         <a:spcAft>
                           <a:spcPts val="0"/>
                         </a:spcAft>
-                        <a:buNone/>
                       </a:pPr>
                       <a:r>
-                        <a:rPr lang="en-US" sz="1800"/>
-                        <a:t>1pm ~2:30pm </a:t>
+                        <a:rPr lang="en-US" sz="1800" b="0" i="0" u="none" strike="noStrike">
+                          <a:solidFill>
+                            <a:srgbClr val="000000"/>
+                          </a:solidFill>
+                          <a:effectLst/>
+                          <a:latin typeface="Calibri" panose="020F0502020204030204" pitchFamily="34" charset="0"/>
+                        </a:rPr>
+                        <a:t>Roshni</a:t>
                       </a:r>
-                      <a:endParaRPr/>
+                      <a:endParaRPr lang="en-US" sz="1400">
+                        <a:effectLst/>
+                      </a:endParaRPr>
                     </a:p>
                   </a:txBody>
-                  <a:tcPr marL="91450" marR="91450" marT="45725" marB="45725"/>
+                  <a:tcPr marL="95164" marR="95164" marT="47582" marB="47582">
+                    <a:lnL w="12697" cap="flat" cmpd="sng" algn="ctr">
+                      <a:solidFill>
+                        <a:srgbClr val="000000"/>
+                      </a:solidFill>
+                      <a:prstDash val="solid"/>
+                      <a:round/>
+                      <a:headEnd type="none" w="med" len="med"/>
+                      <a:tailEnd type="none" w="med" len="med"/>
+                    </a:lnL>
+                    <a:lnR w="12697" cap="flat" cmpd="sng" algn="ctr">
+                      <a:solidFill>
+                        <a:srgbClr val="000000"/>
+                      </a:solidFill>
+                      <a:prstDash val="solid"/>
+                      <a:round/>
+                      <a:headEnd type="none" w="med" len="med"/>
+                      <a:tailEnd type="none" w="med" len="med"/>
+                    </a:lnR>
+                    <a:lnT w="12697" cap="flat" cmpd="sng" algn="ctr">
+                      <a:solidFill>
+                        <a:srgbClr val="000000"/>
+                      </a:solidFill>
+                      <a:prstDash val="solid"/>
+                      <a:round/>
+                      <a:headEnd type="none" w="med" len="med"/>
+                      <a:tailEnd type="none" w="med" len="med"/>
+                    </a:lnT>
+                    <a:lnB w="12697" cap="flat" cmpd="sng" algn="ctr">
+                      <a:solidFill>
+                        <a:srgbClr val="000000"/>
+                      </a:solidFill>
+                      <a:prstDash val="solid"/>
+                      <a:round/>
+                      <a:headEnd type="none" w="med" len="med"/>
+                      <a:tailEnd type="none" w="med" len="med"/>
+                    </a:lnB>
+                    <a:solidFill>
+                      <a:srgbClr val="E6E6E6"/>
+                    </a:solidFill>
+                  </a:tcPr>
                 </a:tc>
                 <a:tc>
                   <a:txBody>
                     <a:bodyPr/>
                     <a:lstStyle/>
                     <a:p>
-                      <a:pPr marL="0" marR="0" lvl="0" indent="0" algn="l" rtl="0">
+                      <a:pPr rtl="0" fontAlgn="t">
                         <a:spcBef>
                           <a:spcPts val="0"/>
                         </a:spcBef>
                         <a:spcAft>
                           <a:spcPts val="0"/>
                         </a:spcAft>
-                        <a:buNone/>
                       </a:pPr>
                       <a:r>
-                        <a:rPr lang="en-US" sz="1800"/>
-                        <a:t>In-person via zoom</a:t>
+                        <a:rPr lang="en-US" sz="1800" b="0" i="0" u="none" strike="noStrike">
+                          <a:solidFill>
+                            <a:srgbClr val="000000"/>
+                          </a:solidFill>
+                          <a:effectLst/>
+                          <a:latin typeface="Calibri" panose="020F0502020204030204" pitchFamily="34" charset="0"/>
+                        </a:rPr>
+                        <a:t>04_stat_intro</a:t>
                       </a:r>
-                      <a:endParaRPr/>
+                      <a:endParaRPr lang="en-US" sz="1400">
+                        <a:effectLst/>
+                      </a:endParaRPr>
                     </a:p>
                   </a:txBody>
-                  <a:tcPr marL="91450" marR="91450" marT="45725" marB="45725"/>
+                  <a:tcPr marL="95164" marR="95164" marT="47582" marB="47582">
+                    <a:lnL w="12697" cap="flat" cmpd="sng" algn="ctr">
+                      <a:solidFill>
+                        <a:srgbClr val="000000"/>
+                      </a:solidFill>
+                      <a:prstDash val="solid"/>
+                      <a:round/>
+                      <a:headEnd type="none" w="med" len="med"/>
+                      <a:tailEnd type="none" w="med" len="med"/>
+                    </a:lnL>
+                    <a:lnR w="12697" cap="flat" cmpd="sng" algn="ctr">
+                      <a:solidFill>
+                        <a:srgbClr val="000000"/>
+                      </a:solidFill>
+                      <a:prstDash val="solid"/>
+                      <a:round/>
+                      <a:headEnd type="none" w="med" len="med"/>
+                      <a:tailEnd type="none" w="med" len="med"/>
+                    </a:lnR>
+                    <a:lnT w="12697" cap="flat" cmpd="sng" algn="ctr">
+                      <a:solidFill>
+                        <a:srgbClr val="000000"/>
+                      </a:solidFill>
+                      <a:prstDash val="solid"/>
+                      <a:round/>
+                      <a:headEnd type="none" w="med" len="med"/>
+                      <a:tailEnd type="none" w="med" len="med"/>
+                    </a:lnT>
+                    <a:lnB w="12697" cap="flat" cmpd="sng" algn="ctr">
+                      <a:solidFill>
+                        <a:srgbClr val="000000"/>
+                      </a:solidFill>
+                      <a:prstDash val="solid"/>
+                      <a:round/>
+                      <a:headEnd type="none" w="med" len="med"/>
+                      <a:tailEnd type="none" w="med" len="med"/>
+                    </a:lnB>
+                    <a:solidFill>
+                      <a:srgbClr val="E6E6E6"/>
+                    </a:solidFill>
+                  </a:tcPr>
+                </a:tc>
+                <a:extLst>
+                  <a:ext uri="{0D108BD9-81ED-4DB2-BD59-A6C34878D82A}">
+                    <a16:rowId xmlns:a16="http://schemas.microsoft.com/office/drawing/2014/main" val="2233768180"/>
+                  </a:ext>
+                </a:extLst>
+              </a:tr>
+              <a:tr h="643307">
+                <a:tc>
+                  <a:txBody>
+                    <a:bodyPr/>
+                    <a:lstStyle/>
+                    <a:p>
+                      <a:pPr rtl="0" fontAlgn="t">
+                        <a:spcBef>
+                          <a:spcPts val="0"/>
+                        </a:spcBef>
+                        <a:spcAft>
+                          <a:spcPts val="0"/>
+                        </a:spcAft>
+                      </a:pPr>
+                      <a:r>
+                        <a:rPr lang="en-US" sz="1800" b="0" i="0" u="none" strike="noStrike">
+                          <a:solidFill>
+                            <a:srgbClr val="000000"/>
+                          </a:solidFill>
+                          <a:effectLst/>
+                          <a:latin typeface="Calibri" panose="020F0502020204030204" pitchFamily="34" charset="0"/>
+                        </a:rPr>
+                        <a:t>2:30pm-4:00pm</a:t>
+                      </a:r>
+                      <a:endParaRPr lang="en-US" sz="1400">
+                        <a:effectLst/>
+                      </a:endParaRPr>
+                    </a:p>
+                  </a:txBody>
+                  <a:tcPr marL="95164" marR="95164" marT="47582" marB="47582">
+                    <a:lnL w="12697" cap="flat" cmpd="sng" algn="ctr">
+                      <a:solidFill>
+                        <a:srgbClr val="000000"/>
+                      </a:solidFill>
+                      <a:prstDash val="solid"/>
+                      <a:round/>
+                      <a:headEnd type="none" w="med" len="med"/>
+                      <a:tailEnd type="none" w="med" len="med"/>
+                    </a:lnL>
+                    <a:lnR w="12697" cap="flat" cmpd="sng" algn="ctr">
+                      <a:solidFill>
+                        <a:srgbClr val="000000"/>
+                      </a:solidFill>
+                      <a:prstDash val="solid"/>
+                      <a:round/>
+                      <a:headEnd type="none" w="med" len="med"/>
+                      <a:tailEnd type="none" w="med" len="med"/>
+                    </a:lnR>
+                    <a:lnT w="12697" cap="flat" cmpd="sng" algn="ctr">
+                      <a:solidFill>
+                        <a:srgbClr val="000000"/>
+                      </a:solidFill>
+                      <a:prstDash val="solid"/>
+                      <a:round/>
+                      <a:headEnd type="none" w="med" len="med"/>
+                      <a:tailEnd type="none" w="med" len="med"/>
+                    </a:lnT>
+                    <a:lnB w="12697" cap="flat" cmpd="sng" algn="ctr">
+                      <a:solidFill>
+                        <a:srgbClr val="000000"/>
+                      </a:solidFill>
+                      <a:prstDash val="solid"/>
+                      <a:round/>
+                      <a:headEnd type="none" w="med" len="med"/>
+                      <a:tailEnd type="none" w="med" len="med"/>
+                    </a:lnB>
+                    <a:solidFill>
+                      <a:srgbClr val="CACACA"/>
+                    </a:solidFill>
+                  </a:tcPr>
                 </a:tc>
                 <a:tc>
                   <a:txBody>
                     <a:bodyPr/>
                     <a:lstStyle/>
                     <a:p>
-                      <a:pPr marL="0" marR="0" lvl="0" indent="0" algn="l" rtl="0">
+                      <a:pPr rtl="0" fontAlgn="t">
                         <a:spcBef>
                           <a:spcPts val="0"/>
                         </a:spcBef>
                         <a:spcAft>
                           <a:spcPts val="0"/>
                         </a:spcAft>
-                        <a:buNone/>
                       </a:pPr>
                       <a:r>
-                        <a:rPr lang="en-US" sz="1800"/>
-                        <a:t>Statistical Analysis using Python</a:t>
+                        <a:rPr lang="en-US" sz="1800" b="0" i="0" u="none" strike="noStrike">
+                          <a:solidFill>
+                            <a:srgbClr val="000000"/>
+                          </a:solidFill>
+                          <a:effectLst/>
+                          <a:latin typeface="Calibri" panose="020F0502020204030204" pitchFamily="34" charset="0"/>
+                        </a:rPr>
+                        <a:t>Asynchronous material</a:t>
                       </a:r>
-                      <a:endParaRPr/>
+                      <a:endParaRPr lang="en-US" sz="1400">
+                        <a:effectLst/>
+                      </a:endParaRPr>
                     </a:p>
                   </a:txBody>
-                  <a:tcPr marL="91450" marR="91450" marT="45725" marB="45725"/>
+                  <a:tcPr marL="95164" marR="95164" marT="47582" marB="47582">
+                    <a:lnL w="12697" cap="flat" cmpd="sng" algn="ctr">
+                      <a:solidFill>
+                        <a:srgbClr val="000000"/>
+                      </a:solidFill>
+                      <a:prstDash val="solid"/>
+                      <a:round/>
+                      <a:headEnd type="none" w="med" len="med"/>
+                      <a:tailEnd type="none" w="med" len="med"/>
+                    </a:lnL>
+                    <a:lnR w="12697" cap="flat" cmpd="sng" algn="ctr">
+                      <a:solidFill>
+                        <a:srgbClr val="000000"/>
+                      </a:solidFill>
+                      <a:prstDash val="solid"/>
+                      <a:round/>
+                      <a:headEnd type="none" w="med" len="med"/>
+                      <a:tailEnd type="none" w="med" len="med"/>
+                    </a:lnR>
+                    <a:lnT w="12697" cap="flat" cmpd="sng" algn="ctr">
+                      <a:solidFill>
+                        <a:srgbClr val="000000"/>
+                      </a:solidFill>
+                      <a:prstDash val="solid"/>
+                      <a:round/>
+                      <a:headEnd type="none" w="med" len="med"/>
+                      <a:tailEnd type="none" w="med" len="med"/>
+                    </a:lnT>
+                    <a:lnB w="12697" cap="flat" cmpd="sng" algn="ctr">
+                      <a:solidFill>
+                        <a:srgbClr val="000000"/>
+                      </a:solidFill>
+                      <a:prstDash val="solid"/>
+                      <a:round/>
+                      <a:headEnd type="none" w="med" len="med"/>
+                      <a:tailEnd type="none" w="med" len="med"/>
+                    </a:lnB>
+                    <a:solidFill>
+                      <a:srgbClr val="CACACA"/>
+                    </a:solidFill>
+                  </a:tcPr>
                 </a:tc>
                 <a:tc>
                   <a:txBody>
                     <a:bodyPr/>
                     <a:lstStyle/>
                     <a:p>
-                      <a:pPr marL="0" marR="0" lvl="0" indent="0" algn="l" rtl="0">
+                      <a:pPr rtl="0" fontAlgn="t">
                         <a:spcBef>
                           <a:spcPts val="0"/>
                         </a:spcBef>
                         <a:spcAft>
                           <a:spcPts val="0"/>
                         </a:spcAft>
-                        <a:buNone/>
                       </a:pPr>
                       <a:r>
-                        <a:rPr lang="en-US" sz="1800"/>
-                        <a:t>Roshni</a:t>
+                        <a:rPr lang="en-US" sz="1800" b="0" i="0" u="none" strike="noStrike">
+                          <a:solidFill>
+                            <a:srgbClr val="000000"/>
+                          </a:solidFill>
+                          <a:effectLst/>
+                          <a:latin typeface="Calibri" panose="020F0502020204030204" pitchFamily="34" charset="0"/>
+                        </a:rPr>
+                        <a:t>Statistical Analysis using Python</a:t>
                       </a:r>
-                      <a:endParaRPr/>
+                      <a:endParaRPr lang="en-US" sz="1400">
+                        <a:effectLst/>
+                      </a:endParaRPr>
                     </a:p>
                   </a:txBody>
-                  <a:tcPr marL="91450" marR="91450" marT="45725" marB="45725"/>
+                  <a:tcPr marL="95164" marR="95164" marT="47582" marB="47582">
+                    <a:lnL w="12697" cap="flat" cmpd="sng" algn="ctr">
+                      <a:solidFill>
+                        <a:srgbClr val="000000"/>
+                      </a:solidFill>
+                      <a:prstDash val="solid"/>
+                      <a:round/>
+                      <a:headEnd type="none" w="med" len="med"/>
+                      <a:tailEnd type="none" w="med" len="med"/>
+                    </a:lnL>
+                    <a:lnR w="12697" cap="flat" cmpd="sng" algn="ctr">
+                      <a:solidFill>
+                        <a:srgbClr val="000000"/>
+                      </a:solidFill>
+                      <a:prstDash val="solid"/>
+                      <a:round/>
+                      <a:headEnd type="none" w="med" len="med"/>
+                      <a:tailEnd type="none" w="med" len="med"/>
+                    </a:lnR>
+                    <a:lnT w="12697" cap="flat" cmpd="sng" algn="ctr">
+                      <a:solidFill>
+                        <a:srgbClr val="000000"/>
+                      </a:solidFill>
+                      <a:prstDash val="solid"/>
+                      <a:round/>
+                      <a:headEnd type="none" w="med" len="med"/>
+                      <a:tailEnd type="none" w="med" len="med"/>
+                    </a:lnT>
+                    <a:lnB w="12697" cap="flat" cmpd="sng" algn="ctr">
+                      <a:solidFill>
+                        <a:srgbClr val="000000"/>
+                      </a:solidFill>
+                      <a:prstDash val="solid"/>
+                      <a:round/>
+                      <a:headEnd type="none" w="med" len="med"/>
+                      <a:tailEnd type="none" w="med" len="med"/>
+                    </a:lnB>
+                    <a:solidFill>
+                      <a:srgbClr val="CACACA"/>
+                    </a:solidFill>
+                  </a:tcPr>
                 </a:tc>
                 <a:tc>
                   <a:txBody>
                     <a:bodyPr/>
                     <a:lstStyle/>
                     <a:p>
-                      <a:pPr marL="0" marR="0" lvl="0" indent="0" algn="l" rtl="0">
+                      <a:pPr rtl="0" fontAlgn="t">
                         <a:spcBef>
                           <a:spcPts val="0"/>
                         </a:spcBef>
                         <a:spcAft>
                           <a:spcPts val="0"/>
                         </a:spcAft>
-                        <a:buNone/>
                       </a:pPr>
                       <a:r>
-                        <a:rPr lang="en-US" sz="1800"/>
-                        <a:t>04_python_stat</a:t>
+                        <a:rPr lang="en-US" sz="1800" b="0" i="0" u="none" strike="noStrike">
+                          <a:solidFill>
+                            <a:srgbClr val="000000"/>
+                          </a:solidFill>
+                          <a:effectLst/>
+                          <a:latin typeface="Calibri" panose="020F0502020204030204" pitchFamily="34" charset="0"/>
+                        </a:rPr>
+                        <a:t>Roshni and Gaby available via Slack</a:t>
                       </a:r>
-                      <a:endParaRPr sz="1800"/>
+                      <a:endParaRPr lang="en-US" sz="1400">
+                        <a:effectLst/>
+                      </a:endParaRPr>
                     </a:p>
                   </a:txBody>
-                  <a:tcPr marL="91450" marR="91450" marT="45725" marB="45725"/>
+                  <a:tcPr marL="95164" marR="95164" marT="47582" marB="47582">
+                    <a:lnL w="12697" cap="flat" cmpd="sng" algn="ctr">
+                      <a:solidFill>
+                        <a:srgbClr val="000000"/>
+                      </a:solidFill>
+                      <a:prstDash val="solid"/>
+                      <a:round/>
+                      <a:headEnd type="none" w="med" len="med"/>
+                      <a:tailEnd type="none" w="med" len="med"/>
+                    </a:lnL>
+                    <a:lnR w="12697" cap="flat" cmpd="sng" algn="ctr">
+                      <a:solidFill>
+                        <a:srgbClr val="000000"/>
+                      </a:solidFill>
+                      <a:prstDash val="solid"/>
+                      <a:round/>
+                      <a:headEnd type="none" w="med" len="med"/>
+                      <a:tailEnd type="none" w="med" len="med"/>
+                    </a:lnR>
+                    <a:lnT w="12697" cap="flat" cmpd="sng" algn="ctr">
+                      <a:solidFill>
+                        <a:srgbClr val="000000"/>
+                      </a:solidFill>
+                      <a:prstDash val="solid"/>
+                      <a:round/>
+                      <a:headEnd type="none" w="med" len="med"/>
+                      <a:tailEnd type="none" w="med" len="med"/>
+                    </a:lnT>
+                    <a:lnB w="12697" cap="flat" cmpd="sng" algn="ctr">
+                      <a:solidFill>
+                        <a:srgbClr val="000000"/>
+                      </a:solidFill>
+                      <a:prstDash val="solid"/>
+                      <a:round/>
+                      <a:headEnd type="none" w="med" len="med"/>
+                      <a:tailEnd type="none" w="med" len="med"/>
+                    </a:lnB>
+                    <a:solidFill>
+                      <a:srgbClr val="CACACA"/>
+                    </a:solidFill>
+                  </a:tcPr>
                 </a:tc>
-                <a:extLst>
-                  <a:ext uri="{0D108BD9-81ED-4DB2-BD59-A6C34878D82A}">
-                    <a16:rowId xmlns:a16="http://schemas.microsoft.com/office/drawing/2014/main" val="10003"/>
-                  </a:ext>
-                </a:extLst>
-              </a:tr>
-              <a:tr h="370850">
                 <a:tc>
                   <a:txBody>
                     <a:bodyPr/>
                     <a:lstStyle/>
                     <a:p>
-                      <a:pPr marL="0" marR="0" lvl="0" indent="0" algn="l" rtl="0">
+                      <a:pPr rtl="0" fontAlgn="t">
                         <a:spcBef>
                           <a:spcPts val="0"/>
                         </a:spcBef>
                         <a:spcAft>
                           <a:spcPts val="0"/>
                         </a:spcAft>
-                        <a:buNone/>
                       </a:pPr>
                       <a:r>
-                        <a:rPr lang="en-US" sz="1800"/>
-                        <a:t>~2:30-4:30pm</a:t>
+                        <a:rPr lang="en-US" sz="1800" b="0" i="0" u="none" strike="noStrike">
+                          <a:solidFill>
+                            <a:srgbClr val="000000"/>
+                          </a:solidFill>
+                          <a:effectLst/>
+                          <a:latin typeface="Calibri" panose="020F0502020204030204" pitchFamily="34" charset="0"/>
+                        </a:rPr>
+                        <a:t>stats_python_practice</a:t>
                       </a:r>
-                      <a:endParaRPr/>
+                      <a:endParaRPr lang="en-US" sz="1400">
+                        <a:effectLst/>
+                      </a:endParaRPr>
                     </a:p>
                   </a:txBody>
-                  <a:tcPr marL="91450" marR="91450" marT="45725" marB="45725"/>
+                  <a:tcPr marL="95164" marR="95164" marT="47582" marB="47582">
+                    <a:lnL w="12697" cap="flat" cmpd="sng" algn="ctr">
+                      <a:solidFill>
+                        <a:srgbClr val="000000"/>
+                      </a:solidFill>
+                      <a:prstDash val="solid"/>
+                      <a:round/>
+                      <a:headEnd type="none" w="med" len="med"/>
+                      <a:tailEnd type="none" w="med" len="med"/>
+                    </a:lnL>
+                    <a:lnR w="12697" cap="flat" cmpd="sng" algn="ctr">
+                      <a:solidFill>
+                        <a:srgbClr val="000000"/>
+                      </a:solidFill>
+                      <a:prstDash val="solid"/>
+                      <a:round/>
+                      <a:headEnd type="none" w="med" len="med"/>
+                      <a:tailEnd type="none" w="med" len="med"/>
+                    </a:lnR>
+                    <a:lnT w="12697" cap="flat" cmpd="sng" algn="ctr">
+                      <a:solidFill>
+                        <a:srgbClr val="000000"/>
+                      </a:solidFill>
+                      <a:prstDash val="solid"/>
+                      <a:round/>
+                      <a:headEnd type="none" w="med" len="med"/>
+                      <a:tailEnd type="none" w="med" len="med"/>
+                    </a:lnT>
+                    <a:lnB w="12697" cap="flat" cmpd="sng" algn="ctr">
+                      <a:solidFill>
+                        <a:srgbClr val="000000"/>
+                      </a:solidFill>
+                      <a:prstDash val="solid"/>
+                      <a:round/>
+                      <a:headEnd type="none" w="med" len="med"/>
+                      <a:tailEnd type="none" w="med" len="med"/>
+                    </a:lnB>
+                    <a:solidFill>
+                      <a:srgbClr val="CACACA"/>
+                    </a:solidFill>
+                  </a:tcPr>
+                </a:tc>
+                <a:extLst>
+                  <a:ext uri="{0D108BD9-81ED-4DB2-BD59-A6C34878D82A}">
+                    <a16:rowId xmlns:a16="http://schemas.microsoft.com/office/drawing/2014/main" val="3072020810"/>
+                  </a:ext>
+                </a:extLst>
+              </a:tr>
+              <a:tr h="371139">
+                <a:tc>
+                  <a:txBody>
+                    <a:bodyPr/>
+                    <a:lstStyle/>
+                    <a:p>
+                      <a:pPr rtl="0" fontAlgn="t">
+                        <a:spcBef>
+                          <a:spcPts val="0"/>
+                        </a:spcBef>
+                        <a:spcAft>
+                          <a:spcPts val="0"/>
+                        </a:spcAft>
+                      </a:pPr>
+                      <a:r>
+                        <a:rPr lang="en-US" sz="1800" b="0" i="0" u="none" strike="noStrike">
+                          <a:solidFill>
+                            <a:srgbClr val="000000"/>
+                          </a:solidFill>
+                          <a:effectLst/>
+                          <a:latin typeface="Calibri" panose="020F0502020204030204" pitchFamily="34" charset="0"/>
+                        </a:rPr>
+                        <a:t>4:00pm-4:30pm</a:t>
+                      </a:r>
+                      <a:endParaRPr lang="en-US" sz="1400">
+                        <a:effectLst/>
+                      </a:endParaRPr>
+                    </a:p>
+                  </a:txBody>
+                  <a:tcPr marL="95164" marR="95164" marT="47582" marB="47582">
+                    <a:lnL w="12697" cap="flat" cmpd="sng" algn="ctr">
+                      <a:solidFill>
+                        <a:srgbClr val="000000"/>
+                      </a:solidFill>
+                      <a:prstDash val="solid"/>
+                      <a:round/>
+                      <a:headEnd type="none" w="med" len="med"/>
+                      <a:tailEnd type="none" w="med" len="med"/>
+                    </a:lnL>
+                    <a:lnR w="12697" cap="flat" cmpd="sng" algn="ctr">
+                      <a:solidFill>
+                        <a:srgbClr val="000000"/>
+                      </a:solidFill>
+                      <a:prstDash val="solid"/>
+                      <a:round/>
+                      <a:headEnd type="none" w="med" len="med"/>
+                      <a:tailEnd type="none" w="med" len="med"/>
+                    </a:lnR>
+                    <a:lnT w="12697" cap="flat" cmpd="sng" algn="ctr">
+                      <a:solidFill>
+                        <a:srgbClr val="000000"/>
+                      </a:solidFill>
+                      <a:prstDash val="solid"/>
+                      <a:round/>
+                      <a:headEnd type="none" w="med" len="med"/>
+                      <a:tailEnd type="none" w="med" len="med"/>
+                    </a:lnT>
+                    <a:lnB w="12697" cap="flat" cmpd="sng" algn="ctr">
+                      <a:solidFill>
+                        <a:srgbClr val="000000"/>
+                      </a:solidFill>
+                      <a:prstDash val="solid"/>
+                      <a:round/>
+                      <a:headEnd type="none" w="med" len="med"/>
+                      <a:tailEnd type="none" w="med" len="med"/>
+                    </a:lnB>
+                    <a:solidFill>
+                      <a:srgbClr val="E6E6E6"/>
+                    </a:solidFill>
+                  </a:tcPr>
                 </a:tc>
                 <a:tc>
                   <a:txBody>
                     <a:bodyPr/>
                     <a:lstStyle/>
                     <a:p>
-                      <a:pPr marL="0" marR="0" lvl="0" indent="0" algn="l" rtl="0">
+                      <a:pPr rtl="0" fontAlgn="t">
                         <a:spcBef>
                           <a:spcPts val="0"/>
                         </a:spcBef>
                         <a:spcAft>
                           <a:spcPts val="0"/>
                         </a:spcAft>
-                        <a:buNone/>
                       </a:pPr>
                       <a:r>
-                        <a:rPr lang="en-US" sz="1800"/>
-                        <a:t>Asynchronous material</a:t>
+                        <a:rPr lang="en-US" sz="1800" b="0" i="0" u="none" strike="noStrike">
+                          <a:solidFill>
+                            <a:srgbClr val="000000"/>
+                          </a:solidFill>
+                          <a:effectLst/>
+                          <a:latin typeface="Calibri" panose="020F0502020204030204" pitchFamily="34" charset="0"/>
+                        </a:rPr>
+                        <a:t>In-person via zoom</a:t>
                       </a:r>
-                      <a:endParaRPr/>
+                      <a:endParaRPr lang="en-US" sz="1400">
+                        <a:effectLst/>
+                      </a:endParaRPr>
                     </a:p>
                   </a:txBody>
-                  <a:tcPr marL="91450" marR="91450" marT="45725" marB="45725"/>
+                  <a:tcPr marL="95164" marR="95164" marT="47582" marB="47582">
+                    <a:lnL w="12697" cap="flat" cmpd="sng" algn="ctr">
+                      <a:solidFill>
+                        <a:srgbClr val="000000"/>
+                      </a:solidFill>
+                      <a:prstDash val="solid"/>
+                      <a:round/>
+                      <a:headEnd type="none" w="med" len="med"/>
+                      <a:tailEnd type="none" w="med" len="med"/>
+                    </a:lnL>
+                    <a:lnR w="12697" cap="flat" cmpd="sng" algn="ctr">
+                      <a:solidFill>
+                        <a:srgbClr val="000000"/>
+                      </a:solidFill>
+                      <a:prstDash val="solid"/>
+                      <a:round/>
+                      <a:headEnd type="none" w="med" len="med"/>
+                      <a:tailEnd type="none" w="med" len="med"/>
+                    </a:lnR>
+                    <a:lnT w="12697" cap="flat" cmpd="sng" algn="ctr">
+                      <a:solidFill>
+                        <a:srgbClr val="000000"/>
+                      </a:solidFill>
+                      <a:prstDash val="solid"/>
+                      <a:round/>
+                      <a:headEnd type="none" w="med" len="med"/>
+                      <a:tailEnd type="none" w="med" len="med"/>
+                    </a:lnT>
+                    <a:lnB w="12697" cap="flat" cmpd="sng" algn="ctr">
+                      <a:solidFill>
+                        <a:srgbClr val="000000"/>
+                      </a:solidFill>
+                      <a:prstDash val="solid"/>
+                      <a:round/>
+                      <a:headEnd type="none" w="med" len="med"/>
+                      <a:tailEnd type="none" w="med" len="med"/>
+                    </a:lnB>
+                    <a:solidFill>
+                      <a:srgbClr val="E6E6E6"/>
+                    </a:solidFill>
+                  </a:tcPr>
                 </a:tc>
                 <a:tc>
                   <a:txBody>
                     <a:bodyPr/>
                     <a:lstStyle/>
                     <a:p>
-                      <a:pPr marL="0" marR="0" lvl="0" indent="0" algn="l" rtl="0">
+                      <a:pPr rtl="0" fontAlgn="t">
                         <a:spcBef>
                           <a:spcPts val="0"/>
                         </a:spcBef>
                         <a:spcAft>
                           <a:spcPts val="0"/>
                         </a:spcAft>
-                        <a:buNone/>
                       </a:pPr>
                       <a:r>
-                        <a:rPr lang="en-US" sz="1800"/>
-                        <a:t>Statistical Analysis using Python</a:t>
+                        <a:rPr lang="en-US" sz="1800" b="0" i="0" u="none" strike="noStrike">
+                          <a:solidFill>
+                            <a:srgbClr val="000000"/>
+                          </a:solidFill>
+                          <a:effectLst/>
+                          <a:latin typeface="Calibri" panose="020F0502020204030204" pitchFamily="34" charset="0"/>
+                        </a:rPr>
+                        <a:t>Q&amp;A</a:t>
                       </a:r>
-                      <a:endParaRPr/>
+                      <a:endParaRPr lang="en-US" sz="1400">
+                        <a:effectLst/>
+                      </a:endParaRPr>
                     </a:p>
                   </a:txBody>
-                  <a:tcPr marL="91450" marR="91450" marT="45725" marB="45725"/>
+                  <a:tcPr marL="95164" marR="95164" marT="47582" marB="47582">
+                    <a:lnL w="12697" cap="flat" cmpd="sng" algn="ctr">
+                      <a:solidFill>
+                        <a:srgbClr val="000000"/>
+                      </a:solidFill>
+                      <a:prstDash val="solid"/>
+                      <a:round/>
+                      <a:headEnd type="none" w="med" len="med"/>
+                      <a:tailEnd type="none" w="med" len="med"/>
+                    </a:lnL>
+                    <a:lnR w="12697" cap="flat" cmpd="sng" algn="ctr">
+                      <a:solidFill>
+                        <a:srgbClr val="000000"/>
+                      </a:solidFill>
+                      <a:prstDash val="solid"/>
+                      <a:round/>
+                      <a:headEnd type="none" w="med" len="med"/>
+                      <a:tailEnd type="none" w="med" len="med"/>
+                    </a:lnR>
+                    <a:lnT w="12697" cap="flat" cmpd="sng" algn="ctr">
+                      <a:solidFill>
+                        <a:srgbClr val="000000"/>
+                      </a:solidFill>
+                      <a:prstDash val="solid"/>
+                      <a:round/>
+                      <a:headEnd type="none" w="med" len="med"/>
+                      <a:tailEnd type="none" w="med" len="med"/>
+                    </a:lnT>
+                    <a:lnB w="12697" cap="flat" cmpd="sng" algn="ctr">
+                      <a:solidFill>
+                        <a:srgbClr val="000000"/>
+                      </a:solidFill>
+                      <a:prstDash val="solid"/>
+                      <a:round/>
+                      <a:headEnd type="none" w="med" len="med"/>
+                      <a:tailEnd type="none" w="med" len="med"/>
+                    </a:lnB>
+                    <a:solidFill>
+                      <a:srgbClr val="E6E6E6"/>
+                    </a:solidFill>
+                  </a:tcPr>
                 </a:tc>
                 <a:tc>
                   <a:txBody>
                     <a:bodyPr/>
                     <a:lstStyle/>
                     <a:p>
-                      <a:pPr marL="0" marR="0" lvl="0" indent="0" algn="l" rtl="0">
+                      <a:pPr rtl="0" fontAlgn="t">
                         <a:spcBef>
                           <a:spcPts val="0"/>
                         </a:spcBef>
                         <a:spcAft>
                           <a:spcPts val="0"/>
                         </a:spcAft>
-                        <a:buNone/>
                       </a:pPr>
                       <a:r>
-                        <a:rPr lang="en-US" sz="1800"/>
-                        <a:t>Roshni and Gaby available via Slack</a:t>
+                        <a:rPr lang="en-US" sz="1800" b="0" i="0" u="none" strike="noStrike" dirty="0">
+                          <a:solidFill>
+                            <a:srgbClr val="000000"/>
+                          </a:solidFill>
+                          <a:effectLst/>
+                          <a:latin typeface="Calibri" panose="020F0502020204030204" pitchFamily="34" charset="0"/>
+                        </a:rPr>
+                        <a:t>Roshni</a:t>
                       </a:r>
-                      <a:endParaRPr/>
+                      <a:endParaRPr lang="en-US" sz="1400" dirty="0">
+                        <a:effectLst/>
+                      </a:endParaRPr>
                     </a:p>
                   </a:txBody>
-                  <a:tcPr marL="91450" marR="91450" marT="45725" marB="45725"/>
+                  <a:tcPr marL="95164" marR="95164" marT="47582" marB="47582">
+                    <a:lnL w="12697" cap="flat" cmpd="sng" algn="ctr">
+                      <a:solidFill>
+                        <a:srgbClr val="000000"/>
+                      </a:solidFill>
+                      <a:prstDash val="solid"/>
+                      <a:round/>
+                      <a:headEnd type="none" w="med" len="med"/>
+                      <a:tailEnd type="none" w="med" len="med"/>
+                    </a:lnL>
+                    <a:lnR w="12697" cap="flat" cmpd="sng" algn="ctr">
+                      <a:solidFill>
+                        <a:srgbClr val="000000"/>
+                      </a:solidFill>
+                      <a:prstDash val="solid"/>
+                      <a:round/>
+                      <a:headEnd type="none" w="med" len="med"/>
+                      <a:tailEnd type="none" w="med" len="med"/>
+                    </a:lnR>
+                    <a:lnT w="12697" cap="flat" cmpd="sng" algn="ctr">
+                      <a:solidFill>
+                        <a:srgbClr val="000000"/>
+                      </a:solidFill>
+                      <a:prstDash val="solid"/>
+                      <a:round/>
+                      <a:headEnd type="none" w="med" len="med"/>
+                      <a:tailEnd type="none" w="med" len="med"/>
+                    </a:lnT>
+                    <a:lnB w="12697" cap="flat" cmpd="sng" algn="ctr">
+                      <a:solidFill>
+                        <a:srgbClr val="000000"/>
+                      </a:solidFill>
+                      <a:prstDash val="solid"/>
+                      <a:round/>
+                      <a:headEnd type="none" w="med" len="med"/>
+                      <a:tailEnd type="none" w="med" len="med"/>
+                    </a:lnB>
+                    <a:solidFill>
+                      <a:srgbClr val="E6E6E6"/>
+                    </a:solidFill>
+                  </a:tcPr>
                 </a:tc>
                 <a:tc>
                   <a:txBody>
                     <a:bodyPr/>
                     <a:lstStyle/>
                     <a:p>
-                      <a:pPr marL="0" marR="0" lvl="0" indent="0" algn="l" rtl="0">
-                        <a:spcBef>
-                          <a:spcPts val="0"/>
-                        </a:spcBef>
-                        <a:spcAft>
-                          <a:spcPts val="0"/>
-                        </a:spcAft>
-                        <a:buNone/>
-                      </a:pPr>
+                      <a:pPr fontAlgn="t"/>
                       <a:r>
-                        <a:rPr lang="en-US" sz="1800"/>
-                        <a:t>Day 2 05_stats_python_practice</a:t>
+                        <a:rPr lang="en-US" sz="1400" dirty="0">
+                          <a:effectLst/>
+                        </a:rPr>
+                        <a:t> </a:t>
                       </a:r>
-                      <a:endParaRPr sz="1800"/>
                     </a:p>
                   </a:txBody>
-                  <a:tcPr marL="91450" marR="91450" marT="45725" marB="45725"/>
+                  <a:tcPr marL="95164" marR="95164" marT="47582" marB="47582">
+                    <a:lnL w="12697" cap="flat" cmpd="sng" algn="ctr">
+                      <a:solidFill>
+                        <a:srgbClr val="000000"/>
+                      </a:solidFill>
+                      <a:prstDash val="solid"/>
+                      <a:round/>
+                      <a:headEnd type="none" w="med" len="med"/>
+                      <a:tailEnd type="none" w="med" len="med"/>
+                    </a:lnL>
+                    <a:lnR w="12697" cap="flat" cmpd="sng" algn="ctr">
+                      <a:solidFill>
+                        <a:srgbClr val="000000"/>
+                      </a:solidFill>
+                      <a:prstDash val="solid"/>
+                      <a:round/>
+                      <a:headEnd type="none" w="med" len="med"/>
+                      <a:tailEnd type="none" w="med" len="med"/>
+                    </a:lnR>
+                    <a:lnT w="12697" cap="flat" cmpd="sng" algn="ctr">
+                      <a:solidFill>
+                        <a:srgbClr val="000000"/>
+                      </a:solidFill>
+                      <a:prstDash val="solid"/>
+                      <a:round/>
+                      <a:headEnd type="none" w="med" len="med"/>
+                      <a:tailEnd type="none" w="med" len="med"/>
+                    </a:lnT>
+                    <a:lnB w="12697" cap="flat" cmpd="sng" algn="ctr">
+                      <a:solidFill>
+                        <a:srgbClr val="000000"/>
+                      </a:solidFill>
+                      <a:prstDash val="solid"/>
+                      <a:round/>
+                      <a:headEnd type="none" w="med" len="med"/>
+                      <a:tailEnd type="none" w="med" len="med"/>
+                    </a:lnB>
+                    <a:solidFill>
+                      <a:srgbClr val="E6E6E6"/>
+                    </a:solidFill>
+                  </a:tcPr>
                 </a:tc>
                 <a:extLst>
                   <a:ext uri="{0D108BD9-81ED-4DB2-BD59-A6C34878D82A}">
-                    <a16:rowId xmlns:a16="http://schemas.microsoft.com/office/drawing/2014/main" val="10004"/>
-                  </a:ext>
-                </a:extLst>
-              </a:tr>
-              <a:tr h="370850">
-                <a:tc>
-                  <a:txBody>
-                    <a:bodyPr/>
-                    <a:lstStyle/>
-                    <a:p>
-                      <a:pPr marL="0" marR="0" lvl="0" indent="0" algn="l" rtl="0">
-                        <a:spcBef>
-                          <a:spcPts val="0"/>
-                        </a:spcBef>
-                        <a:spcAft>
-                          <a:spcPts val="0"/>
-                        </a:spcAft>
-                        <a:buNone/>
-                      </a:pPr>
-                      <a:r>
-                        <a:rPr lang="en-US" sz="1800"/>
-                        <a:t>4:30pm-5:00pm</a:t>
-                      </a:r>
-                      <a:endParaRPr/>
-                    </a:p>
-                  </a:txBody>
-                  <a:tcPr marL="91450" marR="91450" marT="45725" marB="45725"/>
-                </a:tc>
-                <a:tc>
-                  <a:txBody>
-                    <a:bodyPr/>
-                    <a:lstStyle/>
-                    <a:p>
-                      <a:pPr marL="0" marR="0" lvl="0" indent="0" algn="l" rtl="0">
-                        <a:spcBef>
-                          <a:spcPts val="0"/>
-                        </a:spcBef>
-                        <a:spcAft>
-                          <a:spcPts val="0"/>
-                        </a:spcAft>
-                        <a:buNone/>
-                      </a:pPr>
-                      <a:r>
-                        <a:rPr lang="en-US" sz="1800"/>
-                        <a:t>In-person via zoom</a:t>
-                      </a:r>
-                      <a:endParaRPr/>
-                    </a:p>
-                  </a:txBody>
-                  <a:tcPr marL="91450" marR="91450" marT="45725" marB="45725"/>
-                </a:tc>
-                <a:tc>
-                  <a:txBody>
-                    <a:bodyPr/>
-                    <a:lstStyle/>
-                    <a:p>
-                      <a:pPr marL="0" marR="0" lvl="0" indent="0" algn="l" rtl="0">
-                        <a:spcBef>
-                          <a:spcPts val="0"/>
-                        </a:spcBef>
-                        <a:spcAft>
-                          <a:spcPts val="0"/>
-                        </a:spcAft>
-                        <a:buNone/>
-                      </a:pPr>
-                      <a:r>
-                        <a:rPr lang="en-US" sz="1800"/>
-                        <a:t>Q&amp;A</a:t>
-                      </a:r>
-                      <a:endParaRPr/>
-                    </a:p>
-                  </a:txBody>
-                  <a:tcPr marL="91450" marR="91450" marT="45725" marB="45725"/>
-                </a:tc>
-                <a:tc>
-                  <a:txBody>
-                    <a:bodyPr/>
-                    <a:lstStyle/>
-                    <a:p>
-                      <a:pPr marL="0" marR="0" lvl="0" indent="0" algn="l" rtl="0">
-                        <a:spcBef>
-                          <a:spcPts val="0"/>
-                        </a:spcBef>
-                        <a:spcAft>
-                          <a:spcPts val="0"/>
-                        </a:spcAft>
-                        <a:buNone/>
-                      </a:pPr>
-                      <a:r>
-                        <a:rPr lang="en-US" sz="1800"/>
-                        <a:t>Roshni</a:t>
-                      </a:r>
-                      <a:endParaRPr/>
-                    </a:p>
-                  </a:txBody>
-                  <a:tcPr marL="91450" marR="91450" marT="45725" marB="45725"/>
-                </a:tc>
-                <a:tc>
-                  <a:txBody>
-                    <a:bodyPr/>
-                    <a:lstStyle/>
-                    <a:p>
-                      <a:pPr marL="0" marR="0" lvl="0" indent="0" algn="l" rtl="0">
-                        <a:spcBef>
-                          <a:spcPts val="0"/>
-                        </a:spcBef>
-                        <a:spcAft>
-                          <a:spcPts val="0"/>
-                        </a:spcAft>
-                        <a:buNone/>
-                      </a:pPr>
-                      <a:endParaRPr sz="1800" dirty="0"/>
-                    </a:p>
-                  </a:txBody>
-                  <a:tcPr marL="91450" marR="91450" marT="45725" marB="45725"/>
-                </a:tc>
-                <a:extLst>
-                  <a:ext uri="{0D108BD9-81ED-4DB2-BD59-A6C34878D82A}">
-                    <a16:rowId xmlns:a16="http://schemas.microsoft.com/office/drawing/2014/main" val="10005"/>
+                    <a16:rowId xmlns:a16="http://schemas.microsoft.com/office/drawing/2014/main" val="1650531326"/>
                   </a:ext>
                 </a:extLst>
               </a:tr>
@@ -22340,7 +24002,13 @@
         <p:nvGraphicFramePr>
           <p:cNvPr id="137" name="Google Shape;137;p6"/>
           <p:cNvGraphicFramePr/>
-          <p:nvPr/>
+          <p:nvPr>
+            <p:extLst>
+              <p:ext uri="{D42A27DB-BD31-4B8C-83A1-F6EECF244321}">
+                <p14:modId xmlns:p14="http://schemas.microsoft.com/office/powerpoint/2010/main" val="2890602528"/>
+              </p:ext>
+            </p:extLst>
+          </p:nvPr>
         </p:nvGraphicFramePr>
         <p:xfrm>
           <a:off x="838200" y="1825625"/>
@@ -22620,10 +24288,10 @@
                         <a:buNone/>
                       </a:pPr>
                       <a:r>
-                        <a:rPr lang="en-US" sz="1800"/>
-                        <a:t>06_python_learning</a:t>
+                        <a:rPr lang="en-US" sz="1800" dirty="0"/>
+                        <a:t>ML slides, 06_python_learning</a:t>
                       </a:r>
-                      <a:endParaRPr sz="1800"/>
+                      <a:endParaRPr sz="1800" dirty="0"/>
                     </a:p>
                   </a:txBody>
                   <a:tcPr marL="91450" marR="91450" marT="45725" marB="45725"/>
@@ -23133,10 +24801,10 @@
                         <a:buNone/>
                       </a:pPr>
                       <a:r>
-                        <a:rPr lang="en-US" sz="1800"/>
+                        <a:rPr lang="en-US" sz="1800" dirty="0"/>
                         <a:t>07_python_appl</a:t>
                       </a:r>
-                      <a:endParaRPr sz="1800"/>
+                      <a:endParaRPr sz="1800" dirty="0"/>
                     </a:p>
                   </a:txBody>
                   <a:tcPr marL="91450" marR="91450" marT="45725" marB="45725"/>

--- a/workshop_documents/Introduction_workshop_slides.pptx
+++ b/workshop_documents/Introduction_workshop_slides.pptx
@@ -267,7 +267,7 @@
       <p15:sldGuideLst xmlns:p15="http://schemas.microsoft.com/office/powerpoint/2012/main"/>
     </p:ext>
     <p:ext uri="http://customooxmlschemas.google.com/">
-      <go:slidesCustomData xmlns="" xmlns:mc="http://schemas.openxmlformats.org/markup-compatibility/2006" xmlns:mv="urn:schemas-microsoft-com:mac:vml" xmlns:c="http://schemas.openxmlformats.org/drawingml/2006/chart" xmlns:dgm="http://schemas.openxmlformats.org/drawingml/2006/diagram" xmlns:o="urn:schemas-microsoft-com:office:office" xmlns:v="urn:schemas-microsoft-com:vml" xmlns:pvml="urn:schemas-microsoft-com:office:powerpoint" xmlns:com="http://schemas.openxmlformats.org/drawingml/2006/compatibility" xmlns:p14="http://schemas.microsoft.com/office/powerpoint/2010/main" xmlns:p15="http://schemas.microsoft.com/office/powerpoint/2012/main" xmlns:ahyp="http://schemas.microsoft.com/office/drawing/2018/hyperlinkcolor" xmlns:go="http://customooxmlschemas.google.com/" r:id="rId27" roundtripDataSignature="AMtx7miwK0YCmhOXLv/tKLFCIIcQ0wGSYA=="/>
+      <go:slidesCustomData xmlns:go="http://customooxmlschemas.google.com/" xmlns:ahyp="http://schemas.microsoft.com/office/drawing/2018/hyperlinkcolor" xmlns:p15="http://schemas.microsoft.com/office/powerpoint/2012/main" xmlns:p14="http://schemas.microsoft.com/office/powerpoint/2010/main" xmlns:com="http://schemas.openxmlformats.org/drawingml/2006/compatibility" xmlns:pvml="urn:schemas-microsoft-com:office:powerpoint" xmlns:v="urn:schemas-microsoft-com:vml" xmlns:o="urn:schemas-microsoft-com:office:office" xmlns:dgm="http://schemas.openxmlformats.org/drawingml/2006/diagram" xmlns:c="http://schemas.openxmlformats.org/drawingml/2006/chart" xmlns:mv="urn:schemas-microsoft-com:mac:vml" xmlns:mc="http://schemas.openxmlformats.org/markup-compatibility/2006" xmlns="" r:id="rId27" roundtripDataSignature="AMtx7miwK0YCmhOXLv/tKLFCIIcQ0wGSYA=="/>
     </p:ext>
   </p:extLst>
 </p:presentation>
@@ -4179,6 +4179,37 @@
             <a:r>
               <a:rPr lang="en-US" dirty="0"/>
               <a:t>How long all this takes will vary </a:t>
+            </a:r>
+          </a:p>
+          <a:p>
+            <a:pPr marL="0" lvl="0" indent="0" algn="l" rtl="0">
+              <a:spcBef>
+                <a:spcPts val="0"/>
+              </a:spcBef>
+              <a:spcAft>
+                <a:spcPts val="0"/>
+              </a:spcAft>
+              <a:buNone/>
+            </a:pPr>
+            <a:endParaRPr lang="en-US" dirty="0"/>
+          </a:p>
+          <a:p>
+            <a:pPr marL="0" lvl="0" indent="0" algn="l" rtl="0">
+              <a:spcBef>
+                <a:spcPts val="0"/>
+              </a:spcBef>
+              <a:spcAft>
+                <a:spcPts val="0"/>
+              </a:spcAft>
+              <a:buNone/>
+            </a:pPr>
+            <a:r>
+              <a:rPr lang="en-US" dirty="0"/>
+              <a:t>We will pose questions, please answer them either in a chat or unmute yourself – it will be much more interesting then listening to </a:t>
+            </a:r>
+            <a:r>
+              <a:rPr lang="en-US"/>
+              <a:t>us talk for 3 days. </a:t>
             </a:r>
             <a:endParaRPr dirty="0"/>
           </a:p>
@@ -19761,10 +19792,10 @@
               <a:buAutoNum type="arabicPeriod"/>
             </a:pPr>
             <a:r>
-              <a:rPr lang="en-US"/>
+              <a:rPr lang="en-US" dirty="0"/>
               <a:t>Face to face (about 50% of the time via Zoom)</a:t>
             </a:r>
-            <a:endParaRPr/>
+            <a:endParaRPr dirty="0"/>
           </a:p>
           <a:p>
             <a:pPr marL="971550" lvl="1" indent="-514350" algn="l" rtl="0">
@@ -19785,13 +19816,12 @@
               <a:buAutoNum type="arabicPeriod"/>
             </a:pPr>
             <a:r>
-              <a:rPr lang="en-US"/>
+              <a:rPr lang="en-US" dirty="0"/>
               <a:t>Lecturing and Q&amp;A</a:t>
             </a:r>
-            <a:endParaRPr/>
-          </a:p>
-          <a:p>
-            <a:pPr marL="971550" lvl="1" indent="-361950" algn="l" rtl="0">
+          </a:p>
+          <a:p>
+            <a:pPr marL="971550" lvl="1" indent="-514350" algn="l" rtl="0">
               <a:lnSpc>
                 <a:spcPct val="90000"/>
               </a:lnSpc>
@@ -19806,9 +19836,33 @@
               </a:buClr>
               <a:buSzPts val="2400"/>
               <a:buFont typeface="Calibri"/>
-              <a:buNone/>
+              <a:buAutoNum type="arabicPeriod"/>
             </a:pPr>
-            <a:endParaRPr/>
+            <a:r>
+              <a:rPr lang="en-US" dirty="0"/>
+              <a:t>With discussion, conversation.</a:t>
+            </a:r>
+            <a:endParaRPr dirty="0"/>
+          </a:p>
+          <a:p>
+            <a:pPr marL="971550" lvl="1" indent="-361950" algn="l" rtl="0">
+              <a:lnSpc>
+                <a:spcPct val="90000"/>
+              </a:lnSpc>
+              <a:spcBef>
+                <a:spcPts val="500"/>
+              </a:spcBef>
+              <a:spcAft>
+                <a:spcPts val="0"/>
+              </a:spcAft>
+              <a:buClr>
+                <a:schemeClr val="dk1"/>
+              </a:buClr>
+              <a:buSzPts val="2400"/>
+              <a:buFont typeface="Calibri"/>
+              <a:buNone/>
+            </a:pPr>
+            <a:endParaRPr dirty="0"/>
           </a:p>
           <a:p>
             <a:pPr marL="514350" lvl="0" indent="-514350" algn="l" rtl="0">
@@ -19829,10 +19883,10 @@
               <a:buAutoNum type="arabicPeriod"/>
             </a:pPr>
             <a:r>
-              <a:rPr lang="en-US"/>
+              <a:rPr lang="en-US" dirty="0"/>
               <a:t>Online Material (do this sequentially)</a:t>
             </a:r>
-            <a:endParaRPr/>
+            <a:endParaRPr dirty="0"/>
           </a:p>
           <a:p>
             <a:pPr marL="971550" lvl="1" indent="-514350" algn="l" rtl="0">
@@ -19853,10 +19907,10 @@
               <a:buAutoNum type="arabicPeriod"/>
             </a:pPr>
             <a:r>
-              <a:rPr lang="en-US"/>
+              <a:rPr lang="en-US" dirty="0"/>
               <a:t>Videos of screencasts </a:t>
             </a:r>
-            <a:endParaRPr/>
+            <a:endParaRPr dirty="0"/>
           </a:p>
           <a:p>
             <a:pPr marL="971550" lvl="1" indent="-514350" algn="l" rtl="0">
@@ -19877,10 +19931,10 @@
               <a:buAutoNum type="arabicPeriod"/>
             </a:pPr>
             <a:r>
-              <a:rPr lang="en-US"/>
+              <a:rPr lang="en-US" dirty="0"/>
               <a:t>Progress check assignments</a:t>
             </a:r>
-            <a:endParaRPr/>
+            <a:endParaRPr dirty="0"/>
           </a:p>
           <a:p>
             <a:pPr marL="457200" lvl="1" indent="0" algn="l" rtl="0">
@@ -19899,7 +19953,7 @@
               <a:buSzPts val="2400"/>
               <a:buNone/>
             </a:pPr>
-            <a:endParaRPr/>
+            <a:endParaRPr dirty="0"/>
           </a:p>
           <a:p>
             <a:pPr marL="971550" lvl="1" indent="-361950" algn="l" rtl="0">
@@ -19919,7 +19973,7 @@
               <a:buFont typeface="Calibri"/>
               <a:buNone/>
             </a:pPr>
-            <a:endParaRPr/>
+            <a:endParaRPr dirty="0"/>
           </a:p>
         </p:txBody>
       </p:sp>
